--- a/JPA.pptx
+++ b/JPA.pptx
@@ -13,6 +13,7 @@
     <p:sldId id="262" r:id="rId7"/>
     <p:sldId id="263" r:id="rId8"/>
     <p:sldId id="264" r:id="rId9"/>
+    <p:sldId id="265" r:id="rId10"/>
   </p:sldIdLst>
   <p:sldSz cx="12192000" cy="6858000"/>
   <p:notesSz cx="6858000" cy="9144000"/>
@@ -111,6 +112,11 @@
       </a:defRPr>
     </a:lvl9pPr>
   </p:defaultTextStyle>
+  <p:extLst>
+    <p:ext uri="{EFAFB233-063F-42B5-8137-9DF3F51BA10A}">
+      <p15:sldGuideLst xmlns:p15="http://schemas.microsoft.com/office/powerpoint/2012/main"/>
+    </p:ext>
+  </p:extLst>
 </p:presentation>
 </file>
 
@@ -266,7 +272,7 @@
           <a:p>
             <a:fld id="{45ECC915-3964-4B0E-B95E-56CE683397A3}" type="datetimeFigureOut">
               <a:rPr lang="es-MX" smtClean="0"/>
-              <a:t>14/05/2022</a:t>
+              <a:t>19/05/2022</a:t>
             </a:fld>
             <a:endParaRPr lang="es-MX"/>
           </a:p>
@@ -472,7 +478,7 @@
           <a:p>
             <a:fld id="{45ECC915-3964-4B0E-B95E-56CE683397A3}" type="datetimeFigureOut">
               <a:rPr lang="es-MX" smtClean="0"/>
-              <a:t>14/05/2022</a:t>
+              <a:t>19/05/2022</a:t>
             </a:fld>
             <a:endParaRPr lang="es-MX"/>
           </a:p>
@@ -683,7 +689,7 @@
           <a:p>
             <a:fld id="{45ECC915-3964-4B0E-B95E-56CE683397A3}" type="datetimeFigureOut">
               <a:rPr lang="es-MX" smtClean="0"/>
-              <a:t>14/05/2022</a:t>
+              <a:t>19/05/2022</a:t>
             </a:fld>
             <a:endParaRPr lang="es-MX"/>
           </a:p>
@@ -920,7 +926,7 @@
           <a:p>
             <a:fld id="{45ECC915-3964-4B0E-B95E-56CE683397A3}" type="datetimeFigureOut">
               <a:rPr lang="es-MX" smtClean="0"/>
-              <a:t>14/05/2022</a:t>
+              <a:t>19/05/2022</a:t>
             </a:fld>
             <a:endParaRPr lang="es-MX"/>
           </a:p>
@@ -1198,7 +1204,7 @@
           <a:p>
             <a:fld id="{45ECC915-3964-4B0E-B95E-56CE683397A3}" type="datetimeFigureOut">
               <a:rPr lang="es-MX" smtClean="0"/>
-              <a:t>14/05/2022</a:t>
+              <a:t>19/05/2022</a:t>
             </a:fld>
             <a:endParaRPr lang="es-MX"/>
           </a:p>
@@ -1471,7 +1477,7 @@
           <a:p>
             <a:fld id="{45ECC915-3964-4B0E-B95E-56CE683397A3}" type="datetimeFigureOut">
               <a:rPr lang="es-MX" smtClean="0"/>
-              <a:t>14/05/2022</a:t>
+              <a:t>19/05/2022</a:t>
             </a:fld>
             <a:endParaRPr lang="es-MX"/>
           </a:p>
@@ -1895,7 +1901,7 @@
           <a:p>
             <a:fld id="{45ECC915-3964-4B0E-B95E-56CE683397A3}" type="datetimeFigureOut">
               <a:rPr lang="es-MX" smtClean="0"/>
-              <a:t>14/05/2022</a:t>
+              <a:t>19/05/2022</a:t>
             </a:fld>
             <a:endParaRPr lang="es-MX"/>
           </a:p>
@@ -2036,7 +2042,7 @@
           <a:p>
             <a:fld id="{45ECC915-3964-4B0E-B95E-56CE683397A3}" type="datetimeFigureOut">
               <a:rPr lang="es-MX" smtClean="0"/>
-              <a:t>14/05/2022</a:t>
+              <a:t>19/05/2022</a:t>
             </a:fld>
             <a:endParaRPr lang="es-MX"/>
           </a:p>
@@ -2149,7 +2155,7 @@
           <a:p>
             <a:fld id="{45ECC915-3964-4B0E-B95E-56CE683397A3}" type="datetimeFigureOut">
               <a:rPr lang="es-MX" smtClean="0"/>
-              <a:t>14/05/2022</a:t>
+              <a:t>19/05/2022</a:t>
             </a:fld>
             <a:endParaRPr lang="es-MX"/>
           </a:p>
@@ -2466,7 +2472,7 @@
           <a:p>
             <a:fld id="{45ECC915-3964-4B0E-B95E-56CE683397A3}" type="datetimeFigureOut">
               <a:rPr lang="es-MX" smtClean="0"/>
-              <a:t>14/05/2022</a:t>
+              <a:t>19/05/2022</a:t>
             </a:fld>
             <a:endParaRPr lang="es-MX"/>
           </a:p>
@@ -2763,7 +2769,7 @@
           <a:p>
             <a:fld id="{45ECC915-3964-4B0E-B95E-56CE683397A3}" type="datetimeFigureOut">
               <a:rPr lang="es-MX" smtClean="0"/>
-              <a:t>14/05/2022</a:t>
+              <a:t>19/05/2022</a:t>
             </a:fld>
             <a:endParaRPr lang="es-MX"/>
           </a:p>
@@ -3042,7 +3048,7 @@
           <a:p>
             <a:fld id="{45ECC915-3964-4B0E-B95E-56CE683397A3}" type="datetimeFigureOut">
               <a:rPr lang="es-MX" smtClean="0"/>
-              <a:t>14/05/2022</a:t>
+              <a:t>19/05/2022</a:t>
             </a:fld>
             <a:endParaRPr lang="es-MX"/>
           </a:p>
@@ -3695,7 +3701,12 @@
             <p:ph idx="1"/>
           </p:nvPr>
         </p:nvSpPr>
-        <p:spPr/>
+        <p:spPr>
+          <a:xfrm>
+            <a:off x="838200" y="2371314"/>
+            <a:ext cx="10515600" cy="2300008"/>
+          </a:xfrm>
+        </p:spPr>
         <p:txBody>
           <a:bodyPr/>
           <a:lstStyle/>
@@ -3758,49 +3769,13 @@
             </a:r>
           </a:p>
           <a:p>
-            <a:pPr marL="0" indent="0" algn="just">
+            <a:pPr marL="0" indent="0">
               <a:buNone/>
             </a:pPr>
-            <a:r>
-              <a:rPr lang="es-MX" dirty="0"/>
-              <a:t>JPA utiliza las siguientes interfaces: </a:t>
-            </a:r>
-          </a:p>
-          <a:p>
             <a:endParaRPr lang="es-MX" dirty="0"/>
           </a:p>
         </p:txBody>
       </p:sp>
-      <p:pic>
-        <p:nvPicPr>
-          <p:cNvPr id="4" name="Imagen 3">
-            <a:extLst>
-              <a:ext uri="{FF2B5EF4-FFF2-40B4-BE49-F238E27FC236}">
-                <a16:creationId xmlns:a16="http://schemas.microsoft.com/office/drawing/2014/main" id="{EB4435D4-E6CD-465C-A664-08F9C96F7B73}"/>
-              </a:ext>
-            </a:extLst>
-          </p:cNvPr>
-          <p:cNvPicPr>
-            <a:picLocks noChangeAspect="1"/>
-          </p:cNvPicPr>
-          <p:nvPr/>
-        </p:nvPicPr>
-        <p:blipFill>
-          <a:blip r:embed="rId2"/>
-          <a:stretch>
-            <a:fillRect/>
-          </a:stretch>
-        </p:blipFill>
-        <p:spPr>
-          <a:xfrm>
-            <a:off x="2957512" y="4244219"/>
-            <a:ext cx="6276975" cy="1743075"/>
-          </a:xfrm>
-          <a:prstGeom prst="rect">
-            <a:avLst/>
-          </a:prstGeom>
-        </p:spPr>
-      </p:pic>
     </p:spTree>
     <p:extLst>
       <p:ext uri="{BB962C8B-B14F-4D97-AF65-F5344CB8AC3E}">
@@ -4927,6 +4902,379 @@
     <p:extLst>
       <p:ext uri="{BB962C8B-B14F-4D97-AF65-F5344CB8AC3E}">
         <p14:creationId xmlns:p14="http://schemas.microsoft.com/office/powerpoint/2010/main" val="4110970456"/>
+      </p:ext>
+    </p:extLst>
+  </p:cSld>
+  <p:clrMapOvr>
+    <a:masterClrMapping/>
+  </p:clrMapOvr>
+</p:sld>
+</file>
+
+<file path=ppt/slides/slide9.xml><?xml version="1.0" encoding="utf-8"?>
+<p:sld xmlns:a="http://schemas.openxmlformats.org/drawingml/2006/main" xmlns:r="http://schemas.openxmlformats.org/officeDocument/2006/relationships" xmlns:p="http://schemas.openxmlformats.org/presentationml/2006/main">
+  <p:cSld>
+    <p:spTree>
+      <p:nvGrpSpPr>
+        <p:cNvPr id="1" name=""/>
+        <p:cNvGrpSpPr/>
+        <p:nvPr/>
+      </p:nvGrpSpPr>
+      <p:grpSpPr>
+        <a:xfrm>
+          <a:off x="0" y="0"/>
+          <a:ext cx="0" cy="0"/>
+          <a:chOff x="0" y="0"/>
+          <a:chExt cx="0" cy="0"/>
+        </a:xfrm>
+      </p:grpSpPr>
+      <p:graphicFrame>
+        <p:nvGraphicFramePr>
+          <p:cNvPr id="4" name="Tabla 4">
+            <a:extLst>
+              <a:ext uri="{FF2B5EF4-FFF2-40B4-BE49-F238E27FC236}">
+                <a16:creationId xmlns:a16="http://schemas.microsoft.com/office/drawing/2014/main" id="{833316FF-DD01-4112-9556-57FBE6CA293F}"/>
+              </a:ext>
+            </a:extLst>
+          </p:cNvPr>
+          <p:cNvGraphicFramePr>
+            <a:graphicFrameLocks noGrp="1"/>
+          </p:cNvGraphicFramePr>
+          <p:nvPr>
+            <p:ph idx="1"/>
+            <p:extLst>
+              <p:ext uri="{D42A27DB-BD31-4B8C-83A1-F6EECF244321}">
+                <p14:modId xmlns:p14="http://schemas.microsoft.com/office/powerpoint/2010/main" val="875653832"/>
+              </p:ext>
+            </p:extLst>
+          </p:nvPr>
+        </p:nvGraphicFramePr>
+        <p:xfrm>
+          <a:off x="838201" y="288879"/>
+          <a:ext cx="10515597" cy="6280242"/>
+        </p:xfrm>
+        <a:graphic>
+          <a:graphicData uri="http://schemas.openxmlformats.org/drawingml/2006/table">
+            <a:tbl>
+              <a:tblPr firstRow="1" bandRow="1">
+                <a:tableStyleId>{5C22544A-7EE6-4342-B048-85BDC9FD1C3A}</a:tableStyleId>
+              </a:tblPr>
+              <a:tblGrid>
+                <a:gridCol w="3505199">
+                  <a:extLst>
+                    <a:ext uri="{9D8B030D-6E8A-4147-A177-3AD203B41FA5}">
+                      <a16:colId xmlns:a16="http://schemas.microsoft.com/office/drawing/2014/main" val="2468598298"/>
+                    </a:ext>
+                  </a:extLst>
+                </a:gridCol>
+                <a:gridCol w="3505199">
+                  <a:extLst>
+                    <a:ext uri="{9D8B030D-6E8A-4147-A177-3AD203B41FA5}">
+                      <a16:colId xmlns:a16="http://schemas.microsoft.com/office/drawing/2014/main" val="1523838951"/>
+                    </a:ext>
+                  </a:extLst>
+                </a:gridCol>
+                <a:gridCol w="3505199">
+                  <a:extLst>
+                    <a:ext uri="{9D8B030D-6E8A-4147-A177-3AD203B41FA5}">
+                      <a16:colId xmlns:a16="http://schemas.microsoft.com/office/drawing/2014/main" val="1160413274"/>
+                    </a:ext>
+                  </a:extLst>
+                </a:gridCol>
+              </a:tblGrid>
+              <a:tr h="610962">
+                <a:tc>
+                  <a:txBody>
+                    <a:bodyPr/>
+                    <a:lstStyle/>
+                    <a:p>
+                      <a:r>
+                        <a:rPr lang="es-MX" dirty="0"/>
+                        <a:t>Objecto</a:t>
+                      </a:r>
+                    </a:p>
+                  </a:txBody>
+                  <a:tcPr anchor="ctr"/>
+                </a:tc>
+                <a:tc>
+                  <a:txBody>
+                    <a:bodyPr/>
+                    <a:lstStyle/>
+                    <a:p>
+                      <a:r>
+                        <a:rPr lang="es-MX" dirty="0"/>
+                        <a:t>API Object</a:t>
+                      </a:r>
+                    </a:p>
+                  </a:txBody>
+                  <a:tcPr anchor="ctr"/>
+                </a:tc>
+                <a:tc>
+                  <a:txBody>
+                    <a:bodyPr/>
+                    <a:lstStyle/>
+                    <a:p>
+                      <a:r>
+                        <a:rPr lang="es-MX" dirty="0"/>
+                        <a:t>Descripción</a:t>
+                      </a:r>
+                    </a:p>
+                  </a:txBody>
+                  <a:tcPr anchor="ctr"/>
+                </a:tc>
+                <a:extLst>
+                  <a:ext uri="{0D108BD9-81ED-4DB2-BD59-A6C34878D82A}">
+                    <a16:rowId xmlns:a16="http://schemas.microsoft.com/office/drawing/2014/main" val="3166500721"/>
+                  </a:ext>
+                </a:extLst>
+              </a:tr>
+              <a:tr h="610962">
+                <a:tc>
+                  <a:txBody>
+                    <a:bodyPr/>
+                    <a:lstStyle/>
+                    <a:p>
+                      <a:r>
+                        <a:rPr lang="es-MX" dirty="0"/>
+                        <a:t>Persistence</a:t>
+                      </a:r>
+                    </a:p>
+                  </a:txBody>
+                  <a:tcPr anchor="ctr"/>
+                </a:tc>
+                <a:tc>
+                  <a:txBody>
+                    <a:bodyPr/>
+                    <a:lstStyle/>
+                    <a:p>
+                      <a:r>
+                        <a:rPr lang="es-MX" dirty="0"/>
+                        <a:t>Persistence</a:t>
+                      </a:r>
+                    </a:p>
+                  </a:txBody>
+                  <a:tcPr anchor="ctr"/>
+                </a:tc>
+                <a:tc>
+                  <a:txBody>
+                    <a:bodyPr/>
+                    <a:lstStyle/>
+                    <a:p>
+                      <a:r>
+                        <a:rPr lang="es-MX" dirty="0"/>
+                        <a:t>Clase de configuración para obtener un administrador de fábrica de entidades (Entity Manager Factory)</a:t>
+                      </a:r>
+                    </a:p>
+                  </a:txBody>
+                  <a:tcPr/>
+                </a:tc>
+                <a:extLst>
+                  <a:ext uri="{0D108BD9-81ED-4DB2-BD59-A6C34878D82A}">
+                    <a16:rowId xmlns:a16="http://schemas.microsoft.com/office/drawing/2014/main" val="2380779591"/>
+                  </a:ext>
+                </a:extLst>
+              </a:tr>
+              <a:tr h="610962">
+                <a:tc>
+                  <a:txBody>
+                    <a:bodyPr/>
+                    <a:lstStyle/>
+                    <a:p>
+                      <a:r>
+                        <a:rPr lang="es-MX" dirty="0"/>
+                        <a:t>Entity Manager Factory</a:t>
+                      </a:r>
+                    </a:p>
+                  </a:txBody>
+                  <a:tcPr anchor="ctr"/>
+                </a:tc>
+                <a:tc>
+                  <a:txBody>
+                    <a:bodyPr/>
+                    <a:lstStyle/>
+                    <a:p>
+                      <a:r>
+                        <a:rPr lang="es-MX" dirty="0"/>
+                        <a:t>EntityManagerFactory</a:t>
+                      </a:r>
+                    </a:p>
+                  </a:txBody>
+                  <a:tcPr anchor="ctr"/>
+                </a:tc>
+                <a:tc>
+                  <a:txBody>
+                    <a:bodyPr/>
+                    <a:lstStyle/>
+                    <a:p>
+                      <a:r>
+                        <a:rPr lang="es-MX" dirty="0"/>
+                        <a:t>Objecto de fábrica configurado utilizado para obtener administrador de entidades.</a:t>
+                      </a:r>
+                    </a:p>
+                  </a:txBody>
+                  <a:tcPr/>
+                </a:tc>
+                <a:extLst>
+                  <a:ext uri="{0D108BD9-81ED-4DB2-BD59-A6C34878D82A}">
+                    <a16:rowId xmlns:a16="http://schemas.microsoft.com/office/drawing/2014/main" val="3822889307"/>
+                  </a:ext>
+                </a:extLst>
+              </a:tr>
+              <a:tr h="610962">
+                <a:tc>
+                  <a:txBody>
+                    <a:bodyPr/>
+                    <a:lstStyle/>
+                    <a:p>
+                      <a:r>
+                        <a:rPr lang="es-MX" dirty="0"/>
+                        <a:t>Persistence Unit</a:t>
+                      </a:r>
+                    </a:p>
+                  </a:txBody>
+                  <a:tcPr anchor="ctr"/>
+                </a:tc>
+                <a:tc>
+                  <a:txBody>
+                    <a:bodyPr/>
+                    <a:lstStyle/>
+                    <a:p>
+                      <a:r>
+                        <a:rPr lang="es-MX" dirty="0"/>
+                        <a:t>--</a:t>
+                      </a:r>
+                    </a:p>
+                  </a:txBody>
+                  <a:tcPr anchor="ctr"/>
+                </a:tc>
+                <a:tc>
+                  <a:txBody>
+                    <a:bodyPr/>
+                    <a:lstStyle/>
+                    <a:p>
+                      <a:r>
+                        <a:rPr lang="es-MX" dirty="0"/>
+                        <a:t>Configuración con nombre que declara las clases de entidad. (Inyecta una instancia EntityManagerFactory).</a:t>
+                      </a:r>
+                    </a:p>
+                  </a:txBody>
+                  <a:tcPr/>
+                </a:tc>
+                <a:extLst>
+                  <a:ext uri="{0D108BD9-81ED-4DB2-BD59-A6C34878D82A}">
+                    <a16:rowId xmlns:a16="http://schemas.microsoft.com/office/drawing/2014/main" val="335267938"/>
+                  </a:ext>
+                </a:extLst>
+              </a:tr>
+              <a:tr h="610962">
+                <a:tc>
+                  <a:txBody>
+                    <a:bodyPr/>
+                    <a:lstStyle/>
+                    <a:p>
+                      <a:r>
+                        <a:rPr lang="es-MX" dirty="0"/>
+                        <a:t>Entity Manager</a:t>
+                      </a:r>
+                    </a:p>
+                  </a:txBody>
+                  <a:tcPr anchor="ctr"/>
+                </a:tc>
+                <a:tc>
+                  <a:txBody>
+                    <a:bodyPr/>
+                    <a:lstStyle/>
+                    <a:p>
+                      <a:r>
+                        <a:rPr lang="es-MX" dirty="0"/>
+                        <a:t>EntityManager</a:t>
+                      </a:r>
+                    </a:p>
+                  </a:txBody>
+                  <a:tcPr anchor="ctr"/>
+                </a:tc>
+                <a:tc>
+                  <a:txBody>
+                    <a:bodyPr/>
+                    <a:lstStyle/>
+                    <a:p>
+                      <a:r>
+                        <a:rPr lang="es-MX" dirty="0"/>
+                        <a:t>Objeto API utilizado para realizar operaciones y consultas de entidades</a:t>
+                      </a:r>
+                    </a:p>
+                  </a:txBody>
+                  <a:tcPr/>
+                </a:tc>
+                <a:extLst>
+                  <a:ext uri="{0D108BD9-81ED-4DB2-BD59-A6C34878D82A}">
+                    <a16:rowId xmlns:a16="http://schemas.microsoft.com/office/drawing/2014/main" val="4046115886"/>
+                  </a:ext>
+                </a:extLst>
+              </a:tr>
+              <a:tr h="610962">
+                <a:tc>
+                  <a:txBody>
+                    <a:bodyPr/>
+                    <a:lstStyle/>
+                    <a:p>
+                      <a:r>
+                        <a:rPr lang="es-MX" dirty="0" err="1"/>
+                        <a:t>Persit</a:t>
+                      </a:r>
+                      <a:r>
+                        <a:rPr lang="es-MX" dirty="0"/>
+                        <a:t> </a:t>
+                      </a:r>
+                      <a:r>
+                        <a:rPr lang="es-MX" dirty="0" err="1"/>
+                        <a:t>Context</a:t>
+                      </a:r>
+                      <a:endParaRPr lang="es-MX" dirty="0"/>
+                    </a:p>
+                  </a:txBody>
+                  <a:tcPr anchor="ctr"/>
+                </a:tc>
+                <a:tc>
+                  <a:txBody>
+                    <a:bodyPr/>
+                    <a:lstStyle/>
+                    <a:p>
+                      <a:r>
+                        <a:rPr lang="es-MX" dirty="0"/>
+                        <a:t>--</a:t>
+                      </a:r>
+                    </a:p>
+                  </a:txBody>
+                  <a:tcPr anchor="ctr"/>
+                </a:tc>
+                <a:tc>
+                  <a:txBody>
+                    <a:bodyPr/>
+                    <a:lstStyle/>
+                    <a:p>
+                      <a:r>
+                        <a:rPr lang="es-MX" dirty="0"/>
+                        <a:t>Conjunto de todas las instancias de entidad administradas por un administrador de entidad especifico. (Inyecta una instancia EntityManager).</a:t>
+                      </a:r>
+                    </a:p>
+                  </a:txBody>
+                  <a:tcPr/>
+                </a:tc>
+                <a:extLst>
+                  <a:ext uri="{0D108BD9-81ED-4DB2-BD59-A6C34878D82A}">
+                    <a16:rowId xmlns:a16="http://schemas.microsoft.com/office/drawing/2014/main" val="4231907820"/>
+                  </a:ext>
+                </a:extLst>
+              </a:tr>
+            </a:tbl>
+          </a:graphicData>
+        </a:graphic>
+      </p:graphicFrame>
+    </p:spTree>
+    <p:extLst>
+      <p:ext uri="{BB962C8B-B14F-4D97-AF65-F5344CB8AC3E}">
+        <p14:creationId xmlns:p14="http://schemas.microsoft.com/office/powerpoint/2010/main" val="2579029615"/>
       </p:ext>
     </p:extLst>
   </p:cSld>

--- a/JPA.pptx
+++ b/JPA.pptx
@@ -14,6 +14,9 @@
     <p:sldId id="263" r:id="rId8"/>
     <p:sldId id="264" r:id="rId9"/>
     <p:sldId id="265" r:id="rId10"/>
+    <p:sldId id="268" r:id="rId11"/>
+    <p:sldId id="266" r:id="rId12"/>
+    <p:sldId id="269" r:id="rId13"/>
   </p:sldIdLst>
   <p:sldSz cx="12192000" cy="6858000"/>
   <p:notesSz cx="6858000" cy="9144000"/>
@@ -272,7 +275,7 @@
           <a:p>
             <a:fld id="{45ECC915-3964-4B0E-B95E-56CE683397A3}" type="datetimeFigureOut">
               <a:rPr lang="es-MX" smtClean="0"/>
-              <a:t>19/05/2022</a:t>
+              <a:t>22/05/2022</a:t>
             </a:fld>
             <a:endParaRPr lang="es-MX"/>
           </a:p>
@@ -478,7 +481,7 @@
           <a:p>
             <a:fld id="{45ECC915-3964-4B0E-B95E-56CE683397A3}" type="datetimeFigureOut">
               <a:rPr lang="es-MX" smtClean="0"/>
-              <a:t>19/05/2022</a:t>
+              <a:t>22/05/2022</a:t>
             </a:fld>
             <a:endParaRPr lang="es-MX"/>
           </a:p>
@@ -689,7 +692,7 @@
           <a:p>
             <a:fld id="{45ECC915-3964-4B0E-B95E-56CE683397A3}" type="datetimeFigureOut">
               <a:rPr lang="es-MX" smtClean="0"/>
-              <a:t>19/05/2022</a:t>
+              <a:t>22/05/2022</a:t>
             </a:fld>
             <a:endParaRPr lang="es-MX"/>
           </a:p>
@@ -926,7 +929,7 @@
           <a:p>
             <a:fld id="{45ECC915-3964-4B0E-B95E-56CE683397A3}" type="datetimeFigureOut">
               <a:rPr lang="es-MX" smtClean="0"/>
-              <a:t>19/05/2022</a:t>
+              <a:t>22/05/2022</a:t>
             </a:fld>
             <a:endParaRPr lang="es-MX"/>
           </a:p>
@@ -1204,7 +1207,7 @@
           <a:p>
             <a:fld id="{45ECC915-3964-4B0E-B95E-56CE683397A3}" type="datetimeFigureOut">
               <a:rPr lang="es-MX" smtClean="0"/>
-              <a:t>19/05/2022</a:t>
+              <a:t>22/05/2022</a:t>
             </a:fld>
             <a:endParaRPr lang="es-MX"/>
           </a:p>
@@ -1477,7 +1480,7 @@
           <a:p>
             <a:fld id="{45ECC915-3964-4B0E-B95E-56CE683397A3}" type="datetimeFigureOut">
               <a:rPr lang="es-MX" smtClean="0"/>
-              <a:t>19/05/2022</a:t>
+              <a:t>22/05/2022</a:t>
             </a:fld>
             <a:endParaRPr lang="es-MX"/>
           </a:p>
@@ -1901,7 +1904,7 @@
           <a:p>
             <a:fld id="{45ECC915-3964-4B0E-B95E-56CE683397A3}" type="datetimeFigureOut">
               <a:rPr lang="es-MX" smtClean="0"/>
-              <a:t>19/05/2022</a:t>
+              <a:t>22/05/2022</a:t>
             </a:fld>
             <a:endParaRPr lang="es-MX"/>
           </a:p>
@@ -2042,7 +2045,7 @@
           <a:p>
             <a:fld id="{45ECC915-3964-4B0E-B95E-56CE683397A3}" type="datetimeFigureOut">
               <a:rPr lang="es-MX" smtClean="0"/>
-              <a:t>19/05/2022</a:t>
+              <a:t>22/05/2022</a:t>
             </a:fld>
             <a:endParaRPr lang="es-MX"/>
           </a:p>
@@ -2155,7 +2158,7 @@
           <a:p>
             <a:fld id="{45ECC915-3964-4B0E-B95E-56CE683397A3}" type="datetimeFigureOut">
               <a:rPr lang="es-MX" smtClean="0"/>
-              <a:t>19/05/2022</a:t>
+              <a:t>22/05/2022</a:t>
             </a:fld>
             <a:endParaRPr lang="es-MX"/>
           </a:p>
@@ -2472,7 +2475,7 @@
           <a:p>
             <a:fld id="{45ECC915-3964-4B0E-B95E-56CE683397A3}" type="datetimeFigureOut">
               <a:rPr lang="es-MX" smtClean="0"/>
-              <a:t>19/05/2022</a:t>
+              <a:t>22/05/2022</a:t>
             </a:fld>
             <a:endParaRPr lang="es-MX"/>
           </a:p>
@@ -2769,7 +2772,7 @@
           <a:p>
             <a:fld id="{45ECC915-3964-4B0E-B95E-56CE683397A3}" type="datetimeFigureOut">
               <a:rPr lang="es-MX" smtClean="0"/>
-              <a:t>19/05/2022</a:t>
+              <a:t>22/05/2022</a:t>
             </a:fld>
             <a:endParaRPr lang="es-MX"/>
           </a:p>
@@ -3048,7 +3051,7 @@
           <a:p>
             <a:fld id="{45ECC915-3964-4B0E-B95E-56CE683397A3}" type="datetimeFigureOut">
               <a:rPr lang="es-MX" smtClean="0"/>
-              <a:t>19/05/2022</a:t>
+              <a:t>22/05/2022</a:t>
             </a:fld>
             <a:endParaRPr lang="es-MX"/>
           </a:p>
@@ -3534,6 +3537,1150 @@
 </p:sld>
 </file>
 
+<file path=ppt/slides/slide10.xml><?xml version="1.0" encoding="utf-8"?>
+<p:sld xmlns:a="http://schemas.openxmlformats.org/drawingml/2006/main" xmlns:r="http://schemas.openxmlformats.org/officeDocument/2006/relationships" xmlns:p="http://schemas.openxmlformats.org/presentationml/2006/main">
+  <p:cSld>
+    <p:spTree>
+      <p:nvGrpSpPr>
+        <p:cNvPr id="1" name=""/>
+        <p:cNvGrpSpPr/>
+        <p:nvPr/>
+      </p:nvGrpSpPr>
+      <p:grpSpPr>
+        <a:xfrm>
+          <a:off x="0" y="0"/>
+          <a:ext cx="0" cy="0"/>
+          <a:chOff x="0" y="0"/>
+          <a:chExt cx="0" cy="0"/>
+        </a:xfrm>
+      </p:grpSpPr>
+      <p:sp>
+        <p:nvSpPr>
+          <p:cNvPr id="2" name="Título 1">
+            <a:extLst>
+              <a:ext uri="{FF2B5EF4-FFF2-40B4-BE49-F238E27FC236}">
+                <a16:creationId xmlns:a16="http://schemas.microsoft.com/office/drawing/2014/main" id="{750297A0-0CF5-4AAB-A7CC-DD9E551041C2}"/>
+              </a:ext>
+            </a:extLst>
+          </p:cNvPr>
+          <p:cNvSpPr>
+            <a:spLocks noGrp="1"/>
+          </p:cNvSpPr>
+          <p:nvPr>
+            <p:ph type="title"/>
+          </p:nvPr>
+        </p:nvSpPr>
+        <p:spPr>
+          <a:xfrm>
+            <a:off x="504547" y="326623"/>
+            <a:ext cx="11071568" cy="712064"/>
+          </a:xfrm>
+        </p:spPr>
+        <p:txBody>
+          <a:bodyPr/>
+          <a:lstStyle/>
+          <a:p>
+            <a:r>
+              <a:rPr lang="es-MX" sz="2000" b="1" dirty="0"/>
+              <a:t>Clase de configuración y conexión (Remplazando el persitense.XML) con Spring ORM</a:t>
+            </a:r>
+          </a:p>
+        </p:txBody>
+      </p:sp>
+      <p:sp>
+        <p:nvSpPr>
+          <p:cNvPr id="4" name="Rectángulo: esquinas redondeadas 3">
+            <a:extLst>
+              <a:ext uri="{FF2B5EF4-FFF2-40B4-BE49-F238E27FC236}">
+                <a16:creationId xmlns:a16="http://schemas.microsoft.com/office/drawing/2014/main" id="{5B4B0079-8714-463E-BDDC-3D6AE2599F7A}"/>
+              </a:ext>
+            </a:extLst>
+          </p:cNvPr>
+          <p:cNvSpPr/>
+          <p:nvPr/>
+        </p:nvSpPr>
+        <p:spPr>
+          <a:xfrm>
+            <a:off x="301851" y="1806568"/>
+            <a:ext cx="2565636" cy="712065"/>
+          </a:xfrm>
+          <a:prstGeom prst="roundRect">
+            <a:avLst/>
+          </a:prstGeom>
+          <a:solidFill>
+            <a:schemeClr val="accent5">
+              <a:lumMod val="40000"/>
+              <a:lumOff val="60000"/>
+            </a:schemeClr>
+          </a:solidFill>
+        </p:spPr>
+        <p:style>
+          <a:lnRef idx="2">
+            <a:schemeClr val="accent1">
+              <a:shade val="50000"/>
+            </a:schemeClr>
+          </a:lnRef>
+          <a:fillRef idx="1">
+            <a:schemeClr val="accent1"/>
+          </a:fillRef>
+          <a:effectRef idx="0">
+            <a:schemeClr val="accent1"/>
+          </a:effectRef>
+          <a:fontRef idx="minor">
+            <a:schemeClr val="lt1"/>
+          </a:fontRef>
+        </p:style>
+        <p:txBody>
+          <a:bodyPr rtlCol="0" anchor="ctr"/>
+          <a:lstStyle/>
+          <a:p>
+            <a:pPr algn="ctr"/>
+            <a:r>
+              <a:rPr lang="es-MX" sz="1400" dirty="0" err="1">
+                <a:solidFill>
+                  <a:schemeClr val="tx1"/>
+                </a:solidFill>
+              </a:rPr>
+              <a:t>Public</a:t>
+            </a:r>
+            <a:r>
+              <a:rPr lang="es-MX" sz="1400" dirty="0">
+                <a:solidFill>
+                  <a:schemeClr val="tx1"/>
+                </a:solidFill>
+              </a:rPr>
+              <a:t> </a:t>
+            </a:r>
+            <a:r>
+              <a:rPr lang="es-MX" sz="1400" dirty="0" err="1">
+                <a:solidFill>
+                  <a:schemeClr val="tx1"/>
+                </a:solidFill>
+              </a:rPr>
+              <a:t>DataSources</a:t>
+            </a:r>
+            <a:r>
+              <a:rPr lang="es-MX" sz="1400" dirty="0">
+                <a:solidFill>
+                  <a:schemeClr val="tx1"/>
+                </a:solidFill>
+              </a:rPr>
+              <a:t>(){</a:t>
+            </a:r>
+          </a:p>
+          <a:p>
+            <a:pPr algn="ctr"/>
+            <a:r>
+              <a:rPr lang="es-MX" sz="1400" dirty="0" err="1">
+                <a:solidFill>
+                  <a:schemeClr val="tx1"/>
+                </a:solidFill>
+              </a:rPr>
+              <a:t>DriverManagerDataSource</a:t>
+            </a:r>
+            <a:r>
+              <a:rPr lang="es-MX" sz="1400" dirty="0">
+                <a:solidFill>
+                  <a:schemeClr val="tx1"/>
+                </a:solidFill>
+              </a:rPr>
+              <a:t>}</a:t>
+            </a:r>
+          </a:p>
+        </p:txBody>
+      </p:sp>
+      <p:sp>
+        <p:nvSpPr>
+          <p:cNvPr id="5" name="CuadroTexto 4">
+            <a:extLst>
+              <a:ext uri="{FF2B5EF4-FFF2-40B4-BE49-F238E27FC236}">
+                <a16:creationId xmlns:a16="http://schemas.microsoft.com/office/drawing/2014/main" id="{9403547E-113F-408E-BF67-A7E8E620DC7F}"/>
+              </a:ext>
+            </a:extLst>
+          </p:cNvPr>
+          <p:cNvSpPr txBox="1"/>
+          <p:nvPr/>
+        </p:nvSpPr>
+        <p:spPr>
+          <a:xfrm>
+            <a:off x="712186" y="2571865"/>
+            <a:ext cx="2155301" cy="338554"/>
+          </a:xfrm>
+          <a:prstGeom prst="rect">
+            <a:avLst/>
+          </a:prstGeom>
+          <a:noFill/>
+        </p:spPr>
+        <p:txBody>
+          <a:bodyPr wrap="square" rtlCol="0">
+            <a:spAutoFit/>
+          </a:bodyPr>
+          <a:lstStyle/>
+          <a:p>
+            <a:r>
+              <a:rPr lang="es-MX" sz="1600" dirty="0" err="1"/>
+              <a:t>Database.properties</a:t>
+            </a:r>
+            <a:endParaRPr lang="es-MX" sz="1600" dirty="0"/>
+          </a:p>
+        </p:txBody>
+      </p:sp>
+      <p:cxnSp>
+        <p:nvCxnSpPr>
+          <p:cNvPr id="6" name="Conector recto de flecha 5">
+            <a:extLst>
+              <a:ext uri="{FF2B5EF4-FFF2-40B4-BE49-F238E27FC236}">
+                <a16:creationId xmlns:a16="http://schemas.microsoft.com/office/drawing/2014/main" id="{6DDAF9CF-AAA7-4C47-BE01-70C29A4417AA}"/>
+              </a:ext>
+            </a:extLst>
+          </p:cNvPr>
+          <p:cNvCxnSpPr>
+            <a:cxnSpLocks/>
+            <a:stCxn id="4" idx="3"/>
+            <a:endCxn id="12" idx="1"/>
+          </p:cNvCxnSpPr>
+          <p:nvPr/>
+        </p:nvCxnSpPr>
+        <p:spPr>
+          <a:xfrm flipV="1">
+            <a:off x="2867487" y="1974149"/>
+            <a:ext cx="800470" cy="188452"/>
+          </a:xfrm>
+          <a:prstGeom prst="straightConnector1">
+            <a:avLst/>
+          </a:prstGeom>
+          <a:ln w="12700">
+            <a:solidFill>
+              <a:schemeClr val="tx1"/>
+            </a:solidFill>
+            <a:tailEnd type="triangle"/>
+          </a:ln>
+        </p:spPr>
+        <p:style>
+          <a:lnRef idx="1">
+            <a:schemeClr val="accent1"/>
+          </a:lnRef>
+          <a:fillRef idx="0">
+            <a:schemeClr val="accent1"/>
+          </a:fillRef>
+          <a:effectRef idx="0">
+            <a:schemeClr val="accent1"/>
+          </a:effectRef>
+          <a:fontRef idx="minor">
+            <a:schemeClr val="tx1"/>
+          </a:fontRef>
+        </p:style>
+      </p:cxnSp>
+      <p:sp>
+        <p:nvSpPr>
+          <p:cNvPr id="12" name="Rectángulo: esquinas redondeadas 11">
+            <a:extLst>
+              <a:ext uri="{FF2B5EF4-FFF2-40B4-BE49-F238E27FC236}">
+                <a16:creationId xmlns:a16="http://schemas.microsoft.com/office/drawing/2014/main" id="{AECD6996-AFBF-444E-933C-B00280E216D7}"/>
+              </a:ext>
+            </a:extLst>
+          </p:cNvPr>
+          <p:cNvSpPr/>
+          <p:nvPr/>
+        </p:nvSpPr>
+        <p:spPr>
+          <a:xfrm>
+            <a:off x="3667957" y="1557967"/>
+            <a:ext cx="3906791" cy="832364"/>
+          </a:xfrm>
+          <a:prstGeom prst="roundRect">
+            <a:avLst/>
+          </a:prstGeom>
+          <a:solidFill>
+            <a:schemeClr val="accent5">
+              <a:lumMod val="40000"/>
+              <a:lumOff val="60000"/>
+            </a:schemeClr>
+          </a:solidFill>
+        </p:spPr>
+        <p:style>
+          <a:lnRef idx="2">
+            <a:schemeClr val="accent1">
+              <a:shade val="50000"/>
+            </a:schemeClr>
+          </a:lnRef>
+          <a:fillRef idx="1">
+            <a:schemeClr val="accent1"/>
+          </a:fillRef>
+          <a:effectRef idx="0">
+            <a:schemeClr val="accent1"/>
+          </a:effectRef>
+          <a:fontRef idx="minor">
+            <a:schemeClr val="lt1"/>
+          </a:fontRef>
+        </p:style>
+        <p:txBody>
+          <a:bodyPr rtlCol="0" anchor="ctr"/>
+          <a:lstStyle/>
+          <a:p>
+            <a:pPr algn="ctr"/>
+            <a:r>
+              <a:rPr lang="es-MX" sz="1400" dirty="0" err="1">
+                <a:solidFill>
+                  <a:schemeClr val="tx1"/>
+                </a:solidFill>
+              </a:rPr>
+              <a:t>Public</a:t>
+            </a:r>
+            <a:r>
+              <a:rPr lang="es-MX" sz="1400" dirty="0">
+                <a:solidFill>
+                  <a:schemeClr val="tx1"/>
+                </a:solidFill>
+              </a:rPr>
+              <a:t> EntityManagerFactory(){</a:t>
+            </a:r>
+          </a:p>
+          <a:p>
+            <a:pPr algn="ctr"/>
+            <a:r>
+              <a:rPr lang="es-MX" sz="1400" dirty="0">
+                <a:solidFill>
+                  <a:schemeClr val="tx1"/>
+                </a:solidFill>
+              </a:rPr>
+              <a:t>LocalContainerEntityManagerFactoryBean}</a:t>
+            </a:r>
+          </a:p>
+        </p:txBody>
+      </p:sp>
+      <p:sp>
+        <p:nvSpPr>
+          <p:cNvPr id="23" name="Rectángulo: esquinas redondeadas 22">
+            <a:extLst>
+              <a:ext uri="{FF2B5EF4-FFF2-40B4-BE49-F238E27FC236}">
+                <a16:creationId xmlns:a16="http://schemas.microsoft.com/office/drawing/2014/main" id="{5540E137-218B-4D13-AC69-5383A1A7DE5C}"/>
+              </a:ext>
+            </a:extLst>
+          </p:cNvPr>
+          <p:cNvSpPr/>
+          <p:nvPr/>
+        </p:nvSpPr>
+        <p:spPr>
+          <a:xfrm>
+            <a:off x="1243314" y="4105852"/>
+            <a:ext cx="2565637" cy="712064"/>
+          </a:xfrm>
+          <a:prstGeom prst="roundRect">
+            <a:avLst/>
+          </a:prstGeom>
+          <a:solidFill>
+            <a:schemeClr val="accent5">
+              <a:lumMod val="40000"/>
+              <a:lumOff val="60000"/>
+            </a:schemeClr>
+          </a:solidFill>
+        </p:spPr>
+        <p:style>
+          <a:lnRef idx="2">
+            <a:schemeClr val="accent1">
+              <a:shade val="50000"/>
+            </a:schemeClr>
+          </a:lnRef>
+          <a:fillRef idx="1">
+            <a:schemeClr val="accent1"/>
+          </a:fillRef>
+          <a:effectRef idx="0">
+            <a:schemeClr val="accent1"/>
+          </a:effectRef>
+          <a:fontRef idx="minor">
+            <a:schemeClr val="lt1"/>
+          </a:fontRef>
+        </p:style>
+        <p:txBody>
+          <a:bodyPr rtlCol="0" anchor="ctr"/>
+          <a:lstStyle/>
+          <a:p>
+            <a:pPr algn="ctr"/>
+            <a:r>
+              <a:rPr lang="es-MX" sz="1400" dirty="0">
+                <a:solidFill>
+                  <a:schemeClr val="tx1"/>
+                </a:solidFill>
+              </a:rPr>
+              <a:t> </a:t>
+            </a:r>
+            <a:r>
+              <a:rPr lang="es-MX" sz="1400" dirty="0" err="1">
+                <a:solidFill>
+                  <a:schemeClr val="tx1"/>
+                </a:solidFill>
+              </a:rPr>
+              <a:t>public</a:t>
+            </a:r>
+            <a:r>
+              <a:rPr lang="es-MX" sz="1400" dirty="0">
+                <a:solidFill>
+                  <a:schemeClr val="tx1"/>
+                </a:solidFill>
+              </a:rPr>
+              <a:t> </a:t>
+            </a:r>
+            <a:r>
+              <a:rPr lang="es-MX" sz="1400" dirty="0" err="1">
+                <a:solidFill>
+                  <a:schemeClr val="tx1"/>
+                </a:solidFill>
+              </a:rPr>
+              <a:t>hibernateProperties</a:t>
+            </a:r>
+            <a:r>
+              <a:rPr lang="es-MX" sz="1400" dirty="0">
+                <a:solidFill>
+                  <a:schemeClr val="tx1"/>
+                </a:solidFill>
+              </a:rPr>
+              <a:t>(){</a:t>
+            </a:r>
+          </a:p>
+          <a:p>
+            <a:pPr algn="ctr"/>
+            <a:r>
+              <a:rPr lang="es-MX" sz="1400" dirty="0">
+                <a:solidFill>
+                  <a:schemeClr val="tx1"/>
+                </a:solidFill>
+              </a:rPr>
+              <a:t>Properties}</a:t>
+            </a:r>
+          </a:p>
+        </p:txBody>
+      </p:sp>
+      <p:cxnSp>
+        <p:nvCxnSpPr>
+          <p:cNvPr id="24" name="Conector recto de flecha 23">
+            <a:extLst>
+              <a:ext uri="{FF2B5EF4-FFF2-40B4-BE49-F238E27FC236}">
+                <a16:creationId xmlns:a16="http://schemas.microsoft.com/office/drawing/2014/main" id="{1D89F6F0-4F37-468C-A86A-E48829AFE4F7}"/>
+              </a:ext>
+            </a:extLst>
+          </p:cNvPr>
+          <p:cNvCxnSpPr>
+            <a:cxnSpLocks/>
+            <a:stCxn id="23" idx="0"/>
+            <a:endCxn id="12" idx="1"/>
+          </p:cNvCxnSpPr>
+          <p:nvPr/>
+        </p:nvCxnSpPr>
+        <p:spPr>
+          <a:xfrm flipV="1">
+            <a:off x="2526133" y="1974149"/>
+            <a:ext cx="1141824" cy="2131703"/>
+          </a:xfrm>
+          <a:prstGeom prst="straightConnector1">
+            <a:avLst/>
+          </a:prstGeom>
+          <a:ln w="12700">
+            <a:solidFill>
+              <a:schemeClr val="tx1"/>
+            </a:solidFill>
+            <a:tailEnd type="triangle"/>
+          </a:ln>
+        </p:spPr>
+        <p:style>
+          <a:lnRef idx="1">
+            <a:schemeClr val="accent1"/>
+          </a:lnRef>
+          <a:fillRef idx="0">
+            <a:schemeClr val="accent1"/>
+          </a:fillRef>
+          <a:effectRef idx="0">
+            <a:schemeClr val="accent1"/>
+          </a:effectRef>
+          <a:fontRef idx="minor">
+            <a:schemeClr val="tx1"/>
+          </a:fontRef>
+        </p:style>
+      </p:cxnSp>
+      <p:sp>
+        <p:nvSpPr>
+          <p:cNvPr id="38" name="CuadroTexto 37">
+            <a:extLst>
+              <a:ext uri="{FF2B5EF4-FFF2-40B4-BE49-F238E27FC236}">
+                <a16:creationId xmlns:a16="http://schemas.microsoft.com/office/drawing/2014/main" id="{EFA07BC0-774C-4080-B97E-F071D34880A0}"/>
+              </a:ext>
+            </a:extLst>
+          </p:cNvPr>
+          <p:cNvSpPr txBox="1"/>
+          <p:nvPr/>
+        </p:nvSpPr>
+        <p:spPr>
+          <a:xfrm>
+            <a:off x="4334459" y="2425091"/>
+            <a:ext cx="2573786" cy="523220"/>
+          </a:xfrm>
+          <a:prstGeom prst="rect">
+            <a:avLst/>
+          </a:prstGeom>
+          <a:noFill/>
+        </p:spPr>
+        <p:txBody>
+          <a:bodyPr wrap="square" rtlCol="0">
+            <a:spAutoFit/>
+          </a:bodyPr>
+          <a:lstStyle/>
+          <a:p>
+            <a:r>
+              <a:rPr lang="es-MX" sz="1200" dirty="0"/>
+              <a:t>New </a:t>
+            </a:r>
+            <a:r>
+              <a:rPr lang="es-MX" sz="1200" dirty="0" err="1"/>
+              <a:t>HibernateJpaVendorAdapter</a:t>
+            </a:r>
+            <a:r>
+              <a:rPr lang="es-MX" sz="1200" dirty="0"/>
+              <a:t>()</a:t>
+            </a:r>
+          </a:p>
+          <a:p>
+            <a:r>
+              <a:rPr lang="es-MX" sz="1400" dirty="0" err="1"/>
+              <a:t>hibernateProperties</a:t>
+            </a:r>
+            <a:r>
+              <a:rPr lang="es-MX" sz="1600" dirty="0"/>
+              <a:t>()</a:t>
+            </a:r>
+          </a:p>
+        </p:txBody>
+      </p:sp>
+      <p:sp>
+        <p:nvSpPr>
+          <p:cNvPr id="39" name="CuadroTexto 38">
+            <a:extLst>
+              <a:ext uri="{FF2B5EF4-FFF2-40B4-BE49-F238E27FC236}">
+                <a16:creationId xmlns:a16="http://schemas.microsoft.com/office/drawing/2014/main" id="{91BDF0AD-B599-4C7E-A6E6-7B303C79736F}"/>
+              </a:ext>
+            </a:extLst>
+          </p:cNvPr>
+          <p:cNvSpPr txBox="1"/>
+          <p:nvPr/>
+        </p:nvSpPr>
+        <p:spPr>
+          <a:xfrm>
+            <a:off x="1512656" y="4835694"/>
+            <a:ext cx="2155301" cy="338554"/>
+          </a:xfrm>
+          <a:prstGeom prst="rect">
+            <a:avLst/>
+          </a:prstGeom>
+          <a:noFill/>
+        </p:spPr>
+        <p:txBody>
+          <a:bodyPr wrap="square" rtlCol="0">
+            <a:spAutoFit/>
+          </a:bodyPr>
+          <a:lstStyle/>
+          <a:p>
+            <a:r>
+              <a:rPr lang="es-MX" sz="1600" dirty="0" err="1"/>
+              <a:t>Database.properties</a:t>
+            </a:r>
+            <a:endParaRPr lang="es-MX" sz="1600" dirty="0"/>
+          </a:p>
+        </p:txBody>
+      </p:sp>
+      <p:sp>
+        <p:nvSpPr>
+          <p:cNvPr id="40" name="Rectángulo: esquinas redondeadas 39">
+            <a:extLst>
+              <a:ext uri="{FF2B5EF4-FFF2-40B4-BE49-F238E27FC236}">
+                <a16:creationId xmlns:a16="http://schemas.microsoft.com/office/drawing/2014/main" id="{7EB80338-B593-445B-B4AB-84F241E38251}"/>
+              </a:ext>
+            </a:extLst>
+          </p:cNvPr>
+          <p:cNvSpPr/>
+          <p:nvPr/>
+        </p:nvSpPr>
+        <p:spPr>
+          <a:xfrm>
+            <a:off x="8730664" y="2727804"/>
+            <a:ext cx="2943472" cy="636202"/>
+          </a:xfrm>
+          <a:prstGeom prst="roundRect">
+            <a:avLst/>
+          </a:prstGeom>
+          <a:solidFill>
+            <a:schemeClr val="accent5">
+              <a:lumMod val="40000"/>
+              <a:lumOff val="60000"/>
+            </a:schemeClr>
+          </a:solidFill>
+        </p:spPr>
+        <p:style>
+          <a:lnRef idx="2">
+            <a:schemeClr val="accent1">
+              <a:shade val="50000"/>
+            </a:schemeClr>
+          </a:lnRef>
+          <a:fillRef idx="1">
+            <a:schemeClr val="accent1"/>
+          </a:fillRef>
+          <a:effectRef idx="0">
+            <a:schemeClr val="accent1"/>
+          </a:effectRef>
+          <a:fontRef idx="minor">
+            <a:schemeClr val="lt1"/>
+          </a:fontRef>
+        </p:style>
+        <p:txBody>
+          <a:bodyPr rtlCol="0" anchor="ctr"/>
+          <a:lstStyle/>
+          <a:p>
+            <a:pPr algn="ctr"/>
+            <a:r>
+              <a:rPr lang="es-MX" sz="1400" dirty="0" err="1">
+                <a:solidFill>
+                  <a:schemeClr val="tx1"/>
+                </a:solidFill>
+              </a:rPr>
+              <a:t>Public</a:t>
+            </a:r>
+            <a:r>
+              <a:rPr lang="es-MX" sz="1400" dirty="0">
+                <a:solidFill>
+                  <a:schemeClr val="tx1"/>
+                </a:solidFill>
+              </a:rPr>
+              <a:t> </a:t>
+            </a:r>
+            <a:r>
+              <a:rPr lang="es-MX" sz="1400" dirty="0" err="1">
+                <a:solidFill>
+                  <a:schemeClr val="tx1"/>
+                </a:solidFill>
+              </a:rPr>
+              <a:t>JpaTransactionManager</a:t>
+            </a:r>
+            <a:r>
+              <a:rPr lang="es-MX" sz="1400" dirty="0">
+                <a:solidFill>
+                  <a:schemeClr val="tx1"/>
+                </a:solidFill>
+              </a:rPr>
+              <a:t> (){</a:t>
+            </a:r>
+          </a:p>
+          <a:p>
+            <a:pPr algn="ctr"/>
+            <a:r>
+              <a:rPr lang="es-MX" sz="1400" dirty="0" err="1">
+                <a:solidFill>
+                  <a:schemeClr val="tx1"/>
+                </a:solidFill>
+              </a:rPr>
+              <a:t>JpaTransactionManager</a:t>
+            </a:r>
+            <a:r>
+              <a:rPr lang="es-MX" sz="1400" dirty="0">
+                <a:solidFill>
+                  <a:schemeClr val="tx1"/>
+                </a:solidFill>
+              </a:rPr>
+              <a:t>}</a:t>
+            </a:r>
+          </a:p>
+        </p:txBody>
+      </p:sp>
+      <p:sp>
+        <p:nvSpPr>
+          <p:cNvPr id="44" name="CuadroTexto 43">
+            <a:extLst>
+              <a:ext uri="{FF2B5EF4-FFF2-40B4-BE49-F238E27FC236}">
+                <a16:creationId xmlns:a16="http://schemas.microsoft.com/office/drawing/2014/main" id="{36A4F9E5-D9FF-4AA4-8253-B0796594A1D2}"/>
+              </a:ext>
+            </a:extLst>
+          </p:cNvPr>
+          <p:cNvSpPr txBox="1"/>
+          <p:nvPr/>
+        </p:nvSpPr>
+        <p:spPr>
+          <a:xfrm>
+            <a:off x="8457613" y="1727487"/>
+            <a:ext cx="3370889" cy="523220"/>
+          </a:xfrm>
+          <a:prstGeom prst="rect">
+            <a:avLst/>
+          </a:prstGeom>
+          <a:noFill/>
+        </p:spPr>
+        <p:txBody>
+          <a:bodyPr wrap="square" rtlCol="0">
+            <a:spAutoFit/>
+          </a:bodyPr>
+          <a:lstStyle/>
+          <a:p>
+            <a:r>
+              <a:rPr lang="es-MX" sz="1400" b="1" dirty="0"/>
+              <a:t>Método opcional si quiere trabajar con etiquetas @Transactional</a:t>
+            </a:r>
+          </a:p>
+        </p:txBody>
+      </p:sp>
+      <p:sp>
+        <p:nvSpPr>
+          <p:cNvPr id="45" name="CuadroTexto 44">
+            <a:extLst>
+              <a:ext uri="{FF2B5EF4-FFF2-40B4-BE49-F238E27FC236}">
+                <a16:creationId xmlns:a16="http://schemas.microsoft.com/office/drawing/2014/main" id="{6AABDF9F-40C2-498F-99EF-D3EDAE27CDE3}"/>
+              </a:ext>
+            </a:extLst>
+          </p:cNvPr>
+          <p:cNvSpPr txBox="1"/>
+          <p:nvPr/>
+        </p:nvSpPr>
+        <p:spPr>
+          <a:xfrm>
+            <a:off x="8375218" y="4081641"/>
+            <a:ext cx="3535680" cy="923330"/>
+          </a:xfrm>
+          <a:prstGeom prst="rect">
+            <a:avLst/>
+          </a:prstGeom>
+          <a:noFill/>
+        </p:spPr>
+        <p:txBody>
+          <a:bodyPr wrap="square" rtlCol="0">
+            <a:spAutoFit/>
+          </a:bodyPr>
+          <a:lstStyle/>
+          <a:p>
+            <a:pPr marL="171450" indent="-171450">
+              <a:buFont typeface="Arial" panose="020B0604020202020204" pitchFamily="34" charset="0"/>
+              <a:buChar char="•"/>
+            </a:pPr>
+            <a:r>
+              <a:rPr lang="es-MX" sz="1200" dirty="0"/>
+              <a:t>Además de añadir etiqueta </a:t>
+            </a:r>
+            <a:r>
+              <a:rPr lang="es-MX" sz="1200" dirty="0">
+                <a:solidFill>
+                  <a:srgbClr val="3F7F5F"/>
+                </a:solidFill>
+                <a:highlight>
+                  <a:srgbClr val="E8F2FE"/>
+                </a:highlight>
+                <a:latin typeface="Consolas" panose="020B0609020204030204" pitchFamily="49" charset="0"/>
+              </a:rPr>
+              <a:t>@EnableTransactionManagement </a:t>
+            </a:r>
+            <a:r>
+              <a:rPr lang="es-MX" sz="1200" dirty="0"/>
+              <a:t>en el archivo o </a:t>
+            </a:r>
+            <a:r>
+              <a:rPr lang="es-MX" sz="1200" dirty="0" err="1"/>
+              <a:t>class</a:t>
+            </a:r>
+            <a:r>
+              <a:rPr lang="es-MX" sz="1200" dirty="0"/>
+              <a:t> de configuración y sobre los métodos un </a:t>
+            </a:r>
+            <a:r>
+              <a:rPr lang="es-MX" sz="1200" dirty="0">
+                <a:solidFill>
+                  <a:srgbClr val="3F7F5F"/>
+                </a:solidFill>
+                <a:highlight>
+                  <a:srgbClr val="E8F2FE"/>
+                </a:highlight>
+                <a:latin typeface="Consolas" panose="020B0609020204030204" pitchFamily="49" charset="0"/>
+              </a:rPr>
+              <a:t>@Transactional</a:t>
+            </a:r>
+            <a:r>
+              <a:rPr lang="es-MX" sz="1200" dirty="0"/>
+              <a:t> de su DAO</a:t>
+            </a:r>
+            <a:r>
+              <a:rPr lang="es-MX" dirty="0"/>
+              <a:t>.</a:t>
+            </a:r>
+            <a:endParaRPr lang="es-MX" sz="1600" dirty="0"/>
+          </a:p>
+        </p:txBody>
+      </p:sp>
+      <p:sp>
+        <p:nvSpPr>
+          <p:cNvPr id="46" name="Rectángulo: esquinas redondeadas 45">
+            <a:extLst>
+              <a:ext uri="{FF2B5EF4-FFF2-40B4-BE49-F238E27FC236}">
+                <a16:creationId xmlns:a16="http://schemas.microsoft.com/office/drawing/2014/main" id="{41E2D889-40DB-4E64-A90F-A00504A36B00}"/>
+              </a:ext>
+            </a:extLst>
+          </p:cNvPr>
+          <p:cNvSpPr/>
+          <p:nvPr/>
+        </p:nvSpPr>
+        <p:spPr>
+          <a:xfrm>
+            <a:off x="8093490" y="1038687"/>
+            <a:ext cx="3934343" cy="5440439"/>
+          </a:xfrm>
+          <a:prstGeom prst="roundRect">
+            <a:avLst/>
+          </a:prstGeom>
+          <a:noFill/>
+        </p:spPr>
+        <p:style>
+          <a:lnRef idx="2">
+            <a:schemeClr val="accent1">
+              <a:shade val="50000"/>
+            </a:schemeClr>
+          </a:lnRef>
+          <a:fillRef idx="1">
+            <a:schemeClr val="accent1"/>
+          </a:fillRef>
+          <a:effectRef idx="0">
+            <a:schemeClr val="accent1"/>
+          </a:effectRef>
+          <a:fontRef idx="minor">
+            <a:schemeClr val="lt1"/>
+          </a:fontRef>
+        </p:style>
+        <p:txBody>
+          <a:bodyPr rtlCol="0" anchor="ctr"/>
+          <a:lstStyle/>
+          <a:p>
+            <a:pPr algn="ctr"/>
+            <a:endParaRPr lang="es-MX"/>
+          </a:p>
+        </p:txBody>
+      </p:sp>
+      <p:cxnSp>
+        <p:nvCxnSpPr>
+          <p:cNvPr id="47" name="Conector recto de flecha 46">
+            <a:extLst>
+              <a:ext uri="{FF2B5EF4-FFF2-40B4-BE49-F238E27FC236}">
+                <a16:creationId xmlns:a16="http://schemas.microsoft.com/office/drawing/2014/main" id="{912EECB7-D2D8-4C99-A664-A3519D28663C}"/>
+              </a:ext>
+            </a:extLst>
+          </p:cNvPr>
+          <p:cNvCxnSpPr>
+            <a:cxnSpLocks/>
+            <a:stCxn id="12" idx="3"/>
+            <a:endCxn id="40" idx="1"/>
+          </p:cNvCxnSpPr>
+          <p:nvPr/>
+        </p:nvCxnSpPr>
+        <p:spPr>
+          <a:xfrm>
+            <a:off x="7574748" y="1974149"/>
+            <a:ext cx="1155916" cy="1071756"/>
+          </a:xfrm>
+          <a:prstGeom prst="straightConnector1">
+            <a:avLst/>
+          </a:prstGeom>
+          <a:ln w="12700">
+            <a:solidFill>
+              <a:schemeClr val="tx1"/>
+            </a:solidFill>
+            <a:tailEnd type="triangle"/>
+          </a:ln>
+        </p:spPr>
+        <p:style>
+          <a:lnRef idx="1">
+            <a:schemeClr val="accent1"/>
+          </a:lnRef>
+          <a:fillRef idx="0">
+            <a:schemeClr val="accent1"/>
+          </a:fillRef>
+          <a:effectRef idx="0">
+            <a:schemeClr val="accent1"/>
+          </a:effectRef>
+          <a:fontRef idx="minor">
+            <a:schemeClr val="tx1"/>
+          </a:fontRef>
+        </p:style>
+      </p:cxnSp>
+      <p:sp>
+        <p:nvSpPr>
+          <p:cNvPr id="50" name="CuadroTexto 49">
+            <a:extLst>
+              <a:ext uri="{FF2B5EF4-FFF2-40B4-BE49-F238E27FC236}">
+                <a16:creationId xmlns:a16="http://schemas.microsoft.com/office/drawing/2014/main" id="{3795E407-7A1E-49E1-99C3-46CD9284B4CD}"/>
+              </a:ext>
+            </a:extLst>
+          </p:cNvPr>
+          <p:cNvSpPr txBox="1"/>
+          <p:nvPr/>
+        </p:nvSpPr>
+        <p:spPr>
+          <a:xfrm>
+            <a:off x="8856165" y="3390440"/>
+            <a:ext cx="2573786" cy="338554"/>
+          </a:xfrm>
+          <a:prstGeom prst="rect">
+            <a:avLst/>
+          </a:prstGeom>
+          <a:noFill/>
+        </p:spPr>
+        <p:txBody>
+          <a:bodyPr wrap="square" rtlCol="0">
+            <a:spAutoFit/>
+          </a:bodyPr>
+          <a:lstStyle/>
+          <a:p>
+            <a:r>
+              <a:rPr lang="es-MX" sz="1600" dirty="0"/>
+              <a:t>EntityMaganerFactory()</a:t>
+            </a:r>
+            <a:endParaRPr lang="es-MX" sz="2000" dirty="0"/>
+          </a:p>
+        </p:txBody>
+      </p:sp>
+    </p:spTree>
+    <p:extLst>
+      <p:ext uri="{BB962C8B-B14F-4D97-AF65-F5344CB8AC3E}">
+        <p14:creationId xmlns:p14="http://schemas.microsoft.com/office/powerpoint/2010/main" val="3900345293"/>
+      </p:ext>
+    </p:extLst>
+  </p:cSld>
+  <p:clrMapOvr>
+    <a:masterClrMapping/>
+  </p:clrMapOvr>
+</p:sld>
+</file>
+
+<file path=ppt/slides/slide11.xml><?xml version="1.0" encoding="utf-8"?>
+<p:sld xmlns:a="http://schemas.openxmlformats.org/drawingml/2006/main" xmlns:r="http://schemas.openxmlformats.org/officeDocument/2006/relationships" xmlns:p="http://schemas.openxmlformats.org/presentationml/2006/main">
+  <p:cSld>
+    <p:spTree>
+      <p:nvGrpSpPr>
+        <p:cNvPr id="1" name=""/>
+        <p:cNvGrpSpPr/>
+        <p:nvPr/>
+      </p:nvGrpSpPr>
+      <p:grpSpPr>
+        <a:xfrm>
+          <a:off x="0" y="0"/>
+          <a:ext cx="0" cy="0"/>
+          <a:chOff x="0" y="0"/>
+          <a:chExt cx="0" cy="0"/>
+        </a:xfrm>
+      </p:grpSpPr>
+      <p:sp>
+        <p:nvSpPr>
+          <p:cNvPr id="2" name="Título 1">
+            <a:extLst>
+              <a:ext uri="{FF2B5EF4-FFF2-40B4-BE49-F238E27FC236}">
+                <a16:creationId xmlns:a16="http://schemas.microsoft.com/office/drawing/2014/main" id="{74F372FE-ED95-4EE2-B9E9-D708F4D7B2F2}"/>
+              </a:ext>
+            </a:extLst>
+          </p:cNvPr>
+          <p:cNvSpPr>
+            <a:spLocks noGrp="1"/>
+          </p:cNvSpPr>
+          <p:nvPr>
+            <p:ph type="title"/>
+          </p:nvPr>
+        </p:nvSpPr>
+        <p:spPr/>
+        <p:txBody>
+          <a:bodyPr/>
+          <a:lstStyle/>
+          <a:p>
+            <a:r>
+              <a:rPr lang="es-MX" b="1" dirty="0"/>
+              <a:t>Crear una entidad</a:t>
+            </a:r>
+          </a:p>
+        </p:txBody>
+      </p:sp>
+      <p:sp>
+        <p:nvSpPr>
+          <p:cNvPr id="3" name="Marcador de contenido 2">
+            <a:extLst>
+              <a:ext uri="{FF2B5EF4-FFF2-40B4-BE49-F238E27FC236}">
+                <a16:creationId xmlns:a16="http://schemas.microsoft.com/office/drawing/2014/main" id="{521D4893-22BA-4ABD-9469-326EF24CBC1A}"/>
+              </a:ext>
+            </a:extLst>
+          </p:cNvPr>
+          <p:cNvSpPr>
+            <a:spLocks noGrp="1"/>
+          </p:cNvSpPr>
+          <p:nvPr>
+            <p:ph idx="1"/>
+          </p:nvPr>
+        </p:nvSpPr>
+        <p:spPr/>
+        <p:txBody>
+          <a:bodyPr/>
+          <a:lstStyle/>
+          <a:p>
+            <a:r>
+              <a:rPr lang="es-MX" dirty="0"/>
+              <a:t>Tenemos la siguiente relación de entidades. Crearemos la relación más sencilla que hay.</a:t>
+            </a:r>
+          </a:p>
+        </p:txBody>
+      </p:sp>
+      <p:pic>
+        <p:nvPicPr>
+          <p:cNvPr id="16" name="Imagen 15">
+            <a:extLst>
+              <a:ext uri="{FF2B5EF4-FFF2-40B4-BE49-F238E27FC236}">
+                <a16:creationId xmlns:a16="http://schemas.microsoft.com/office/drawing/2014/main" id="{322A328D-D110-4A2D-9FB2-72DA7E005059}"/>
+              </a:ext>
+            </a:extLst>
+          </p:cNvPr>
+          <p:cNvPicPr>
+            <a:picLocks noChangeAspect="1"/>
+          </p:cNvPicPr>
+          <p:nvPr/>
+        </p:nvPicPr>
+        <p:blipFill>
+          <a:blip r:embed="rId2">
+            <a:extLst>
+              <a:ext uri="{28A0092B-C50C-407E-A947-70E740481C1C}">
+                <a14:useLocalDpi xmlns:a14="http://schemas.microsoft.com/office/drawing/2010/main" val="0"/>
+              </a:ext>
+            </a:extLst>
+          </a:blip>
+          <a:stretch>
+            <a:fillRect/>
+          </a:stretch>
+        </p:blipFill>
+        <p:spPr>
+          <a:xfrm>
+            <a:off x="2447635" y="1738115"/>
+            <a:ext cx="7296729" cy="4963696"/>
+          </a:xfrm>
+          <a:prstGeom prst="rect">
+            <a:avLst/>
+          </a:prstGeom>
+        </p:spPr>
+      </p:pic>
+    </p:spTree>
+    <p:extLst>
+      <p:ext uri="{BB962C8B-B14F-4D97-AF65-F5344CB8AC3E}">
+        <p14:creationId xmlns:p14="http://schemas.microsoft.com/office/powerpoint/2010/main" val="3641534809"/>
+      </p:ext>
+    </p:extLst>
+  </p:cSld>
+  <p:clrMapOvr>
+    <a:masterClrMapping/>
+  </p:clrMapOvr>
+</p:sld>
+</file>
+
+<file path=ppt/slides/slide12.xml><?xml version="1.0" encoding="utf-8"?>
+<p:sld xmlns:a="http://schemas.openxmlformats.org/drawingml/2006/main" xmlns:r="http://schemas.openxmlformats.org/officeDocument/2006/relationships" xmlns:p="http://schemas.openxmlformats.org/presentationml/2006/main">
+  <p:cSld>
+    <p:spTree>
+      <p:nvGrpSpPr>
+        <p:cNvPr id="1" name=""/>
+        <p:cNvGrpSpPr/>
+        <p:nvPr/>
+      </p:nvGrpSpPr>
+      <p:grpSpPr>
+        <a:xfrm>
+          <a:off x="0" y="0"/>
+          <a:ext cx="0" cy="0"/>
+          <a:chOff x="0" y="0"/>
+          <a:chExt cx="0" cy="0"/>
+        </a:xfrm>
+      </p:grpSpPr>
+      <p:sp>
+        <p:nvSpPr>
+          <p:cNvPr id="2" name="Título 1">
+            <a:extLst>
+              <a:ext uri="{FF2B5EF4-FFF2-40B4-BE49-F238E27FC236}">
+                <a16:creationId xmlns:a16="http://schemas.microsoft.com/office/drawing/2014/main" id="{ECBB8B4F-3A5C-4F1C-BD70-4A404317BA19}"/>
+              </a:ext>
+            </a:extLst>
+          </p:cNvPr>
+          <p:cNvSpPr>
+            <a:spLocks noGrp="1"/>
+          </p:cNvSpPr>
+          <p:nvPr>
+            <p:ph type="title"/>
+          </p:nvPr>
+        </p:nvSpPr>
+        <p:spPr/>
+        <p:txBody>
+          <a:bodyPr/>
+          <a:lstStyle/>
+          <a:p>
+            <a:endParaRPr lang="es-MX"/>
+          </a:p>
+        </p:txBody>
+      </p:sp>
+      <p:sp>
+        <p:nvSpPr>
+          <p:cNvPr id="3" name="Marcador de contenido 2">
+            <a:extLst>
+              <a:ext uri="{FF2B5EF4-FFF2-40B4-BE49-F238E27FC236}">
+                <a16:creationId xmlns:a16="http://schemas.microsoft.com/office/drawing/2014/main" id="{D150101F-AE06-4FD5-A026-E251EE9DC7B0}"/>
+              </a:ext>
+            </a:extLst>
+          </p:cNvPr>
+          <p:cNvSpPr>
+            <a:spLocks noGrp="1"/>
+          </p:cNvSpPr>
+          <p:nvPr>
+            <p:ph idx="1"/>
+          </p:nvPr>
+        </p:nvSpPr>
+        <p:spPr/>
+        <p:txBody>
+          <a:bodyPr/>
+          <a:lstStyle/>
+          <a:p>
+            <a:endParaRPr lang="es-MX" dirty="0"/>
+          </a:p>
+        </p:txBody>
+      </p:sp>
+      <p:pic>
+        <p:nvPicPr>
+          <p:cNvPr id="5" name="Imagen 4">
+            <a:extLst>
+              <a:ext uri="{FF2B5EF4-FFF2-40B4-BE49-F238E27FC236}">
+                <a16:creationId xmlns:a16="http://schemas.microsoft.com/office/drawing/2014/main" id="{F11E01DC-E493-46C1-B5F5-CE7F4DD17512}"/>
+              </a:ext>
+            </a:extLst>
+          </p:cNvPr>
+          <p:cNvPicPr>
+            <a:picLocks noChangeAspect="1"/>
+          </p:cNvPicPr>
+          <p:nvPr/>
+        </p:nvPicPr>
+        <p:blipFill>
+          <a:blip r:embed="rId2"/>
+          <a:stretch>
+            <a:fillRect/>
+          </a:stretch>
+        </p:blipFill>
+        <p:spPr>
+          <a:xfrm>
+            <a:off x="1230798" y="598734"/>
+            <a:ext cx="11823154" cy="6858000"/>
+          </a:xfrm>
+          <a:prstGeom prst="rect">
+            <a:avLst/>
+          </a:prstGeom>
+        </p:spPr>
+      </p:pic>
+    </p:spTree>
+    <p:extLst>
+      <p:ext uri="{BB962C8B-B14F-4D97-AF65-F5344CB8AC3E}">
+        <p14:creationId xmlns:p14="http://schemas.microsoft.com/office/powerpoint/2010/main" val="4096627873"/>
+      </p:ext>
+    </p:extLst>
+  </p:cSld>
+  <p:clrMapOvr>
+    <a:masterClrMapping/>
+  </p:clrMapOvr>
+</p:sld>
+</file>
+
 <file path=ppt/slides/slide2.xml><?xml version="1.0" encoding="utf-8"?>
 <p:sld xmlns:a="http://schemas.openxmlformats.org/drawingml/2006/main" xmlns:r="http://schemas.openxmlformats.org/officeDocument/2006/relationships" xmlns:p="http://schemas.openxmlformats.org/presentationml/2006/main">
   <p:cSld>
@@ -4944,7 +6091,7 @@
             <p:ph idx="1"/>
             <p:extLst>
               <p:ext uri="{D42A27DB-BD31-4B8C-83A1-F6EECF244321}">
-                <p14:modId xmlns:p14="http://schemas.microsoft.com/office/powerpoint/2010/main" val="875653832"/>
+                <p14:modId xmlns:p14="http://schemas.microsoft.com/office/powerpoint/2010/main" val="4242618867"/>
               </p:ext>
             </p:extLst>
           </p:nvPr>
@@ -5108,7 +6255,7 @@
                     <a:p>
                       <a:r>
                         <a:rPr lang="es-MX" dirty="0"/>
-                        <a:t>Objecto de fábrica configurado utilizado para obtener administrador de entidades.</a:t>
+                        <a:t>Objecto de fábrica configurado y utilizado para obtener administrador de entidades.</a:t>
                       </a:r>
                     </a:p>
                   </a:txBody>

--- a/JPA.pptx
+++ b/JPA.pptx
@@ -4482,7 +4482,12 @@
             <p:ph type="title"/>
           </p:nvPr>
         </p:nvSpPr>
-        <p:spPr/>
+        <p:spPr>
+          <a:xfrm>
+            <a:off x="838200" y="242702"/>
+            <a:ext cx="10515600" cy="712064"/>
+          </a:xfrm>
+        </p:spPr>
         <p:txBody>
           <a:bodyPr/>
           <a:lstStyle/>
@@ -4510,24 +4515,29 @@
             <p:ph idx="1"/>
           </p:nvPr>
         </p:nvSpPr>
-        <p:spPr/>
+        <p:spPr>
+          <a:xfrm>
+            <a:off x="838200" y="954766"/>
+            <a:ext cx="10515600" cy="5304500"/>
+          </a:xfrm>
+        </p:spPr>
         <p:txBody>
           <a:bodyPr/>
           <a:lstStyle/>
           <a:p>
             <a:r>
               <a:rPr lang="es-MX" dirty="0"/>
-              <a:t>Tenemos la siguiente relación de entidades. Crearemos la relación más sencilla que hay.</a:t>
+              <a:t>Tenemos la siguiente relación de entidades. Donde tenemos relaciones de 1:1, 1:N y N:M</a:t>
             </a:r>
           </a:p>
         </p:txBody>
       </p:sp>
       <p:pic>
         <p:nvPicPr>
-          <p:cNvPr id="16" name="Imagen 15">
-            <a:extLst>
-              <a:ext uri="{FF2B5EF4-FFF2-40B4-BE49-F238E27FC236}">
-                <a16:creationId xmlns:a16="http://schemas.microsoft.com/office/drawing/2014/main" id="{322A328D-D110-4A2D-9FB2-72DA7E005059}"/>
+          <p:cNvPr id="20" name="Imagen 19">
+            <a:extLst>
+              <a:ext uri="{FF2B5EF4-FFF2-40B4-BE49-F238E27FC236}">
+                <a16:creationId xmlns:a16="http://schemas.microsoft.com/office/drawing/2014/main" id="{1AC6D73C-2593-43F0-9909-4BCB05E43657}"/>
               </a:ext>
             </a:extLst>
           </p:cNvPr>
@@ -4550,8 +4560,8 @@
         </p:blipFill>
         <p:spPr>
           <a:xfrm>
-            <a:off x="2447635" y="1738115"/>
-            <a:ext cx="7296729" cy="4963696"/>
+            <a:off x="2125494" y="1424716"/>
+            <a:ext cx="7941011" cy="5311364"/>
           </a:xfrm>
           <a:prstGeom prst="rect">
             <a:avLst/>
@@ -4638,36 +4648,6 @@
           </a:p>
         </p:txBody>
       </p:sp>
-      <p:pic>
-        <p:nvPicPr>
-          <p:cNvPr id="5" name="Imagen 4">
-            <a:extLst>
-              <a:ext uri="{FF2B5EF4-FFF2-40B4-BE49-F238E27FC236}">
-                <a16:creationId xmlns:a16="http://schemas.microsoft.com/office/drawing/2014/main" id="{F11E01DC-E493-46C1-B5F5-CE7F4DD17512}"/>
-              </a:ext>
-            </a:extLst>
-          </p:cNvPr>
-          <p:cNvPicPr>
-            <a:picLocks noChangeAspect="1"/>
-          </p:cNvPicPr>
-          <p:nvPr/>
-        </p:nvPicPr>
-        <p:blipFill>
-          <a:blip r:embed="rId2"/>
-          <a:stretch>
-            <a:fillRect/>
-          </a:stretch>
-        </p:blipFill>
-        <p:spPr>
-          <a:xfrm>
-            <a:off x="1230798" y="598734"/>
-            <a:ext cx="11823154" cy="6858000"/>
-          </a:xfrm>
-          <a:prstGeom prst="rect">
-            <a:avLst/>
-          </a:prstGeom>
-        </p:spPr>
-      </p:pic>
     </p:spTree>
     <p:extLst>
       <p:ext uri="{BB962C8B-B14F-4D97-AF65-F5344CB8AC3E}">

--- a/JPA.pptx
+++ b/JPA.pptx
@@ -17,6 +17,7 @@
     <p:sldId id="268" r:id="rId11"/>
     <p:sldId id="266" r:id="rId12"/>
     <p:sldId id="269" r:id="rId13"/>
+    <p:sldId id="270" r:id="rId14"/>
   </p:sldIdLst>
   <p:sldSz cx="12192000" cy="6858000"/>
   <p:notesSz cx="6858000" cy="9144000"/>
@@ -275,7 +276,7 @@
           <a:p>
             <a:fld id="{45ECC915-3964-4B0E-B95E-56CE683397A3}" type="datetimeFigureOut">
               <a:rPr lang="es-MX" smtClean="0"/>
-              <a:t>22/05/2022</a:t>
+              <a:t>25/05/2022</a:t>
             </a:fld>
             <a:endParaRPr lang="es-MX"/>
           </a:p>
@@ -481,7 +482,7 @@
           <a:p>
             <a:fld id="{45ECC915-3964-4B0E-B95E-56CE683397A3}" type="datetimeFigureOut">
               <a:rPr lang="es-MX" smtClean="0"/>
-              <a:t>22/05/2022</a:t>
+              <a:t>25/05/2022</a:t>
             </a:fld>
             <a:endParaRPr lang="es-MX"/>
           </a:p>
@@ -692,7 +693,7 @@
           <a:p>
             <a:fld id="{45ECC915-3964-4B0E-B95E-56CE683397A3}" type="datetimeFigureOut">
               <a:rPr lang="es-MX" smtClean="0"/>
-              <a:t>22/05/2022</a:t>
+              <a:t>25/05/2022</a:t>
             </a:fld>
             <a:endParaRPr lang="es-MX"/>
           </a:p>
@@ -929,7 +930,7 @@
           <a:p>
             <a:fld id="{45ECC915-3964-4B0E-B95E-56CE683397A3}" type="datetimeFigureOut">
               <a:rPr lang="es-MX" smtClean="0"/>
-              <a:t>22/05/2022</a:t>
+              <a:t>25/05/2022</a:t>
             </a:fld>
             <a:endParaRPr lang="es-MX"/>
           </a:p>
@@ -1207,7 +1208,7 @@
           <a:p>
             <a:fld id="{45ECC915-3964-4B0E-B95E-56CE683397A3}" type="datetimeFigureOut">
               <a:rPr lang="es-MX" smtClean="0"/>
-              <a:t>22/05/2022</a:t>
+              <a:t>25/05/2022</a:t>
             </a:fld>
             <a:endParaRPr lang="es-MX"/>
           </a:p>
@@ -1480,7 +1481,7 @@
           <a:p>
             <a:fld id="{45ECC915-3964-4B0E-B95E-56CE683397A3}" type="datetimeFigureOut">
               <a:rPr lang="es-MX" smtClean="0"/>
-              <a:t>22/05/2022</a:t>
+              <a:t>25/05/2022</a:t>
             </a:fld>
             <a:endParaRPr lang="es-MX"/>
           </a:p>
@@ -1904,7 +1905,7 @@
           <a:p>
             <a:fld id="{45ECC915-3964-4B0E-B95E-56CE683397A3}" type="datetimeFigureOut">
               <a:rPr lang="es-MX" smtClean="0"/>
-              <a:t>22/05/2022</a:t>
+              <a:t>25/05/2022</a:t>
             </a:fld>
             <a:endParaRPr lang="es-MX"/>
           </a:p>
@@ -2045,7 +2046,7 @@
           <a:p>
             <a:fld id="{45ECC915-3964-4B0E-B95E-56CE683397A3}" type="datetimeFigureOut">
               <a:rPr lang="es-MX" smtClean="0"/>
-              <a:t>22/05/2022</a:t>
+              <a:t>25/05/2022</a:t>
             </a:fld>
             <a:endParaRPr lang="es-MX"/>
           </a:p>
@@ -2158,7 +2159,7 @@
           <a:p>
             <a:fld id="{45ECC915-3964-4B0E-B95E-56CE683397A3}" type="datetimeFigureOut">
               <a:rPr lang="es-MX" smtClean="0"/>
-              <a:t>22/05/2022</a:t>
+              <a:t>25/05/2022</a:t>
             </a:fld>
             <a:endParaRPr lang="es-MX"/>
           </a:p>
@@ -2475,7 +2476,7 @@
           <a:p>
             <a:fld id="{45ECC915-3964-4B0E-B95E-56CE683397A3}" type="datetimeFigureOut">
               <a:rPr lang="es-MX" smtClean="0"/>
-              <a:t>22/05/2022</a:t>
+              <a:t>25/05/2022</a:t>
             </a:fld>
             <a:endParaRPr lang="es-MX"/>
           </a:p>
@@ -2772,7 +2773,7 @@
           <a:p>
             <a:fld id="{45ECC915-3964-4B0E-B95E-56CE683397A3}" type="datetimeFigureOut">
               <a:rPr lang="es-MX" smtClean="0"/>
-              <a:t>22/05/2022</a:t>
+              <a:t>25/05/2022</a:t>
             </a:fld>
             <a:endParaRPr lang="es-MX"/>
           </a:p>
@@ -3051,7 +3052,7 @@
           <a:p>
             <a:fld id="{45ECC915-3964-4B0E-B95E-56CE683397A3}" type="datetimeFigureOut">
               <a:rPr lang="es-MX" smtClean="0"/>
-              <a:t>22/05/2022</a:t>
+              <a:t>25/05/2022</a:t>
             </a:fld>
             <a:endParaRPr lang="es-MX"/>
           </a:p>
@@ -4619,39 +4620,150 @@
           <a:bodyPr/>
           <a:lstStyle/>
           <a:p>
-            <a:endParaRPr lang="es-MX"/>
-          </a:p>
-        </p:txBody>
-      </p:sp>
-      <p:sp>
-        <p:nvSpPr>
-          <p:cNvPr id="3" name="Marcador de contenido 2">
-            <a:extLst>
-              <a:ext uri="{FF2B5EF4-FFF2-40B4-BE49-F238E27FC236}">
-                <a16:creationId xmlns:a16="http://schemas.microsoft.com/office/drawing/2014/main" id="{D150101F-AE06-4FD5-A026-E251EE9DC7B0}"/>
-              </a:ext>
-            </a:extLst>
-          </p:cNvPr>
-          <p:cNvSpPr>
-            <a:spLocks noGrp="1"/>
-          </p:cNvSpPr>
+            <a:r>
+              <a:rPr lang="es-MX" b="1" dirty="0"/>
+              <a:t>Diagrama entidad relación</a:t>
+            </a:r>
+          </a:p>
+        </p:txBody>
+      </p:sp>
+      <p:pic>
+        <p:nvPicPr>
+          <p:cNvPr id="5" name="Marcador de contenido 4">
+            <a:extLst>
+              <a:ext uri="{FF2B5EF4-FFF2-40B4-BE49-F238E27FC236}">
+                <a16:creationId xmlns:a16="http://schemas.microsoft.com/office/drawing/2014/main" id="{8F3C5AE8-8B6B-4EEE-B45F-BF7A8395BB4E}"/>
+              </a:ext>
+            </a:extLst>
+          </p:cNvPr>
+          <p:cNvPicPr>
+            <a:picLocks noGrp="1" noChangeAspect="1"/>
+          </p:cNvPicPr>
           <p:nvPr>
             <p:ph idx="1"/>
           </p:nvPr>
-        </p:nvSpPr>
-        <p:spPr/>
-        <p:txBody>
-          <a:bodyPr/>
-          <a:lstStyle/>
-          <a:p>
-            <a:endParaRPr lang="es-MX" dirty="0"/>
-          </a:p>
-        </p:txBody>
-      </p:sp>
+        </p:nvPicPr>
+        <p:blipFill>
+          <a:blip r:embed="rId2">
+            <a:extLst>
+              <a:ext uri="{28A0092B-C50C-407E-A947-70E740481C1C}">
+                <a14:useLocalDpi xmlns:a14="http://schemas.microsoft.com/office/drawing/2010/main" val="0"/>
+              </a:ext>
+            </a:extLst>
+          </a:blip>
+          <a:stretch>
+            <a:fillRect/>
+          </a:stretch>
+        </p:blipFill>
+        <p:spPr>
+          <a:xfrm>
+            <a:off x="2515223" y="1198486"/>
+            <a:ext cx="7161553" cy="5558326"/>
+          </a:xfrm>
+        </p:spPr>
+      </p:pic>
     </p:spTree>
     <p:extLst>
       <p:ext uri="{BB962C8B-B14F-4D97-AF65-F5344CB8AC3E}">
         <p14:creationId xmlns:p14="http://schemas.microsoft.com/office/powerpoint/2010/main" val="4096627873"/>
+      </p:ext>
+    </p:extLst>
+  </p:cSld>
+  <p:clrMapOvr>
+    <a:masterClrMapping/>
+  </p:clrMapOvr>
+</p:sld>
+</file>
+
+<file path=ppt/slides/slide13.xml><?xml version="1.0" encoding="utf-8"?>
+<p:sld xmlns:a="http://schemas.openxmlformats.org/drawingml/2006/main" xmlns:r="http://schemas.openxmlformats.org/officeDocument/2006/relationships" xmlns:p="http://schemas.openxmlformats.org/presentationml/2006/main">
+  <p:cSld>
+    <p:spTree>
+      <p:nvGrpSpPr>
+        <p:cNvPr id="1" name=""/>
+        <p:cNvGrpSpPr/>
+        <p:nvPr/>
+      </p:nvGrpSpPr>
+      <p:grpSpPr>
+        <a:xfrm>
+          <a:off x="0" y="0"/>
+          <a:ext cx="0" cy="0"/>
+          <a:chOff x="0" y="0"/>
+          <a:chExt cx="0" cy="0"/>
+        </a:xfrm>
+      </p:grpSpPr>
+      <p:sp>
+        <p:nvSpPr>
+          <p:cNvPr id="2" name="Título 1">
+            <a:extLst>
+              <a:ext uri="{FF2B5EF4-FFF2-40B4-BE49-F238E27FC236}">
+                <a16:creationId xmlns:a16="http://schemas.microsoft.com/office/drawing/2014/main" id="{E0D96FAA-9D0A-4BE9-BB14-837FCA0BF580}"/>
+              </a:ext>
+            </a:extLst>
+          </p:cNvPr>
+          <p:cNvSpPr>
+            <a:spLocks noGrp="1"/>
+          </p:cNvSpPr>
+          <p:nvPr>
+            <p:ph type="title"/>
+          </p:nvPr>
+        </p:nvSpPr>
+        <p:spPr>
+          <a:xfrm>
+            <a:off x="0" y="-16129"/>
+            <a:ext cx="10515600" cy="712064"/>
+          </a:xfrm>
+        </p:spPr>
+        <p:txBody>
+          <a:bodyPr/>
+          <a:lstStyle/>
+          <a:p>
+            <a:r>
+              <a:rPr lang="es-MX" b="1" dirty="0"/>
+              <a:t>Esquema de la base de datos</a:t>
+            </a:r>
+          </a:p>
+        </p:txBody>
+      </p:sp>
+      <p:pic>
+        <p:nvPicPr>
+          <p:cNvPr id="5" name="Marcador de contenido 4">
+            <a:extLst>
+              <a:ext uri="{FF2B5EF4-FFF2-40B4-BE49-F238E27FC236}">
+                <a16:creationId xmlns:a16="http://schemas.microsoft.com/office/drawing/2014/main" id="{9ECA2344-4F89-4026-8FE8-46FAD7AD8E61}"/>
+              </a:ext>
+            </a:extLst>
+          </p:cNvPr>
+          <p:cNvPicPr>
+            <a:picLocks noGrp="1" noChangeAspect="1"/>
+          </p:cNvPicPr>
+          <p:nvPr>
+            <p:ph idx="1"/>
+          </p:nvPr>
+        </p:nvPicPr>
+        <p:blipFill>
+          <a:blip r:embed="rId2">
+            <a:extLst>
+              <a:ext uri="{28A0092B-C50C-407E-A947-70E740481C1C}">
+                <a14:useLocalDpi xmlns:a14="http://schemas.microsoft.com/office/drawing/2010/main" val="0"/>
+              </a:ext>
+            </a:extLst>
+          </a:blip>
+          <a:stretch>
+            <a:fillRect/>
+          </a:stretch>
+        </p:blipFill>
+        <p:spPr>
+          <a:xfrm>
+            <a:off x="1742681" y="566424"/>
+            <a:ext cx="8706637" cy="6133069"/>
+          </a:xfrm>
+        </p:spPr>
+      </p:pic>
+    </p:spTree>
+    <p:extLst>
+      <p:ext uri="{BB962C8B-B14F-4D97-AF65-F5344CB8AC3E}">
+        <p14:creationId xmlns:p14="http://schemas.microsoft.com/office/powerpoint/2010/main" val="460145681"/>
       </p:ext>
     </p:extLst>
   </p:cSld>

--- a/JPA.pptx
+++ b/JPA.pptx
@@ -18,6 +18,15 @@
     <p:sldId id="266" r:id="rId12"/>
     <p:sldId id="269" r:id="rId13"/>
     <p:sldId id="270" r:id="rId14"/>
+    <p:sldId id="271" r:id="rId15"/>
+    <p:sldId id="272" r:id="rId16"/>
+    <p:sldId id="273" r:id="rId17"/>
+    <p:sldId id="274" r:id="rId18"/>
+    <p:sldId id="275" r:id="rId19"/>
+    <p:sldId id="276" r:id="rId20"/>
+    <p:sldId id="278" r:id="rId21"/>
+    <p:sldId id="279" r:id="rId22"/>
+    <p:sldId id="277" r:id="rId23"/>
   </p:sldIdLst>
   <p:sldSz cx="12192000" cy="6858000"/>
   <p:notesSz cx="6858000" cy="9144000"/>
@@ -4773,6 +4782,1282 @@
 </p:sld>
 </file>
 
+<file path=ppt/slides/slide14.xml><?xml version="1.0" encoding="utf-8"?>
+<p:sld xmlns:a="http://schemas.openxmlformats.org/drawingml/2006/main" xmlns:r="http://schemas.openxmlformats.org/officeDocument/2006/relationships" xmlns:p="http://schemas.openxmlformats.org/presentationml/2006/main">
+  <p:cSld>
+    <p:spTree>
+      <p:nvGrpSpPr>
+        <p:cNvPr id="1" name=""/>
+        <p:cNvGrpSpPr/>
+        <p:nvPr/>
+      </p:nvGrpSpPr>
+      <p:grpSpPr>
+        <a:xfrm>
+          <a:off x="0" y="0"/>
+          <a:ext cx="0" cy="0"/>
+          <a:chOff x="0" y="0"/>
+          <a:chExt cx="0" cy="0"/>
+        </a:xfrm>
+      </p:grpSpPr>
+      <p:sp>
+        <p:nvSpPr>
+          <p:cNvPr id="2" name="Título 1">
+            <a:extLst>
+              <a:ext uri="{FF2B5EF4-FFF2-40B4-BE49-F238E27FC236}">
+                <a16:creationId xmlns:a16="http://schemas.microsoft.com/office/drawing/2014/main" id="{EDAEEE7F-6F9A-4572-8268-F454891B2565}"/>
+              </a:ext>
+            </a:extLst>
+          </p:cNvPr>
+          <p:cNvSpPr>
+            <a:spLocks noGrp="1"/>
+          </p:cNvSpPr>
+          <p:nvPr>
+            <p:ph type="title"/>
+          </p:nvPr>
+        </p:nvSpPr>
+        <p:spPr/>
+        <p:txBody>
+          <a:bodyPr/>
+          <a:lstStyle/>
+          <a:p>
+            <a:r>
+              <a:rPr lang="es-MX" b="1" dirty="0"/>
+              <a:t>Relaciones en POO</a:t>
+            </a:r>
+          </a:p>
+        </p:txBody>
+      </p:sp>
+      <p:sp>
+        <p:nvSpPr>
+          <p:cNvPr id="3" name="Marcador de contenido 2">
+            <a:extLst>
+              <a:ext uri="{FF2B5EF4-FFF2-40B4-BE49-F238E27FC236}">
+                <a16:creationId xmlns:a16="http://schemas.microsoft.com/office/drawing/2014/main" id="{EBA9E704-3B02-46A5-9134-2FF10AD14832}"/>
+              </a:ext>
+            </a:extLst>
+          </p:cNvPr>
+          <p:cNvSpPr>
+            <a:spLocks noGrp="1"/>
+          </p:cNvSpPr>
+          <p:nvPr>
+            <p:ph idx="1"/>
+          </p:nvPr>
+        </p:nvSpPr>
+        <p:spPr>
+          <a:xfrm>
+            <a:off x="838200" y="1295570"/>
+            <a:ext cx="4403103" cy="4963696"/>
+          </a:xfrm>
+        </p:spPr>
+        <p:txBody>
+          <a:bodyPr/>
+          <a:lstStyle/>
+          <a:p>
+            <a:pPr algn="just"/>
+            <a:r>
+              <a:rPr lang="es-MX" b="1" dirty="0"/>
+              <a:t>Asociación: </a:t>
+            </a:r>
+            <a:r>
+              <a:rPr lang="es-MX" dirty="0"/>
+              <a:t>Relación donde los objetos tienen su propio ciclo de vida y no hay ninguna clase propietaria.</a:t>
+            </a:r>
+          </a:p>
+          <a:p>
+            <a:pPr algn="just"/>
+            <a:r>
+              <a:rPr lang="es-MX" b="1" dirty="0"/>
+              <a:t>Agregación: </a:t>
+            </a:r>
+            <a:r>
+              <a:rPr lang="es-MX" dirty="0"/>
+              <a:t>Es una forma especializada de la asociación, donde todos los objetos tienen su propio ciclo de vida, pero hay prioridad.</a:t>
+            </a:r>
+          </a:p>
+          <a:p>
+            <a:pPr algn="just"/>
+            <a:r>
+              <a:rPr lang="es-MX" b="1" dirty="0"/>
+              <a:t>Composición: </a:t>
+            </a:r>
+            <a:r>
+              <a:rPr lang="es-MX" dirty="0"/>
+              <a:t>Es una forma especializada de agregación. Donde el objeto secundario no tiene ciclo de vida propio, sino que depende del objeto principal. En este caso el objeto es un tipo fuerte de agregación. </a:t>
+            </a:r>
+            <a:endParaRPr lang="es-MX" b="1" dirty="0"/>
+          </a:p>
+        </p:txBody>
+      </p:sp>
+      <p:pic>
+        <p:nvPicPr>
+          <p:cNvPr id="5" name="Imagen 4">
+            <a:extLst>
+              <a:ext uri="{FF2B5EF4-FFF2-40B4-BE49-F238E27FC236}">
+                <a16:creationId xmlns:a16="http://schemas.microsoft.com/office/drawing/2014/main" id="{920F05B3-B569-418D-A299-16089451BE77}"/>
+              </a:ext>
+            </a:extLst>
+          </p:cNvPr>
+          <p:cNvPicPr>
+            <a:picLocks noChangeAspect="1"/>
+          </p:cNvPicPr>
+          <p:nvPr/>
+        </p:nvPicPr>
+        <p:blipFill>
+          <a:blip r:embed="rId2"/>
+          <a:stretch>
+            <a:fillRect/>
+          </a:stretch>
+        </p:blipFill>
+        <p:spPr>
+          <a:xfrm>
+            <a:off x="10385194" y="1228872"/>
+            <a:ext cx="1428750" cy="2352675"/>
+          </a:xfrm>
+          <a:prstGeom prst="rect">
+            <a:avLst/>
+          </a:prstGeom>
+        </p:spPr>
+      </p:pic>
+      <p:pic>
+        <p:nvPicPr>
+          <p:cNvPr id="7" name="Imagen 6">
+            <a:extLst>
+              <a:ext uri="{FF2B5EF4-FFF2-40B4-BE49-F238E27FC236}">
+                <a16:creationId xmlns:a16="http://schemas.microsoft.com/office/drawing/2014/main" id="{7F87F2E0-DD35-450A-B1FE-7652F2C2FBEC}"/>
+              </a:ext>
+            </a:extLst>
+          </p:cNvPr>
+          <p:cNvPicPr>
+            <a:picLocks noChangeAspect="1"/>
+          </p:cNvPicPr>
+          <p:nvPr/>
+        </p:nvPicPr>
+        <p:blipFill>
+          <a:blip r:embed="rId3"/>
+          <a:stretch>
+            <a:fillRect/>
+          </a:stretch>
+        </p:blipFill>
+        <p:spPr>
+          <a:xfrm>
+            <a:off x="10432327" y="3777418"/>
+            <a:ext cx="1657350" cy="2409825"/>
+          </a:xfrm>
+          <a:prstGeom prst="rect">
+            <a:avLst/>
+          </a:prstGeom>
+        </p:spPr>
+      </p:pic>
+      <p:sp>
+        <p:nvSpPr>
+          <p:cNvPr id="8" name="CuadroTexto 7">
+            <a:extLst>
+              <a:ext uri="{FF2B5EF4-FFF2-40B4-BE49-F238E27FC236}">
+                <a16:creationId xmlns:a16="http://schemas.microsoft.com/office/drawing/2014/main" id="{5DCA5E92-4FE6-43B9-88E4-5BA157B23F16}"/>
+              </a:ext>
+            </a:extLst>
+          </p:cNvPr>
+          <p:cNvSpPr txBox="1"/>
+          <p:nvPr/>
+        </p:nvSpPr>
+        <p:spPr>
+          <a:xfrm>
+            <a:off x="5520964" y="2494342"/>
+            <a:ext cx="4584569" cy="1200329"/>
+          </a:xfrm>
+          <a:prstGeom prst="rect">
+            <a:avLst/>
+          </a:prstGeom>
+          <a:noFill/>
+        </p:spPr>
+        <p:txBody>
+          <a:bodyPr wrap="square" rtlCol="0">
+            <a:spAutoFit/>
+          </a:bodyPr>
+          <a:lstStyle/>
+          <a:p>
+            <a:r>
+              <a:rPr lang="es-MX" b="1" dirty="0"/>
+              <a:t>Agregación</a:t>
+            </a:r>
+            <a:r>
+              <a:rPr lang="es-MX" dirty="0"/>
+              <a:t>, donde la clase Empresa es una clase prioridad y si eliminamos la clase Clientes, la clase Empresa puede seguir existiendo.</a:t>
+            </a:r>
+          </a:p>
+        </p:txBody>
+      </p:sp>
+      <p:cxnSp>
+        <p:nvCxnSpPr>
+          <p:cNvPr id="10" name="Conector recto 9">
+            <a:extLst>
+              <a:ext uri="{FF2B5EF4-FFF2-40B4-BE49-F238E27FC236}">
+                <a16:creationId xmlns:a16="http://schemas.microsoft.com/office/drawing/2014/main" id="{CC49BEDC-FFC6-499C-87DE-446078FD343A}"/>
+              </a:ext>
+            </a:extLst>
+          </p:cNvPr>
+          <p:cNvCxnSpPr/>
+          <p:nvPr/>
+        </p:nvCxnSpPr>
+        <p:spPr>
+          <a:xfrm>
+            <a:off x="311085" y="2490052"/>
+            <a:ext cx="9832157" cy="0"/>
+          </a:xfrm>
+          <a:prstGeom prst="line">
+            <a:avLst/>
+          </a:prstGeom>
+        </p:spPr>
+        <p:style>
+          <a:lnRef idx="1">
+            <a:schemeClr val="accent1"/>
+          </a:lnRef>
+          <a:fillRef idx="0">
+            <a:schemeClr val="accent1"/>
+          </a:fillRef>
+          <a:effectRef idx="0">
+            <a:schemeClr val="accent1"/>
+          </a:effectRef>
+          <a:fontRef idx="minor">
+            <a:schemeClr val="tx1"/>
+          </a:fontRef>
+        </p:style>
+      </p:cxnSp>
+      <p:cxnSp>
+        <p:nvCxnSpPr>
+          <p:cNvPr id="11" name="Conector recto 10">
+            <a:extLst>
+              <a:ext uri="{FF2B5EF4-FFF2-40B4-BE49-F238E27FC236}">
+                <a16:creationId xmlns:a16="http://schemas.microsoft.com/office/drawing/2014/main" id="{A58C92A3-8F7C-47D0-AA22-363C6BB63EA9}"/>
+              </a:ext>
+            </a:extLst>
+          </p:cNvPr>
+          <p:cNvCxnSpPr/>
+          <p:nvPr/>
+        </p:nvCxnSpPr>
+        <p:spPr>
+          <a:xfrm>
+            <a:off x="311084" y="3694671"/>
+            <a:ext cx="9832157" cy="0"/>
+          </a:xfrm>
+          <a:prstGeom prst="line">
+            <a:avLst/>
+          </a:prstGeom>
+        </p:spPr>
+        <p:style>
+          <a:lnRef idx="1">
+            <a:schemeClr val="accent1"/>
+          </a:lnRef>
+          <a:fillRef idx="0">
+            <a:schemeClr val="accent1"/>
+          </a:fillRef>
+          <a:effectRef idx="0">
+            <a:schemeClr val="accent1"/>
+          </a:effectRef>
+          <a:fontRef idx="minor">
+            <a:schemeClr val="tx1"/>
+          </a:fontRef>
+        </p:style>
+      </p:cxnSp>
+      <p:sp>
+        <p:nvSpPr>
+          <p:cNvPr id="12" name="CuadroTexto 11">
+            <a:extLst>
+              <a:ext uri="{FF2B5EF4-FFF2-40B4-BE49-F238E27FC236}">
+                <a16:creationId xmlns:a16="http://schemas.microsoft.com/office/drawing/2014/main" id="{CB50C447-1D80-4516-842C-B61E00DECD25}"/>
+              </a:ext>
+            </a:extLst>
+          </p:cNvPr>
+          <p:cNvSpPr txBox="1"/>
+          <p:nvPr/>
+        </p:nvSpPr>
+        <p:spPr>
+          <a:xfrm>
+            <a:off x="5399987" y="3782001"/>
+            <a:ext cx="4584569" cy="923330"/>
+          </a:xfrm>
+          <a:prstGeom prst="rect">
+            <a:avLst/>
+          </a:prstGeom>
+          <a:noFill/>
+        </p:spPr>
+        <p:txBody>
+          <a:bodyPr wrap="square" rtlCol="0">
+            <a:spAutoFit/>
+          </a:bodyPr>
+          <a:lstStyle/>
+          <a:p>
+            <a:r>
+              <a:rPr lang="es-MX" b="1" dirty="0"/>
+              <a:t>Composición</a:t>
+            </a:r>
+            <a:r>
+              <a:rPr lang="es-MX" dirty="0"/>
+              <a:t>, donde la clase Empresa es una clase fuerte y si eliminamos la clase Empresa, la clase Empleado deja de existir</a:t>
+            </a:r>
+          </a:p>
+        </p:txBody>
+      </p:sp>
+    </p:spTree>
+    <p:extLst>
+      <p:ext uri="{BB962C8B-B14F-4D97-AF65-F5344CB8AC3E}">
+        <p14:creationId xmlns:p14="http://schemas.microsoft.com/office/powerpoint/2010/main" val="2116786599"/>
+      </p:ext>
+    </p:extLst>
+  </p:cSld>
+  <p:clrMapOvr>
+    <a:masterClrMapping/>
+  </p:clrMapOvr>
+</p:sld>
+</file>
+
+<file path=ppt/slides/slide15.xml><?xml version="1.0" encoding="utf-8"?>
+<p:sld xmlns:a="http://schemas.openxmlformats.org/drawingml/2006/main" xmlns:r="http://schemas.openxmlformats.org/officeDocument/2006/relationships" xmlns:p="http://schemas.openxmlformats.org/presentationml/2006/main">
+  <p:cSld>
+    <p:spTree>
+      <p:nvGrpSpPr>
+        <p:cNvPr id="1" name=""/>
+        <p:cNvGrpSpPr/>
+        <p:nvPr/>
+      </p:nvGrpSpPr>
+      <p:grpSpPr>
+        <a:xfrm>
+          <a:off x="0" y="0"/>
+          <a:ext cx="0" cy="0"/>
+          <a:chOff x="0" y="0"/>
+          <a:chExt cx="0" cy="0"/>
+        </a:xfrm>
+      </p:grpSpPr>
+      <p:sp>
+        <p:nvSpPr>
+          <p:cNvPr id="2" name="Título 1">
+            <a:extLst>
+              <a:ext uri="{FF2B5EF4-FFF2-40B4-BE49-F238E27FC236}">
+                <a16:creationId xmlns:a16="http://schemas.microsoft.com/office/drawing/2014/main" id="{DA0579B0-A736-4BDD-8A47-E4DDEFA37014}"/>
+              </a:ext>
+            </a:extLst>
+          </p:cNvPr>
+          <p:cNvSpPr>
+            <a:spLocks noGrp="1"/>
+          </p:cNvSpPr>
+          <p:nvPr>
+            <p:ph type="title"/>
+          </p:nvPr>
+        </p:nvSpPr>
+        <p:spPr/>
+        <p:txBody>
+          <a:bodyPr/>
+          <a:lstStyle/>
+          <a:p>
+            <a:r>
+              <a:rPr lang="es-MX" b="1" dirty="0"/>
+              <a:t>Relaciones en modelo de datos de POO</a:t>
+            </a:r>
+          </a:p>
+        </p:txBody>
+      </p:sp>
+      <p:sp>
+        <p:nvSpPr>
+          <p:cNvPr id="3" name="Marcador de contenido 2">
+            <a:extLst>
+              <a:ext uri="{FF2B5EF4-FFF2-40B4-BE49-F238E27FC236}">
+                <a16:creationId xmlns:a16="http://schemas.microsoft.com/office/drawing/2014/main" id="{1B585475-B2E4-4347-B0E0-774E20D71249}"/>
+              </a:ext>
+            </a:extLst>
+          </p:cNvPr>
+          <p:cNvSpPr>
+            <a:spLocks noGrp="1"/>
+          </p:cNvSpPr>
+          <p:nvPr>
+            <p:ph idx="1"/>
+          </p:nvPr>
+        </p:nvSpPr>
+        <p:spPr/>
+        <p:txBody>
+          <a:bodyPr/>
+          <a:lstStyle/>
+          <a:p>
+            <a:r>
+              <a:rPr lang="es-MX" dirty="0"/>
+              <a:t>En modelos E-R existen las relaciones unidireccionales. Donde habrá una </a:t>
+            </a:r>
+            <a:r>
+              <a:rPr lang="es-MX" b="1" dirty="0"/>
+              <a:t>entidad dueña</a:t>
+            </a:r>
+            <a:r>
+              <a:rPr lang="es-MX" dirty="0"/>
+              <a:t> </a:t>
+            </a:r>
+            <a:r>
+              <a:rPr lang="es-MX" b="1" dirty="0"/>
+              <a:t>de la relación</a:t>
+            </a:r>
+            <a:r>
+              <a:rPr lang="es-MX" dirty="0"/>
+              <a:t>. Sin embargo podremos crear relaciones bidireccionales en nuestro modelos de datos de POO.</a:t>
+            </a:r>
+          </a:p>
+          <a:p>
+            <a:r>
+              <a:rPr lang="es-MX" b="1" dirty="0"/>
+              <a:t>Gracias a que existen 4 tipos de relaciones en el modelo de datos de POO. </a:t>
+            </a:r>
+          </a:p>
+          <a:p>
+            <a:pPr lvl="1"/>
+            <a:r>
+              <a:rPr lang="es-MX" b="1" dirty="0" err="1"/>
+              <a:t>One</a:t>
+            </a:r>
+            <a:r>
+              <a:rPr lang="es-MX" b="1" dirty="0"/>
+              <a:t> </a:t>
+            </a:r>
+            <a:r>
+              <a:rPr lang="es-MX" b="1" dirty="0" err="1"/>
+              <a:t>to</a:t>
+            </a:r>
+            <a:r>
+              <a:rPr lang="es-MX" b="1" dirty="0"/>
+              <a:t> </a:t>
+            </a:r>
+            <a:r>
+              <a:rPr lang="es-MX" b="1" dirty="0" err="1"/>
+              <a:t>one</a:t>
+            </a:r>
+            <a:r>
+              <a:rPr lang="es-MX" b="1" dirty="0"/>
+              <a:t>: </a:t>
+            </a:r>
+            <a:r>
+              <a:rPr lang="es-MX" dirty="0"/>
+              <a:t>Relación donde un elemento puede vincularse al único otro elemento.</a:t>
+            </a:r>
+            <a:endParaRPr lang="es-MX" b="1" dirty="0"/>
+          </a:p>
+          <a:p>
+            <a:pPr lvl="1"/>
+            <a:r>
+              <a:rPr lang="es-MX" b="1" dirty="0" err="1"/>
+              <a:t>One</a:t>
+            </a:r>
+            <a:r>
+              <a:rPr lang="es-MX" b="1" dirty="0"/>
+              <a:t> </a:t>
+            </a:r>
+            <a:r>
+              <a:rPr lang="es-MX" b="1" dirty="0" err="1"/>
+              <a:t>to</a:t>
+            </a:r>
+            <a:r>
+              <a:rPr lang="es-MX" b="1" dirty="0"/>
+              <a:t> </a:t>
+            </a:r>
+            <a:r>
+              <a:rPr lang="es-MX" b="1" dirty="0" err="1"/>
+              <a:t>Many</a:t>
+            </a:r>
+            <a:r>
+              <a:rPr lang="es-MX" b="1" dirty="0"/>
+              <a:t>: </a:t>
+            </a:r>
+            <a:r>
+              <a:rPr lang="es-MX" dirty="0"/>
+              <a:t>Relación donde cada fila de la entidad se hace referencia a muchos registros secundarios en otra entidad.</a:t>
+            </a:r>
+          </a:p>
+          <a:p>
+            <a:pPr lvl="1"/>
+            <a:r>
+              <a:rPr lang="es-MX" b="1" dirty="0" err="1"/>
+              <a:t>Many</a:t>
+            </a:r>
+            <a:r>
+              <a:rPr lang="es-MX" b="1" dirty="0"/>
+              <a:t> </a:t>
+            </a:r>
+            <a:r>
+              <a:rPr lang="es-MX" b="1" dirty="0" err="1"/>
+              <a:t>to</a:t>
+            </a:r>
+            <a:r>
+              <a:rPr lang="es-MX" b="1" dirty="0"/>
+              <a:t> </a:t>
+            </a:r>
+            <a:r>
+              <a:rPr lang="es-MX" b="1" dirty="0" err="1"/>
+              <a:t>One</a:t>
+            </a:r>
+            <a:r>
+              <a:rPr lang="es-MX" b="1" dirty="0"/>
+              <a:t>: </a:t>
+            </a:r>
+            <a:r>
+              <a:rPr lang="es-MX" dirty="0"/>
+              <a:t>Relación entre las entidades donde se hace referencia a una entidad con valores únicos que contiene la otra entidad.</a:t>
+            </a:r>
+            <a:endParaRPr lang="es-MX" b="1" dirty="0"/>
+          </a:p>
+          <a:p>
+            <a:pPr lvl="1"/>
+            <a:r>
+              <a:rPr lang="es-MX" b="1" dirty="0" err="1"/>
+              <a:t>Many</a:t>
+            </a:r>
+            <a:r>
+              <a:rPr lang="es-MX" b="1" dirty="0"/>
+              <a:t> </a:t>
+            </a:r>
+            <a:r>
+              <a:rPr lang="es-MX" b="1" dirty="0" err="1"/>
+              <a:t>to</a:t>
+            </a:r>
+            <a:r>
+              <a:rPr lang="es-MX" b="1" dirty="0"/>
+              <a:t> </a:t>
+            </a:r>
+            <a:r>
+              <a:rPr lang="es-MX" b="1" dirty="0" err="1"/>
+              <a:t>many</a:t>
+            </a:r>
+            <a:r>
+              <a:rPr lang="es-MX" b="1" dirty="0"/>
+              <a:t>: </a:t>
+            </a:r>
+            <a:r>
+              <a:rPr lang="es-MX" dirty="0"/>
+              <a:t>Relación de varios a varios donde una o más filas de una entidad se asocian a más de una fila en otra entidad. </a:t>
+            </a:r>
+            <a:endParaRPr lang="es-MX" b="1" dirty="0"/>
+          </a:p>
+          <a:p>
+            <a:pPr marL="0" indent="0">
+              <a:buNone/>
+            </a:pPr>
+            <a:endParaRPr lang="es-MX" b="1" dirty="0"/>
+          </a:p>
+        </p:txBody>
+      </p:sp>
+    </p:spTree>
+    <p:extLst>
+      <p:ext uri="{BB962C8B-B14F-4D97-AF65-F5344CB8AC3E}">
+        <p14:creationId xmlns:p14="http://schemas.microsoft.com/office/powerpoint/2010/main" val="83241723"/>
+      </p:ext>
+    </p:extLst>
+  </p:cSld>
+  <p:clrMapOvr>
+    <a:masterClrMapping/>
+  </p:clrMapOvr>
+</p:sld>
+</file>
+
+<file path=ppt/slides/slide16.xml><?xml version="1.0" encoding="utf-8"?>
+<p:sld xmlns:a="http://schemas.openxmlformats.org/drawingml/2006/main" xmlns:r="http://schemas.openxmlformats.org/officeDocument/2006/relationships" xmlns:p="http://schemas.openxmlformats.org/presentationml/2006/main">
+  <p:cSld>
+    <p:spTree>
+      <p:nvGrpSpPr>
+        <p:cNvPr id="1" name=""/>
+        <p:cNvGrpSpPr/>
+        <p:nvPr/>
+      </p:nvGrpSpPr>
+      <p:grpSpPr>
+        <a:xfrm>
+          <a:off x="0" y="0"/>
+          <a:ext cx="0" cy="0"/>
+          <a:chOff x="0" y="0"/>
+          <a:chExt cx="0" cy="0"/>
+        </a:xfrm>
+      </p:grpSpPr>
+      <p:sp>
+        <p:nvSpPr>
+          <p:cNvPr id="2" name="Título 1">
+            <a:extLst>
+              <a:ext uri="{FF2B5EF4-FFF2-40B4-BE49-F238E27FC236}">
+                <a16:creationId xmlns:a16="http://schemas.microsoft.com/office/drawing/2014/main" id="{1D188781-0C52-40C1-AE86-604518E9A841}"/>
+              </a:ext>
+            </a:extLst>
+          </p:cNvPr>
+          <p:cNvSpPr>
+            <a:spLocks noGrp="1"/>
+          </p:cNvSpPr>
+          <p:nvPr>
+            <p:ph type="title"/>
+          </p:nvPr>
+        </p:nvSpPr>
+        <p:spPr/>
+        <p:txBody>
+          <a:bodyPr/>
+          <a:lstStyle/>
+          <a:p>
+            <a:r>
+              <a:rPr lang="es-MX" b="1" dirty="0"/>
+              <a:t>Relaciones en bases de datos</a:t>
+            </a:r>
+          </a:p>
+        </p:txBody>
+      </p:sp>
+      <p:sp>
+        <p:nvSpPr>
+          <p:cNvPr id="3" name="Marcador de contenido 2">
+            <a:extLst>
+              <a:ext uri="{FF2B5EF4-FFF2-40B4-BE49-F238E27FC236}">
+                <a16:creationId xmlns:a16="http://schemas.microsoft.com/office/drawing/2014/main" id="{18773DA1-AD01-4029-AD65-69282D97B22C}"/>
+              </a:ext>
+            </a:extLst>
+          </p:cNvPr>
+          <p:cNvSpPr>
+            <a:spLocks noGrp="1"/>
+          </p:cNvSpPr>
+          <p:nvPr>
+            <p:ph idx="1"/>
+          </p:nvPr>
+        </p:nvSpPr>
+        <p:spPr>
+          <a:xfrm>
+            <a:off x="838200" y="1295570"/>
+            <a:ext cx="10515600" cy="853741"/>
+          </a:xfrm>
+        </p:spPr>
+        <p:txBody>
+          <a:bodyPr/>
+          <a:lstStyle/>
+          <a:p>
+            <a:r>
+              <a:rPr lang="es-MX" dirty="0"/>
+              <a:t>Entonces en los modelos E-R solo tenemos las relaciones unidireccionales. Donde habrá una </a:t>
+            </a:r>
+            <a:r>
+              <a:rPr lang="es-MX" b="1" dirty="0"/>
+              <a:t>entidad dueña</a:t>
+            </a:r>
+            <a:r>
+              <a:rPr lang="es-MX" dirty="0"/>
+              <a:t> </a:t>
+            </a:r>
+            <a:r>
+              <a:rPr lang="es-MX" b="1" dirty="0"/>
+              <a:t>de la relación</a:t>
+            </a:r>
+            <a:r>
+              <a:rPr lang="es-MX" dirty="0"/>
+              <a:t>. </a:t>
+            </a:r>
+            <a:r>
+              <a:rPr lang="es-MX" b="1" dirty="0"/>
+              <a:t>Y la entidad dueña será la que contendrá la llave primaria de la entidad débil. Esto será dependiendo la relación. </a:t>
+            </a:r>
+          </a:p>
+        </p:txBody>
+      </p:sp>
+      <p:pic>
+        <p:nvPicPr>
+          <p:cNvPr id="5" name="Imagen 4">
+            <a:extLst>
+              <a:ext uri="{FF2B5EF4-FFF2-40B4-BE49-F238E27FC236}">
+                <a16:creationId xmlns:a16="http://schemas.microsoft.com/office/drawing/2014/main" id="{A5B8D946-40B2-49B2-84ED-D71CA4F73472}"/>
+              </a:ext>
+            </a:extLst>
+          </p:cNvPr>
+          <p:cNvPicPr>
+            <a:picLocks noChangeAspect="1"/>
+          </p:cNvPicPr>
+          <p:nvPr/>
+        </p:nvPicPr>
+        <p:blipFill>
+          <a:blip r:embed="rId2"/>
+          <a:stretch>
+            <a:fillRect/>
+          </a:stretch>
+        </p:blipFill>
+        <p:spPr>
+          <a:xfrm>
+            <a:off x="2414587" y="2149311"/>
+            <a:ext cx="7362825" cy="4495800"/>
+          </a:xfrm>
+          <a:prstGeom prst="rect">
+            <a:avLst/>
+          </a:prstGeom>
+        </p:spPr>
+      </p:pic>
+    </p:spTree>
+    <p:extLst>
+      <p:ext uri="{BB962C8B-B14F-4D97-AF65-F5344CB8AC3E}">
+        <p14:creationId xmlns:p14="http://schemas.microsoft.com/office/powerpoint/2010/main" val="4244951663"/>
+      </p:ext>
+    </p:extLst>
+  </p:cSld>
+  <p:clrMapOvr>
+    <a:masterClrMapping/>
+  </p:clrMapOvr>
+</p:sld>
+</file>
+
+<file path=ppt/slides/slide17.xml><?xml version="1.0" encoding="utf-8"?>
+<p:sld xmlns:a="http://schemas.openxmlformats.org/drawingml/2006/main" xmlns:r="http://schemas.openxmlformats.org/officeDocument/2006/relationships" xmlns:p="http://schemas.openxmlformats.org/presentationml/2006/main">
+  <p:cSld>
+    <p:spTree>
+      <p:nvGrpSpPr>
+        <p:cNvPr id="1" name=""/>
+        <p:cNvGrpSpPr/>
+        <p:nvPr/>
+      </p:nvGrpSpPr>
+      <p:grpSpPr>
+        <a:xfrm>
+          <a:off x="0" y="0"/>
+          <a:ext cx="0" cy="0"/>
+          <a:chOff x="0" y="0"/>
+          <a:chExt cx="0" cy="0"/>
+        </a:xfrm>
+      </p:grpSpPr>
+      <p:sp>
+        <p:nvSpPr>
+          <p:cNvPr id="2" name="Título 1">
+            <a:extLst>
+              <a:ext uri="{FF2B5EF4-FFF2-40B4-BE49-F238E27FC236}">
+                <a16:creationId xmlns:a16="http://schemas.microsoft.com/office/drawing/2014/main" id="{7E2BCF5C-F1DB-4095-9AA1-8C49D9D0800C}"/>
+              </a:ext>
+            </a:extLst>
+          </p:cNvPr>
+          <p:cNvSpPr>
+            <a:spLocks noGrp="1"/>
+          </p:cNvSpPr>
+          <p:nvPr>
+            <p:ph type="title"/>
+          </p:nvPr>
+        </p:nvSpPr>
+        <p:spPr/>
+        <p:txBody>
+          <a:bodyPr/>
+          <a:lstStyle/>
+          <a:p>
+            <a:endParaRPr lang="es-MX"/>
+          </a:p>
+        </p:txBody>
+      </p:sp>
+      <p:sp>
+        <p:nvSpPr>
+          <p:cNvPr id="3" name="Marcador de contenido 2">
+            <a:extLst>
+              <a:ext uri="{FF2B5EF4-FFF2-40B4-BE49-F238E27FC236}">
+                <a16:creationId xmlns:a16="http://schemas.microsoft.com/office/drawing/2014/main" id="{67BA497F-93DD-45A0-BBF7-28774ACBF5BD}"/>
+              </a:ext>
+            </a:extLst>
+          </p:cNvPr>
+          <p:cNvSpPr>
+            <a:spLocks noGrp="1"/>
+          </p:cNvSpPr>
+          <p:nvPr>
+            <p:ph idx="1"/>
+          </p:nvPr>
+        </p:nvSpPr>
+        <p:spPr/>
+        <p:txBody>
+          <a:bodyPr/>
+          <a:lstStyle/>
+          <a:p>
+            <a:endParaRPr lang="es-MX"/>
+          </a:p>
+        </p:txBody>
+      </p:sp>
+      <p:pic>
+        <p:nvPicPr>
+          <p:cNvPr id="5" name="Imagen 4">
+            <a:extLst>
+              <a:ext uri="{FF2B5EF4-FFF2-40B4-BE49-F238E27FC236}">
+                <a16:creationId xmlns:a16="http://schemas.microsoft.com/office/drawing/2014/main" id="{985C01BF-9F0D-4920-8BBF-1B696F6C542E}"/>
+              </a:ext>
+            </a:extLst>
+          </p:cNvPr>
+          <p:cNvPicPr>
+            <a:picLocks noChangeAspect="1"/>
+          </p:cNvPicPr>
+          <p:nvPr/>
+        </p:nvPicPr>
+        <p:blipFill>
+          <a:blip r:embed="rId2"/>
+          <a:stretch>
+            <a:fillRect/>
+          </a:stretch>
+        </p:blipFill>
+        <p:spPr>
+          <a:xfrm>
+            <a:off x="961708" y="486422"/>
+            <a:ext cx="10268583" cy="5885156"/>
+          </a:xfrm>
+          <a:prstGeom prst="rect">
+            <a:avLst/>
+          </a:prstGeom>
+        </p:spPr>
+      </p:pic>
+    </p:spTree>
+    <p:extLst>
+      <p:ext uri="{BB962C8B-B14F-4D97-AF65-F5344CB8AC3E}">
+        <p14:creationId xmlns:p14="http://schemas.microsoft.com/office/powerpoint/2010/main" val="3281935398"/>
+      </p:ext>
+    </p:extLst>
+  </p:cSld>
+  <p:clrMapOvr>
+    <a:masterClrMapping/>
+  </p:clrMapOvr>
+</p:sld>
+</file>
+
+<file path=ppt/slides/slide18.xml><?xml version="1.0" encoding="utf-8"?>
+<p:sld xmlns:a="http://schemas.openxmlformats.org/drawingml/2006/main" xmlns:r="http://schemas.openxmlformats.org/officeDocument/2006/relationships" xmlns:p="http://schemas.openxmlformats.org/presentationml/2006/main">
+  <p:cSld>
+    <p:spTree>
+      <p:nvGrpSpPr>
+        <p:cNvPr id="1" name=""/>
+        <p:cNvGrpSpPr/>
+        <p:nvPr/>
+      </p:nvGrpSpPr>
+      <p:grpSpPr>
+        <a:xfrm>
+          <a:off x="0" y="0"/>
+          <a:ext cx="0" cy="0"/>
+          <a:chOff x="0" y="0"/>
+          <a:chExt cx="0" cy="0"/>
+        </a:xfrm>
+      </p:grpSpPr>
+      <p:sp>
+        <p:nvSpPr>
+          <p:cNvPr id="3" name="Marcador de contenido 2">
+            <a:extLst>
+              <a:ext uri="{FF2B5EF4-FFF2-40B4-BE49-F238E27FC236}">
+                <a16:creationId xmlns:a16="http://schemas.microsoft.com/office/drawing/2014/main" id="{9A3AE285-E108-4437-AC8F-2D0E681619A4}"/>
+              </a:ext>
+            </a:extLst>
+          </p:cNvPr>
+          <p:cNvSpPr>
+            <a:spLocks noGrp="1"/>
+          </p:cNvSpPr>
+          <p:nvPr>
+            <p:ph idx="1"/>
+          </p:nvPr>
+        </p:nvSpPr>
+        <p:spPr>
+          <a:xfrm>
+            <a:off x="1007882" y="427669"/>
+            <a:ext cx="10515600" cy="1042134"/>
+          </a:xfrm>
+        </p:spPr>
+        <p:txBody>
+          <a:bodyPr/>
+          <a:lstStyle/>
+          <a:p>
+            <a:pPr marL="0" indent="0" algn="l">
+              <a:buNone/>
+            </a:pPr>
+            <a:r>
+              <a:rPr lang="es-MX" sz="1400" b="1" dirty="0"/>
+              <a:t>Restricciones de participación</a:t>
+            </a:r>
+          </a:p>
+          <a:p>
+            <a:pPr marL="0" indent="0" algn="l">
+              <a:buNone/>
+            </a:pPr>
+            <a:r>
+              <a:rPr lang="es-MX" sz="1400" dirty="0"/>
+              <a:t>Dado un conjunto de relaciones R en el cual participa un conjunto de entidades A, dicha participación puede ser de dos tipos:</a:t>
+            </a:r>
+          </a:p>
+          <a:p>
+            <a:r>
+              <a:rPr lang="es-MX" sz="1400" dirty="0"/>
+              <a:t> Total: Cuando cada entidad en A participa en al menos una relación de R.</a:t>
+            </a:r>
+          </a:p>
+          <a:p>
+            <a:r>
+              <a:rPr lang="es-MX" sz="1400" dirty="0"/>
+              <a:t>Parcial: Cuando al menos una entidad en A NO participa en alguna relación de R.</a:t>
+            </a:r>
+          </a:p>
+          <a:p>
+            <a:endParaRPr lang="es-MX" dirty="0"/>
+          </a:p>
+        </p:txBody>
+      </p:sp>
+      <p:pic>
+        <p:nvPicPr>
+          <p:cNvPr id="5" name="Imagen 4">
+            <a:extLst>
+              <a:ext uri="{FF2B5EF4-FFF2-40B4-BE49-F238E27FC236}">
+                <a16:creationId xmlns:a16="http://schemas.microsoft.com/office/drawing/2014/main" id="{6C63AE01-9956-4F1F-8FE2-9805FDE88FA1}"/>
+              </a:ext>
+            </a:extLst>
+          </p:cNvPr>
+          <p:cNvPicPr>
+            <a:picLocks noChangeAspect="1"/>
+          </p:cNvPicPr>
+          <p:nvPr/>
+        </p:nvPicPr>
+        <p:blipFill>
+          <a:blip r:embed="rId2"/>
+          <a:stretch>
+            <a:fillRect/>
+          </a:stretch>
+        </p:blipFill>
+        <p:spPr>
+          <a:xfrm>
+            <a:off x="1587257" y="1711906"/>
+            <a:ext cx="9017485" cy="4997786"/>
+          </a:xfrm>
+          <a:prstGeom prst="rect">
+            <a:avLst/>
+          </a:prstGeom>
+        </p:spPr>
+      </p:pic>
+    </p:spTree>
+    <p:extLst>
+      <p:ext uri="{BB962C8B-B14F-4D97-AF65-F5344CB8AC3E}">
+        <p14:creationId xmlns:p14="http://schemas.microsoft.com/office/powerpoint/2010/main" val="1819601702"/>
+      </p:ext>
+    </p:extLst>
+  </p:cSld>
+  <p:clrMapOvr>
+    <a:masterClrMapping/>
+  </p:clrMapOvr>
+</p:sld>
+</file>
+
+<file path=ppt/slides/slide19.xml><?xml version="1.0" encoding="utf-8"?>
+<p:sld xmlns:a="http://schemas.openxmlformats.org/drawingml/2006/main" xmlns:r="http://schemas.openxmlformats.org/officeDocument/2006/relationships" xmlns:p="http://schemas.openxmlformats.org/presentationml/2006/main">
+  <p:cSld>
+    <p:spTree>
+      <p:nvGrpSpPr>
+        <p:cNvPr id="1" name=""/>
+        <p:cNvGrpSpPr/>
+        <p:nvPr/>
+      </p:nvGrpSpPr>
+      <p:grpSpPr>
+        <a:xfrm>
+          <a:off x="0" y="0"/>
+          <a:ext cx="0" cy="0"/>
+          <a:chOff x="0" y="0"/>
+          <a:chExt cx="0" cy="0"/>
+        </a:xfrm>
+      </p:grpSpPr>
+      <p:sp>
+        <p:nvSpPr>
+          <p:cNvPr id="2" name="Título 1">
+            <a:extLst>
+              <a:ext uri="{FF2B5EF4-FFF2-40B4-BE49-F238E27FC236}">
+                <a16:creationId xmlns:a16="http://schemas.microsoft.com/office/drawing/2014/main" id="{93A98530-0EAA-4DB7-B481-93BA240FDFB5}"/>
+              </a:ext>
+            </a:extLst>
+          </p:cNvPr>
+          <p:cNvSpPr>
+            <a:spLocks noGrp="1"/>
+          </p:cNvSpPr>
+          <p:nvPr>
+            <p:ph type="title"/>
+          </p:nvPr>
+        </p:nvSpPr>
+        <p:spPr/>
+        <p:txBody>
+          <a:bodyPr/>
+          <a:lstStyle/>
+          <a:p>
+            <a:r>
+              <a:rPr lang="es-MX" b="1" dirty="0"/>
+              <a:t>Relaciones en JPA</a:t>
+            </a:r>
+          </a:p>
+        </p:txBody>
+      </p:sp>
+      <p:sp>
+        <p:nvSpPr>
+          <p:cNvPr id="3" name="Marcador de contenido 2">
+            <a:extLst>
+              <a:ext uri="{FF2B5EF4-FFF2-40B4-BE49-F238E27FC236}">
+                <a16:creationId xmlns:a16="http://schemas.microsoft.com/office/drawing/2014/main" id="{F78038AC-61A6-4AB9-B6CF-1022D780D593}"/>
+              </a:ext>
+            </a:extLst>
+          </p:cNvPr>
+          <p:cNvSpPr>
+            <a:spLocks noGrp="1"/>
+          </p:cNvSpPr>
+          <p:nvPr>
+            <p:ph idx="1"/>
+          </p:nvPr>
+        </p:nvSpPr>
+        <p:spPr/>
+        <p:txBody>
+          <a:bodyPr/>
+          <a:lstStyle/>
+          <a:p>
+            <a:pPr algn="just"/>
+            <a:r>
+              <a:rPr lang="es-MX" dirty="0"/>
+              <a:t>Las relaciones </a:t>
+            </a:r>
+            <a:r>
+              <a:rPr lang="es-MX" b="1" dirty="0"/>
+              <a:t>UNIDIRECCIONALES</a:t>
+            </a:r>
+            <a:r>
+              <a:rPr lang="es-MX" dirty="0"/>
+              <a:t> solo se pueden navegar de la </a:t>
+            </a:r>
+            <a:r>
+              <a:rPr lang="es-MX" b="1" dirty="0"/>
+              <a:t>entidad dueña </a:t>
+            </a:r>
+            <a:r>
+              <a:rPr lang="es-MX" dirty="0"/>
+              <a:t>a la </a:t>
+            </a:r>
+            <a:r>
+              <a:rPr lang="es-MX" b="1" dirty="0"/>
+              <a:t>entidad débil</a:t>
+            </a:r>
+            <a:r>
+              <a:rPr lang="es-MX" dirty="0"/>
+              <a:t>. </a:t>
+            </a:r>
+          </a:p>
+          <a:p>
+            <a:pPr algn="just"/>
+            <a:r>
+              <a:rPr lang="es-MX" dirty="0"/>
+              <a:t>¿Cómo identificas una entidad dueña? </a:t>
+            </a:r>
+          </a:p>
+          <a:p>
+            <a:pPr marL="0" indent="0" algn="just">
+              <a:buNone/>
+            </a:pPr>
+            <a:r>
+              <a:rPr lang="es-MX" dirty="0"/>
+              <a:t>Las entidades dueñas contendrán la anotación de la relación (@OneToOne, @OneToMany, </a:t>
+            </a:r>
+            <a:r>
+              <a:rPr lang="es-MX" dirty="0" err="1"/>
+              <a:t>etc</a:t>
+            </a:r>
+            <a:r>
+              <a:rPr lang="es-MX" dirty="0"/>
+              <a:t>). </a:t>
+            </a:r>
+          </a:p>
+          <a:p>
+            <a:pPr marL="0" indent="0" algn="just">
+              <a:buNone/>
+            </a:pPr>
+            <a:r>
+              <a:rPr lang="es-MX" dirty="0"/>
+              <a:t>Además de tener la anotación @JoinColum, con la que identificaremos el lado de la relación dueña. Mientras que el lado inverso o no propietario se identifica por no llevar esta anotación. </a:t>
+            </a:r>
+          </a:p>
+          <a:p>
+            <a:pPr marL="0" indent="0" algn="just">
+              <a:buNone/>
+            </a:pPr>
+            <a:endParaRPr lang="es-MX" dirty="0"/>
+          </a:p>
+        </p:txBody>
+      </p:sp>
+      <p:pic>
+        <p:nvPicPr>
+          <p:cNvPr id="1026" name="Picture 2" descr="Relación entre entidades de tipo Uno a Uno @OneToOne">
+            <a:extLst>
+              <a:ext uri="{FF2B5EF4-FFF2-40B4-BE49-F238E27FC236}">
+                <a16:creationId xmlns:a16="http://schemas.microsoft.com/office/drawing/2014/main" id="{9E02EAE3-A778-4E5D-8F3C-4B74F5EF8C33}"/>
+              </a:ext>
+            </a:extLst>
+          </p:cNvPr>
+          <p:cNvPicPr>
+            <a:picLocks noChangeAspect="1" noChangeArrowheads="1"/>
+          </p:cNvPicPr>
+          <p:nvPr/>
+        </p:nvPicPr>
+        <p:blipFill>
+          <a:blip r:embed="rId2">
+            <a:extLst>
+              <a:ext uri="{28A0092B-C50C-407E-A947-70E740481C1C}">
+                <a14:useLocalDpi xmlns:a14="http://schemas.microsoft.com/office/drawing/2010/main" val="0"/>
+              </a:ext>
+            </a:extLst>
+          </a:blip>
+          <a:srcRect/>
+          <a:stretch>
+            <a:fillRect/>
+          </a:stretch>
+        </p:blipFill>
+        <p:spPr bwMode="auto">
+          <a:xfrm>
+            <a:off x="743931" y="4391051"/>
+            <a:ext cx="4714215" cy="1782563"/>
+          </a:xfrm>
+          <a:prstGeom prst="rect">
+            <a:avLst/>
+          </a:prstGeom>
+          <a:noFill/>
+          <a:extLst>
+            <a:ext uri="{909E8E84-426E-40DD-AFC4-6F175D3DCCD1}">
+              <a14:hiddenFill xmlns:a14="http://schemas.microsoft.com/office/drawing/2010/main">
+                <a:solidFill>
+                  <a:srgbClr val="FFFFFF"/>
+                </a:solidFill>
+              </a14:hiddenFill>
+            </a:ext>
+          </a:extLst>
+        </p:spPr>
+      </p:pic>
+      <p:sp>
+        <p:nvSpPr>
+          <p:cNvPr id="4" name="CuadroTexto 3">
+            <a:extLst>
+              <a:ext uri="{FF2B5EF4-FFF2-40B4-BE49-F238E27FC236}">
+                <a16:creationId xmlns:a16="http://schemas.microsoft.com/office/drawing/2014/main" id="{36A25F82-20D9-4D68-9B75-C9D227DEC2E5}"/>
+              </a:ext>
+            </a:extLst>
+          </p:cNvPr>
+          <p:cNvSpPr txBox="1"/>
+          <p:nvPr/>
+        </p:nvSpPr>
+        <p:spPr>
+          <a:xfrm>
+            <a:off x="838200" y="3751093"/>
+            <a:ext cx="4702558" cy="646331"/>
+          </a:xfrm>
+          <a:prstGeom prst="rect">
+            <a:avLst/>
+          </a:prstGeom>
+          <a:noFill/>
+        </p:spPr>
+        <p:txBody>
+          <a:bodyPr wrap="square" rtlCol="0">
+            <a:spAutoFit/>
+          </a:bodyPr>
+          <a:lstStyle/>
+          <a:p>
+            <a:pPr marL="285750" indent="-285750">
+              <a:buFont typeface="Arial" panose="020B0604020202020204" pitchFamily="34" charset="0"/>
+              <a:buChar char="•"/>
+            </a:pPr>
+            <a:r>
+              <a:rPr lang="es-MX" b="1" dirty="0"/>
+              <a:t>Relación @OneToOne UNIDIRECCIONAL</a:t>
+            </a:r>
+          </a:p>
+        </p:txBody>
+      </p:sp>
+      <p:sp>
+        <p:nvSpPr>
+          <p:cNvPr id="6" name="CuadroTexto 5">
+            <a:extLst>
+              <a:ext uri="{FF2B5EF4-FFF2-40B4-BE49-F238E27FC236}">
+                <a16:creationId xmlns:a16="http://schemas.microsoft.com/office/drawing/2014/main" id="{172D7E3D-2D2B-4C57-A36E-10C0D6ABACC5}"/>
+              </a:ext>
+            </a:extLst>
+          </p:cNvPr>
+          <p:cNvSpPr txBox="1"/>
+          <p:nvPr/>
+        </p:nvSpPr>
+        <p:spPr>
+          <a:xfrm>
+            <a:off x="6001757" y="3654008"/>
+            <a:ext cx="3432142" cy="369332"/>
+          </a:xfrm>
+          <a:prstGeom prst="rect">
+            <a:avLst/>
+          </a:prstGeom>
+          <a:noFill/>
+        </p:spPr>
+        <p:txBody>
+          <a:bodyPr wrap="square" rtlCol="0">
+            <a:spAutoFit/>
+          </a:bodyPr>
+          <a:lstStyle/>
+          <a:p>
+            <a:pPr marL="285750" indent="-285750">
+              <a:buFont typeface="Arial" panose="020B0604020202020204" pitchFamily="34" charset="0"/>
+              <a:buChar char="•"/>
+            </a:pPr>
+            <a:r>
+              <a:rPr lang="es-MX" b="1" dirty="0"/>
+              <a:t>Código</a:t>
+            </a:r>
+          </a:p>
+        </p:txBody>
+      </p:sp>
+      <p:pic>
+        <p:nvPicPr>
+          <p:cNvPr id="8" name="Imagen 7">
+            <a:extLst>
+              <a:ext uri="{FF2B5EF4-FFF2-40B4-BE49-F238E27FC236}">
+                <a16:creationId xmlns:a16="http://schemas.microsoft.com/office/drawing/2014/main" id="{2C2E53FB-51D9-4351-AF0B-2C70CBB4CAD4}"/>
+              </a:ext>
+            </a:extLst>
+          </p:cNvPr>
+          <p:cNvPicPr>
+            <a:picLocks noChangeAspect="1"/>
+          </p:cNvPicPr>
+          <p:nvPr/>
+        </p:nvPicPr>
+        <p:blipFill>
+          <a:blip r:embed="rId3"/>
+          <a:stretch>
+            <a:fillRect/>
+          </a:stretch>
+        </p:blipFill>
+        <p:spPr>
+          <a:xfrm>
+            <a:off x="6001757" y="4120424"/>
+            <a:ext cx="2795835" cy="2488439"/>
+          </a:xfrm>
+          <a:prstGeom prst="rect">
+            <a:avLst/>
+          </a:prstGeom>
+        </p:spPr>
+      </p:pic>
+      <p:pic>
+        <p:nvPicPr>
+          <p:cNvPr id="10" name="Imagen 9">
+            <a:extLst>
+              <a:ext uri="{FF2B5EF4-FFF2-40B4-BE49-F238E27FC236}">
+                <a16:creationId xmlns:a16="http://schemas.microsoft.com/office/drawing/2014/main" id="{76B444FB-22AC-403B-83BB-92F14BDDB641}"/>
+              </a:ext>
+            </a:extLst>
+          </p:cNvPr>
+          <p:cNvPicPr>
+            <a:picLocks noChangeAspect="1"/>
+          </p:cNvPicPr>
+          <p:nvPr/>
+        </p:nvPicPr>
+        <p:blipFill>
+          <a:blip r:embed="rId4"/>
+          <a:stretch>
+            <a:fillRect/>
+          </a:stretch>
+        </p:blipFill>
+        <p:spPr>
+          <a:xfrm>
+            <a:off x="8844727" y="4120424"/>
+            <a:ext cx="2970072" cy="2488439"/>
+          </a:xfrm>
+          <a:prstGeom prst="rect">
+            <a:avLst/>
+          </a:prstGeom>
+        </p:spPr>
+      </p:pic>
+    </p:spTree>
+    <p:extLst>
+      <p:ext uri="{BB962C8B-B14F-4D97-AF65-F5344CB8AC3E}">
+        <p14:creationId xmlns:p14="http://schemas.microsoft.com/office/powerpoint/2010/main" val="2583278731"/>
+      </p:ext>
+    </p:extLst>
+  </p:cSld>
+  <p:clrMapOvr>
+    <a:masterClrMapping/>
+  </p:clrMapOvr>
+</p:sld>
+</file>
+
 <file path=ppt/slides/slide2.xml><?xml version="1.0" encoding="utf-8"?>
 <p:sld xmlns:a="http://schemas.openxmlformats.org/drawingml/2006/main" xmlns:r="http://schemas.openxmlformats.org/officeDocument/2006/relationships" xmlns:p="http://schemas.openxmlformats.org/presentationml/2006/main">
   <p:cSld>
@@ -4870,6 +6155,582 @@
     <p:extLst>
       <p:ext uri="{BB962C8B-B14F-4D97-AF65-F5344CB8AC3E}">
         <p14:creationId xmlns:p14="http://schemas.microsoft.com/office/powerpoint/2010/main" val="2589303367"/>
+      </p:ext>
+    </p:extLst>
+  </p:cSld>
+  <p:clrMapOvr>
+    <a:masterClrMapping/>
+  </p:clrMapOvr>
+</p:sld>
+</file>
+
+<file path=ppt/slides/slide20.xml><?xml version="1.0" encoding="utf-8"?>
+<p:sld xmlns:a="http://schemas.openxmlformats.org/drawingml/2006/main" xmlns:r="http://schemas.openxmlformats.org/officeDocument/2006/relationships" xmlns:p="http://schemas.openxmlformats.org/presentationml/2006/main">
+  <p:cSld>
+    <p:spTree>
+      <p:nvGrpSpPr>
+        <p:cNvPr id="1" name=""/>
+        <p:cNvGrpSpPr/>
+        <p:nvPr/>
+      </p:nvGrpSpPr>
+      <p:grpSpPr>
+        <a:xfrm>
+          <a:off x="0" y="0"/>
+          <a:ext cx="0" cy="0"/>
+          <a:chOff x="0" y="0"/>
+          <a:chExt cx="0" cy="0"/>
+        </a:xfrm>
+      </p:grpSpPr>
+      <p:sp>
+        <p:nvSpPr>
+          <p:cNvPr id="3" name="Marcador de contenido 2">
+            <a:extLst>
+              <a:ext uri="{FF2B5EF4-FFF2-40B4-BE49-F238E27FC236}">
+                <a16:creationId xmlns:a16="http://schemas.microsoft.com/office/drawing/2014/main" id="{F78038AC-61A6-4AB9-B6CF-1022D780D593}"/>
+              </a:ext>
+            </a:extLst>
+          </p:cNvPr>
+          <p:cNvSpPr>
+            <a:spLocks noGrp="1"/>
+          </p:cNvSpPr>
+          <p:nvPr>
+            <p:ph idx="1"/>
+          </p:nvPr>
+        </p:nvSpPr>
+        <p:spPr>
+          <a:xfrm>
+            <a:off x="838200" y="433633"/>
+            <a:ext cx="10515600" cy="5825633"/>
+          </a:xfrm>
+        </p:spPr>
+        <p:txBody>
+          <a:bodyPr/>
+          <a:lstStyle/>
+          <a:p>
+            <a:pPr algn="just"/>
+            <a:r>
+              <a:rPr lang="es-MX" dirty="0"/>
+              <a:t>Las relaciones </a:t>
+            </a:r>
+            <a:r>
+              <a:rPr lang="es-MX" b="1" dirty="0"/>
+              <a:t>BIDIRECCIONALES</a:t>
+            </a:r>
+            <a:r>
+              <a:rPr lang="es-MX" dirty="0"/>
+              <a:t> son propias del modelo de datos de POO y estas  pueden navegar de la </a:t>
+            </a:r>
+            <a:r>
+              <a:rPr lang="es-MX" b="1" dirty="0"/>
+              <a:t>entidad dueña </a:t>
+            </a:r>
+            <a:r>
+              <a:rPr lang="es-MX" dirty="0"/>
+              <a:t>a la </a:t>
+            </a:r>
+            <a:r>
+              <a:rPr lang="es-MX" b="1" dirty="0"/>
+              <a:t>entidad débil </a:t>
+            </a:r>
+            <a:r>
+              <a:rPr lang="es-MX" dirty="0"/>
+              <a:t>o de </a:t>
+            </a:r>
+            <a:r>
+              <a:rPr lang="es-MX" b="1" dirty="0"/>
+              <a:t>entidad débil </a:t>
+            </a:r>
+            <a:r>
+              <a:rPr lang="es-MX" dirty="0"/>
+              <a:t>a la </a:t>
+            </a:r>
+            <a:r>
+              <a:rPr lang="es-MX" b="1" dirty="0"/>
+              <a:t>entidad dueña </a:t>
+            </a:r>
+            <a:r>
+              <a:rPr lang="es-MX" dirty="0"/>
+              <a:t>. </a:t>
+            </a:r>
+          </a:p>
+          <a:p>
+            <a:pPr algn="just"/>
+            <a:r>
+              <a:rPr lang="es-MX" dirty="0"/>
+              <a:t>¿Cómo identificas una relación bidireccional? </a:t>
+            </a:r>
+          </a:p>
+          <a:p>
+            <a:pPr marL="0" indent="0" algn="just">
+              <a:buNone/>
+            </a:pPr>
+            <a:r>
+              <a:rPr lang="es-MX" b="1" dirty="0"/>
+              <a:t>Las entidades dueñas contendrán la anotación</a:t>
+            </a:r>
+            <a:r>
+              <a:rPr lang="es-MX" dirty="0"/>
+              <a:t> de la relación (@OneToOne, @OneToMany, </a:t>
+            </a:r>
+            <a:r>
+              <a:rPr lang="es-MX" dirty="0" err="1"/>
+              <a:t>etc</a:t>
+            </a:r>
+            <a:r>
+              <a:rPr lang="es-MX" dirty="0"/>
+              <a:t>). Además de tener la anotación @JoinColum, con la que identificaremos el lado de la relación dueña. </a:t>
+            </a:r>
+          </a:p>
+          <a:p>
+            <a:pPr marL="0" indent="0" algn="just">
+              <a:buNone/>
+            </a:pPr>
+            <a:r>
+              <a:rPr lang="es-MX" dirty="0"/>
+              <a:t>Mientras que el lado inverso tendrá igualmente la anotación (@OneToOne, @OneToMany, </a:t>
+            </a:r>
+            <a:r>
+              <a:rPr lang="es-MX" dirty="0" err="1"/>
+              <a:t>etc</a:t>
+            </a:r>
+            <a:r>
+              <a:rPr lang="es-MX" dirty="0"/>
+              <a:t>). Con el atributo </a:t>
+            </a:r>
+            <a:r>
+              <a:rPr lang="es-MX" b="1" dirty="0" err="1"/>
+              <a:t>mappedBy</a:t>
+            </a:r>
+            <a:r>
+              <a:rPr lang="es-MX" b="1" dirty="0"/>
+              <a:t> </a:t>
+            </a:r>
+            <a:r>
+              <a:rPr lang="es-MX" dirty="0"/>
+              <a:t>de la entidad NO PROPIETARIA, haciendo referencia a la entidad propietaria de la relación. </a:t>
+            </a:r>
+          </a:p>
+          <a:p>
+            <a:pPr marL="0" indent="0" algn="just">
+              <a:buNone/>
+            </a:pPr>
+            <a:endParaRPr lang="es-MX" dirty="0"/>
+          </a:p>
+        </p:txBody>
+      </p:sp>
+      <p:pic>
+        <p:nvPicPr>
+          <p:cNvPr id="1026" name="Picture 2" descr="Relación entre entidades de tipo Uno a Uno @OneToOne">
+            <a:extLst>
+              <a:ext uri="{FF2B5EF4-FFF2-40B4-BE49-F238E27FC236}">
+                <a16:creationId xmlns:a16="http://schemas.microsoft.com/office/drawing/2014/main" id="{9E02EAE3-A778-4E5D-8F3C-4B74F5EF8C33}"/>
+              </a:ext>
+            </a:extLst>
+          </p:cNvPr>
+          <p:cNvPicPr>
+            <a:picLocks noChangeAspect="1" noChangeArrowheads="1"/>
+          </p:cNvPicPr>
+          <p:nvPr/>
+        </p:nvPicPr>
+        <p:blipFill>
+          <a:blip r:embed="rId2">
+            <a:extLst>
+              <a:ext uri="{28A0092B-C50C-407E-A947-70E740481C1C}">
+                <a14:useLocalDpi xmlns:a14="http://schemas.microsoft.com/office/drawing/2010/main" val="0"/>
+              </a:ext>
+            </a:extLst>
+          </a:blip>
+          <a:srcRect/>
+          <a:stretch>
+            <a:fillRect/>
+          </a:stretch>
+        </p:blipFill>
+        <p:spPr bwMode="auto">
+          <a:xfrm>
+            <a:off x="743931" y="4391051"/>
+            <a:ext cx="4714215" cy="1782563"/>
+          </a:xfrm>
+          <a:prstGeom prst="rect">
+            <a:avLst/>
+          </a:prstGeom>
+          <a:noFill/>
+          <a:extLst>
+            <a:ext uri="{909E8E84-426E-40DD-AFC4-6F175D3DCCD1}">
+              <a14:hiddenFill xmlns:a14="http://schemas.microsoft.com/office/drawing/2010/main">
+                <a:solidFill>
+                  <a:srgbClr val="FFFFFF"/>
+                </a:solidFill>
+              </a14:hiddenFill>
+            </a:ext>
+          </a:extLst>
+        </p:spPr>
+      </p:pic>
+      <p:sp>
+        <p:nvSpPr>
+          <p:cNvPr id="4" name="CuadroTexto 3">
+            <a:extLst>
+              <a:ext uri="{FF2B5EF4-FFF2-40B4-BE49-F238E27FC236}">
+                <a16:creationId xmlns:a16="http://schemas.microsoft.com/office/drawing/2014/main" id="{36A25F82-20D9-4D68-9B75-C9D227DEC2E5}"/>
+              </a:ext>
+            </a:extLst>
+          </p:cNvPr>
+          <p:cNvSpPr txBox="1"/>
+          <p:nvPr/>
+        </p:nvSpPr>
+        <p:spPr>
+          <a:xfrm>
+            <a:off x="838200" y="3752165"/>
+            <a:ext cx="4702558" cy="646331"/>
+          </a:xfrm>
+          <a:prstGeom prst="rect">
+            <a:avLst/>
+          </a:prstGeom>
+          <a:noFill/>
+        </p:spPr>
+        <p:txBody>
+          <a:bodyPr wrap="square" rtlCol="0">
+            <a:spAutoFit/>
+          </a:bodyPr>
+          <a:lstStyle/>
+          <a:p>
+            <a:pPr marL="285750" indent="-285750">
+              <a:buFont typeface="Arial" panose="020B0604020202020204" pitchFamily="34" charset="0"/>
+              <a:buChar char="•"/>
+            </a:pPr>
+            <a:r>
+              <a:rPr lang="es-MX" b="1" dirty="0"/>
+              <a:t>Relación @OneToOne BIDIRECCIONAL</a:t>
+            </a:r>
+          </a:p>
+        </p:txBody>
+      </p:sp>
+      <p:sp>
+        <p:nvSpPr>
+          <p:cNvPr id="6" name="CuadroTexto 5">
+            <a:extLst>
+              <a:ext uri="{FF2B5EF4-FFF2-40B4-BE49-F238E27FC236}">
+                <a16:creationId xmlns:a16="http://schemas.microsoft.com/office/drawing/2014/main" id="{172D7E3D-2D2B-4C57-A36E-10C0D6ABACC5}"/>
+              </a:ext>
+            </a:extLst>
+          </p:cNvPr>
+          <p:cNvSpPr txBox="1"/>
+          <p:nvPr/>
+        </p:nvSpPr>
+        <p:spPr>
+          <a:xfrm>
+            <a:off x="6001757" y="3654008"/>
+            <a:ext cx="3432142" cy="369332"/>
+          </a:xfrm>
+          <a:prstGeom prst="rect">
+            <a:avLst/>
+          </a:prstGeom>
+          <a:noFill/>
+        </p:spPr>
+        <p:txBody>
+          <a:bodyPr wrap="square" rtlCol="0">
+            <a:spAutoFit/>
+          </a:bodyPr>
+          <a:lstStyle/>
+          <a:p>
+            <a:pPr marL="285750" indent="-285750">
+              <a:buFont typeface="Arial" panose="020B0604020202020204" pitchFamily="34" charset="0"/>
+              <a:buChar char="•"/>
+            </a:pPr>
+            <a:r>
+              <a:rPr lang="es-MX" b="1" dirty="0"/>
+              <a:t>Código</a:t>
+            </a:r>
+          </a:p>
+        </p:txBody>
+      </p:sp>
+      <p:pic>
+        <p:nvPicPr>
+          <p:cNvPr id="8" name="Imagen 7">
+            <a:extLst>
+              <a:ext uri="{FF2B5EF4-FFF2-40B4-BE49-F238E27FC236}">
+                <a16:creationId xmlns:a16="http://schemas.microsoft.com/office/drawing/2014/main" id="{2C2E53FB-51D9-4351-AF0B-2C70CBB4CAD4}"/>
+              </a:ext>
+            </a:extLst>
+          </p:cNvPr>
+          <p:cNvPicPr>
+            <a:picLocks noChangeAspect="1"/>
+          </p:cNvPicPr>
+          <p:nvPr/>
+        </p:nvPicPr>
+        <p:blipFill>
+          <a:blip r:embed="rId3"/>
+          <a:stretch>
+            <a:fillRect/>
+          </a:stretch>
+        </p:blipFill>
+        <p:spPr>
+          <a:xfrm>
+            <a:off x="6001757" y="4120424"/>
+            <a:ext cx="2795835" cy="2488439"/>
+          </a:xfrm>
+          <a:prstGeom prst="rect">
+            <a:avLst/>
+          </a:prstGeom>
+        </p:spPr>
+      </p:pic>
+      <p:pic>
+        <p:nvPicPr>
+          <p:cNvPr id="11" name="Imagen 10">
+            <a:extLst>
+              <a:ext uri="{FF2B5EF4-FFF2-40B4-BE49-F238E27FC236}">
+                <a16:creationId xmlns:a16="http://schemas.microsoft.com/office/drawing/2014/main" id="{F4DA9386-9753-4615-947D-499EB6DF8A45}"/>
+              </a:ext>
+            </a:extLst>
+          </p:cNvPr>
+          <p:cNvPicPr>
+            <a:picLocks noChangeAspect="1"/>
+          </p:cNvPicPr>
+          <p:nvPr/>
+        </p:nvPicPr>
+        <p:blipFill>
+          <a:blip r:embed="rId4"/>
+          <a:stretch>
+            <a:fillRect/>
+          </a:stretch>
+        </p:blipFill>
+        <p:spPr>
+          <a:xfrm>
+            <a:off x="8880278" y="4075331"/>
+            <a:ext cx="2985670" cy="2533532"/>
+          </a:xfrm>
+          <a:prstGeom prst="rect">
+            <a:avLst/>
+          </a:prstGeom>
+        </p:spPr>
+      </p:pic>
+    </p:spTree>
+    <p:extLst>
+      <p:ext uri="{BB962C8B-B14F-4D97-AF65-F5344CB8AC3E}">
+        <p14:creationId xmlns:p14="http://schemas.microsoft.com/office/powerpoint/2010/main" val="3812505541"/>
+      </p:ext>
+    </p:extLst>
+  </p:cSld>
+  <p:clrMapOvr>
+    <a:masterClrMapping/>
+  </p:clrMapOvr>
+</p:sld>
+</file>
+
+<file path=ppt/slides/slide21.xml><?xml version="1.0" encoding="utf-8"?>
+<p:sld xmlns:a="http://schemas.openxmlformats.org/drawingml/2006/main" xmlns:r="http://schemas.openxmlformats.org/officeDocument/2006/relationships" xmlns:p="http://schemas.openxmlformats.org/presentationml/2006/main">
+  <p:cSld>
+    <p:spTree>
+      <p:nvGrpSpPr>
+        <p:cNvPr id="1" name=""/>
+        <p:cNvGrpSpPr/>
+        <p:nvPr/>
+      </p:nvGrpSpPr>
+      <p:grpSpPr>
+        <a:xfrm>
+          <a:off x="0" y="0"/>
+          <a:ext cx="0" cy="0"/>
+          <a:chOff x="0" y="0"/>
+          <a:chExt cx="0" cy="0"/>
+        </a:xfrm>
+      </p:grpSpPr>
+      <p:sp>
+        <p:nvSpPr>
+          <p:cNvPr id="3" name="Marcador de contenido 2">
+            <a:extLst>
+              <a:ext uri="{FF2B5EF4-FFF2-40B4-BE49-F238E27FC236}">
+                <a16:creationId xmlns:a16="http://schemas.microsoft.com/office/drawing/2014/main" id="{E11B28E7-9221-4BDD-B011-750FE5D32EEB}"/>
+              </a:ext>
+            </a:extLst>
+          </p:cNvPr>
+          <p:cNvSpPr>
+            <a:spLocks noGrp="1"/>
+          </p:cNvSpPr>
+          <p:nvPr>
+            <p:ph idx="1"/>
+          </p:nvPr>
+        </p:nvSpPr>
+        <p:spPr>
+          <a:xfrm>
+            <a:off x="838200" y="386499"/>
+            <a:ext cx="9521858" cy="5872767"/>
+          </a:xfrm>
+        </p:spPr>
+        <p:txBody>
+          <a:bodyPr/>
+          <a:lstStyle/>
+          <a:p>
+            <a:pPr algn="just"/>
+            <a:r>
+              <a:rPr lang="es-MX" dirty="0"/>
+              <a:t>Para las relaciones @OneToMany es recomendable no usar relaciones UNIDIRECCIONALES de lo contraria Hibernate puede crearnos tablas inesperadas. La mejor manera de mapear una relaciones @OneToMany es confiar en el @ManyToOne del otro lado para propagar todos los cambios de estado de </a:t>
+            </a:r>
+            <a:r>
+              <a:rPr lang="es-MX"/>
+              <a:t>la entidad. </a:t>
+            </a:r>
+            <a:endParaRPr lang="es-MX" dirty="0"/>
+          </a:p>
+        </p:txBody>
+      </p:sp>
+    </p:spTree>
+    <p:extLst>
+      <p:ext uri="{BB962C8B-B14F-4D97-AF65-F5344CB8AC3E}">
+        <p14:creationId xmlns:p14="http://schemas.microsoft.com/office/powerpoint/2010/main" val="1183640816"/>
+      </p:ext>
+    </p:extLst>
+  </p:cSld>
+  <p:clrMapOvr>
+    <a:masterClrMapping/>
+  </p:clrMapOvr>
+</p:sld>
+</file>
+
+<file path=ppt/slides/slide22.xml><?xml version="1.0" encoding="utf-8"?>
+<p:sld xmlns:a="http://schemas.openxmlformats.org/drawingml/2006/main" xmlns:r="http://schemas.openxmlformats.org/officeDocument/2006/relationships" xmlns:p="http://schemas.openxmlformats.org/presentationml/2006/main">
+  <p:cSld>
+    <p:spTree>
+      <p:nvGrpSpPr>
+        <p:cNvPr id="1" name=""/>
+        <p:cNvGrpSpPr/>
+        <p:nvPr/>
+      </p:nvGrpSpPr>
+      <p:grpSpPr>
+        <a:xfrm>
+          <a:off x="0" y="0"/>
+          <a:ext cx="0" cy="0"/>
+          <a:chOff x="0" y="0"/>
+          <a:chExt cx="0" cy="0"/>
+        </a:xfrm>
+      </p:grpSpPr>
+      <p:sp>
+        <p:nvSpPr>
+          <p:cNvPr id="6" name="CuadroTexto 5">
+            <a:extLst>
+              <a:ext uri="{FF2B5EF4-FFF2-40B4-BE49-F238E27FC236}">
+                <a16:creationId xmlns:a16="http://schemas.microsoft.com/office/drawing/2014/main" id="{76F83CBB-D7D5-4CA3-8861-AE511D36CF2E}"/>
+              </a:ext>
+            </a:extLst>
+          </p:cNvPr>
+          <p:cNvSpPr txBox="1"/>
+          <p:nvPr/>
+        </p:nvSpPr>
+        <p:spPr>
+          <a:xfrm>
+            <a:off x="1017309" y="338590"/>
+            <a:ext cx="3432142" cy="369332"/>
+          </a:xfrm>
+          <a:prstGeom prst="rect">
+            <a:avLst/>
+          </a:prstGeom>
+          <a:noFill/>
+        </p:spPr>
+        <p:txBody>
+          <a:bodyPr wrap="square" rtlCol="0">
+            <a:spAutoFit/>
+          </a:bodyPr>
+          <a:lstStyle/>
+          <a:p>
+            <a:pPr marL="285750" indent="-285750">
+              <a:buFont typeface="Arial" panose="020B0604020202020204" pitchFamily="34" charset="0"/>
+              <a:buChar char="•"/>
+            </a:pPr>
+            <a:r>
+              <a:rPr lang="es-MX" b="1" dirty="0"/>
+              <a:t>Relación @OneToMany</a:t>
+            </a:r>
+          </a:p>
+        </p:txBody>
+      </p:sp>
+      <p:sp>
+        <p:nvSpPr>
+          <p:cNvPr id="7" name="CuadroTexto 6">
+            <a:extLst>
+              <a:ext uri="{FF2B5EF4-FFF2-40B4-BE49-F238E27FC236}">
+                <a16:creationId xmlns:a16="http://schemas.microsoft.com/office/drawing/2014/main" id="{D9F2DE16-0BD0-4B68-A8C0-7251E9D8E638}"/>
+              </a:ext>
+            </a:extLst>
+          </p:cNvPr>
+          <p:cNvSpPr txBox="1"/>
+          <p:nvPr/>
+        </p:nvSpPr>
+        <p:spPr>
+          <a:xfrm>
+            <a:off x="6228001" y="338590"/>
+            <a:ext cx="3432142" cy="369332"/>
+          </a:xfrm>
+          <a:prstGeom prst="rect">
+            <a:avLst/>
+          </a:prstGeom>
+          <a:noFill/>
+        </p:spPr>
+        <p:txBody>
+          <a:bodyPr wrap="square" rtlCol="0">
+            <a:spAutoFit/>
+          </a:bodyPr>
+          <a:lstStyle/>
+          <a:p>
+            <a:pPr marL="285750" indent="-285750">
+              <a:buFont typeface="Arial" panose="020B0604020202020204" pitchFamily="34" charset="0"/>
+              <a:buChar char="•"/>
+            </a:pPr>
+            <a:r>
+              <a:rPr lang="es-MX" b="1" dirty="0"/>
+              <a:t>Código</a:t>
+            </a:r>
+          </a:p>
+        </p:txBody>
+      </p:sp>
+      <p:pic>
+        <p:nvPicPr>
+          <p:cNvPr id="2050" name="Picture 2" descr="Relación entre entidades de tipo Uno a Muchos @OneToMany">
+            <a:extLst>
+              <a:ext uri="{FF2B5EF4-FFF2-40B4-BE49-F238E27FC236}">
+                <a16:creationId xmlns:a16="http://schemas.microsoft.com/office/drawing/2014/main" id="{1D4BFB81-B545-41AF-80C8-5065D14251D1}"/>
+              </a:ext>
+            </a:extLst>
+          </p:cNvPr>
+          <p:cNvPicPr>
+            <a:picLocks noChangeAspect="1" noChangeArrowheads="1"/>
+          </p:cNvPicPr>
+          <p:nvPr/>
+        </p:nvPicPr>
+        <p:blipFill>
+          <a:blip r:embed="rId2">
+            <a:extLst>
+              <a:ext uri="{28A0092B-C50C-407E-A947-70E740481C1C}">
+                <a14:useLocalDpi xmlns:a14="http://schemas.microsoft.com/office/drawing/2010/main" val="0"/>
+              </a:ext>
+            </a:extLst>
+          </a:blip>
+          <a:srcRect/>
+          <a:stretch>
+            <a:fillRect/>
+          </a:stretch>
+        </p:blipFill>
+        <p:spPr bwMode="auto">
+          <a:xfrm>
+            <a:off x="414778" y="1028210"/>
+            <a:ext cx="4244718" cy="1724417"/>
+          </a:xfrm>
+          <a:prstGeom prst="rect">
+            <a:avLst/>
+          </a:prstGeom>
+          <a:noFill/>
+          <a:extLst>
+            <a:ext uri="{909E8E84-426E-40DD-AFC4-6F175D3DCCD1}">
+              <a14:hiddenFill xmlns:a14="http://schemas.microsoft.com/office/drawing/2010/main">
+                <a:solidFill>
+                  <a:srgbClr val="FFFFFF"/>
+                </a:solidFill>
+              </a14:hiddenFill>
+            </a:ext>
+          </a:extLst>
+        </p:spPr>
+      </p:pic>
+    </p:spTree>
+    <p:extLst>
+      <p:ext uri="{BB962C8B-B14F-4D97-AF65-F5344CB8AC3E}">
+        <p14:creationId xmlns:p14="http://schemas.microsoft.com/office/powerpoint/2010/main" val="57244475"/>
       </p:ext>
     </p:extLst>
   </p:cSld>

--- a/JPA.pptx
+++ b/JPA.pptx
@@ -16,18 +16,20 @@
     <p:sldId id="264" r:id="rId10"/>
     <p:sldId id="265" r:id="rId11"/>
     <p:sldId id="268" r:id="rId12"/>
-    <p:sldId id="271" r:id="rId13"/>
-    <p:sldId id="272" r:id="rId14"/>
-    <p:sldId id="273" r:id="rId15"/>
-    <p:sldId id="274" r:id="rId16"/>
-    <p:sldId id="275" r:id="rId17"/>
-    <p:sldId id="276" r:id="rId18"/>
-    <p:sldId id="278" r:id="rId19"/>
-    <p:sldId id="280" r:id="rId20"/>
-    <p:sldId id="281" r:id="rId21"/>
-    <p:sldId id="282" r:id="rId22"/>
-    <p:sldId id="279" r:id="rId23"/>
-    <p:sldId id="277" r:id="rId24"/>
+    <p:sldId id="284" r:id="rId13"/>
+    <p:sldId id="285" r:id="rId14"/>
+    <p:sldId id="271" r:id="rId15"/>
+    <p:sldId id="272" r:id="rId16"/>
+    <p:sldId id="273" r:id="rId17"/>
+    <p:sldId id="274" r:id="rId18"/>
+    <p:sldId id="275" r:id="rId19"/>
+    <p:sldId id="276" r:id="rId20"/>
+    <p:sldId id="278" r:id="rId21"/>
+    <p:sldId id="280" r:id="rId22"/>
+    <p:sldId id="281" r:id="rId23"/>
+    <p:sldId id="282" r:id="rId24"/>
+    <p:sldId id="279" r:id="rId25"/>
+    <p:sldId id="277" r:id="rId26"/>
   </p:sldIdLst>
   <p:sldSz cx="12192000" cy="6858000"/>
   <p:notesSz cx="6858000" cy="9144000"/>
@@ -286,7 +288,7 @@
           <a:p>
             <a:fld id="{45ECC915-3964-4B0E-B95E-56CE683397A3}" type="datetimeFigureOut">
               <a:rPr lang="es-MX" smtClean="0"/>
-              <a:t>25/05/2022</a:t>
+              <a:t>29/05/2022</a:t>
             </a:fld>
             <a:endParaRPr lang="es-MX"/>
           </a:p>
@@ -492,7 +494,7 @@
           <a:p>
             <a:fld id="{45ECC915-3964-4B0E-B95E-56CE683397A3}" type="datetimeFigureOut">
               <a:rPr lang="es-MX" smtClean="0"/>
-              <a:t>25/05/2022</a:t>
+              <a:t>29/05/2022</a:t>
             </a:fld>
             <a:endParaRPr lang="es-MX"/>
           </a:p>
@@ -703,7 +705,7 @@
           <a:p>
             <a:fld id="{45ECC915-3964-4B0E-B95E-56CE683397A3}" type="datetimeFigureOut">
               <a:rPr lang="es-MX" smtClean="0"/>
-              <a:t>25/05/2022</a:t>
+              <a:t>29/05/2022</a:t>
             </a:fld>
             <a:endParaRPr lang="es-MX"/>
           </a:p>
@@ -940,7 +942,7 @@
           <a:p>
             <a:fld id="{45ECC915-3964-4B0E-B95E-56CE683397A3}" type="datetimeFigureOut">
               <a:rPr lang="es-MX" smtClean="0"/>
-              <a:t>25/05/2022</a:t>
+              <a:t>29/05/2022</a:t>
             </a:fld>
             <a:endParaRPr lang="es-MX"/>
           </a:p>
@@ -1218,7 +1220,7 @@
           <a:p>
             <a:fld id="{45ECC915-3964-4B0E-B95E-56CE683397A3}" type="datetimeFigureOut">
               <a:rPr lang="es-MX" smtClean="0"/>
-              <a:t>25/05/2022</a:t>
+              <a:t>29/05/2022</a:t>
             </a:fld>
             <a:endParaRPr lang="es-MX"/>
           </a:p>
@@ -1491,7 +1493,7 @@
           <a:p>
             <a:fld id="{45ECC915-3964-4B0E-B95E-56CE683397A3}" type="datetimeFigureOut">
               <a:rPr lang="es-MX" smtClean="0"/>
-              <a:t>25/05/2022</a:t>
+              <a:t>29/05/2022</a:t>
             </a:fld>
             <a:endParaRPr lang="es-MX"/>
           </a:p>
@@ -1915,7 +1917,7 @@
           <a:p>
             <a:fld id="{45ECC915-3964-4B0E-B95E-56CE683397A3}" type="datetimeFigureOut">
               <a:rPr lang="es-MX" smtClean="0"/>
-              <a:t>25/05/2022</a:t>
+              <a:t>29/05/2022</a:t>
             </a:fld>
             <a:endParaRPr lang="es-MX"/>
           </a:p>
@@ -2056,7 +2058,7 @@
           <a:p>
             <a:fld id="{45ECC915-3964-4B0E-B95E-56CE683397A3}" type="datetimeFigureOut">
               <a:rPr lang="es-MX" smtClean="0"/>
-              <a:t>25/05/2022</a:t>
+              <a:t>29/05/2022</a:t>
             </a:fld>
             <a:endParaRPr lang="es-MX"/>
           </a:p>
@@ -2169,7 +2171,7 @@
           <a:p>
             <a:fld id="{45ECC915-3964-4B0E-B95E-56CE683397A3}" type="datetimeFigureOut">
               <a:rPr lang="es-MX" smtClean="0"/>
-              <a:t>25/05/2022</a:t>
+              <a:t>29/05/2022</a:t>
             </a:fld>
             <a:endParaRPr lang="es-MX"/>
           </a:p>
@@ -2486,7 +2488,7 @@
           <a:p>
             <a:fld id="{45ECC915-3964-4B0E-B95E-56CE683397A3}" type="datetimeFigureOut">
               <a:rPr lang="es-MX" smtClean="0"/>
-              <a:t>25/05/2022</a:t>
+              <a:t>29/05/2022</a:t>
             </a:fld>
             <a:endParaRPr lang="es-MX"/>
           </a:p>
@@ -2783,7 +2785,7 @@
           <a:p>
             <a:fld id="{45ECC915-3964-4B0E-B95E-56CE683397A3}" type="datetimeFigureOut">
               <a:rPr lang="es-MX" smtClean="0"/>
-              <a:t>25/05/2022</a:t>
+              <a:t>29/05/2022</a:t>
             </a:fld>
             <a:endParaRPr lang="es-MX"/>
           </a:p>
@@ -3062,7 +3064,7 @@
           <a:p>
             <a:fld id="{45ECC915-3964-4B0E-B95E-56CE683397A3}" type="datetimeFigureOut">
               <a:rPr lang="es-MX" smtClean="0"/>
-              <a:t>25/05/2022</a:t>
+              <a:t>29/05/2022</a:t>
             </a:fld>
             <a:endParaRPr lang="es-MX"/>
           </a:p>
@@ -4855,6 +4857,569 @@
           <p:cNvPr id="2" name="Título 1">
             <a:extLst>
               <a:ext uri="{FF2B5EF4-FFF2-40B4-BE49-F238E27FC236}">
+                <a16:creationId xmlns:a16="http://schemas.microsoft.com/office/drawing/2014/main" id="{8A9393D0-650E-4906-87B0-0F8913C0224C}"/>
+              </a:ext>
+            </a:extLst>
+          </p:cNvPr>
+          <p:cNvSpPr>
+            <a:spLocks noGrp="1"/>
+          </p:cNvSpPr>
+          <p:nvPr>
+            <p:ph type="title"/>
+          </p:nvPr>
+        </p:nvSpPr>
+        <p:spPr/>
+        <p:txBody>
+          <a:bodyPr/>
+          <a:lstStyle/>
+          <a:p>
+            <a:r>
+              <a:rPr lang="es-MX" b="1" dirty="0"/>
+              <a:t>Transacciones</a:t>
+            </a:r>
+          </a:p>
+        </p:txBody>
+      </p:sp>
+      <p:sp>
+        <p:nvSpPr>
+          <p:cNvPr id="3" name="Marcador de contenido 2">
+            <a:extLst>
+              <a:ext uri="{FF2B5EF4-FFF2-40B4-BE49-F238E27FC236}">
+                <a16:creationId xmlns:a16="http://schemas.microsoft.com/office/drawing/2014/main" id="{043FD786-D18E-4DD5-BBFF-86287D477FCF}"/>
+              </a:ext>
+            </a:extLst>
+          </p:cNvPr>
+          <p:cNvSpPr>
+            <a:spLocks noGrp="1"/>
+          </p:cNvSpPr>
+          <p:nvPr>
+            <p:ph idx="1"/>
+          </p:nvPr>
+        </p:nvSpPr>
+        <p:spPr>
+          <a:xfrm>
+            <a:off x="838200" y="1295570"/>
+            <a:ext cx="10515600" cy="2043552"/>
+          </a:xfrm>
+        </p:spPr>
+        <p:txBody>
+          <a:bodyPr/>
+          <a:lstStyle/>
+          <a:p>
+            <a:r>
+              <a:rPr lang="es-MX" dirty="0"/>
+              <a:t>Una transacción hace referencia a una </a:t>
+            </a:r>
+            <a:r>
+              <a:rPr lang="es-MX" b="1" dirty="0"/>
+              <a:t>operación que se realiza a la base de datos </a:t>
+            </a:r>
+            <a:r>
+              <a:rPr lang="es-MX" dirty="0"/>
+              <a:t>y que </a:t>
+            </a:r>
+            <a:r>
+              <a:rPr lang="es-MX" b="1" dirty="0"/>
+              <a:t>cumple con las propiedades ACID</a:t>
+            </a:r>
+            <a:r>
+              <a:rPr lang="es-MX" dirty="0"/>
+              <a:t>.</a:t>
+            </a:r>
+          </a:p>
+          <a:p>
+            <a:endParaRPr lang="es-MX" dirty="0"/>
+          </a:p>
+          <a:p>
+            <a:r>
+              <a:rPr lang="es-MX" b="1" dirty="0" err="1"/>
+              <a:t>Atomic</a:t>
+            </a:r>
+            <a:r>
+              <a:rPr lang="es-MX" b="1" dirty="0"/>
+              <a:t>: </a:t>
+            </a:r>
+            <a:r>
+              <a:rPr lang="es-MX" dirty="0"/>
+              <a:t>Una transacción es atómica cuando es indivisible, esto quiere decir que se realiza de forma completa o no se realiza ninguna de sus partes. Donde cualquier fallo hará que la transacción se revierta y no se aplique ninguna modificación o alta en la base de datos. </a:t>
+            </a:r>
+            <a:endParaRPr lang="es-MX" b="1" dirty="0"/>
+          </a:p>
+        </p:txBody>
+      </p:sp>
+      <p:grpSp>
+        <p:nvGrpSpPr>
+          <p:cNvPr id="11" name="Grupo 10">
+            <a:extLst>
+              <a:ext uri="{FF2B5EF4-FFF2-40B4-BE49-F238E27FC236}">
+                <a16:creationId xmlns:a16="http://schemas.microsoft.com/office/drawing/2014/main" id="{8BBC493C-C064-4104-91FD-B8ACDB843AAC}"/>
+              </a:ext>
+            </a:extLst>
+          </p:cNvPr>
+          <p:cNvGrpSpPr/>
+          <p:nvPr/>
+        </p:nvGrpSpPr>
+        <p:grpSpPr>
+          <a:xfrm>
+            <a:off x="2980440" y="3777418"/>
+            <a:ext cx="6231119" cy="1946636"/>
+            <a:chOff x="1715677" y="3281705"/>
+            <a:chExt cx="6231119" cy="1946636"/>
+          </a:xfrm>
+        </p:grpSpPr>
+        <p:sp>
+          <p:nvSpPr>
+            <p:cNvPr id="4" name="Rectángulo: esquinas redondeadas 3">
+              <a:extLst>
+                <a:ext uri="{FF2B5EF4-FFF2-40B4-BE49-F238E27FC236}">
+                  <a16:creationId xmlns:a16="http://schemas.microsoft.com/office/drawing/2014/main" id="{7F7B8DF2-BDC0-4CBC-B15D-36323302A7E2}"/>
+                </a:ext>
+              </a:extLst>
+            </p:cNvPr>
+            <p:cNvSpPr/>
+            <p:nvPr/>
+          </p:nvSpPr>
+          <p:spPr>
+            <a:xfrm>
+              <a:off x="2036188" y="3429000"/>
+              <a:ext cx="1527144" cy="735290"/>
+            </a:xfrm>
+            <a:prstGeom prst="roundRect">
+              <a:avLst/>
+            </a:prstGeom>
+            <a:solidFill>
+              <a:srgbClr val="84CFE1"/>
+            </a:solidFill>
+            <a:ln>
+              <a:solidFill>
+                <a:schemeClr val="tx1"/>
+              </a:solidFill>
+            </a:ln>
+          </p:spPr>
+          <p:style>
+            <a:lnRef idx="2">
+              <a:schemeClr val="accent1">
+                <a:shade val="50000"/>
+              </a:schemeClr>
+            </a:lnRef>
+            <a:fillRef idx="1">
+              <a:schemeClr val="accent1"/>
+            </a:fillRef>
+            <a:effectRef idx="0">
+              <a:schemeClr val="accent1"/>
+            </a:effectRef>
+            <a:fontRef idx="minor">
+              <a:schemeClr val="lt1"/>
+            </a:fontRef>
+          </p:style>
+          <p:txBody>
+            <a:bodyPr rtlCol="0" anchor="ctr"/>
+            <a:lstStyle/>
+            <a:p>
+              <a:pPr algn="ctr"/>
+              <a:r>
+                <a:rPr lang="es-MX" dirty="0" err="1">
+                  <a:solidFill>
+                    <a:schemeClr val="tx1"/>
+                  </a:solidFill>
+                </a:rPr>
+                <a:t>Insert</a:t>
+              </a:r>
+              <a:endParaRPr lang="es-MX" dirty="0">
+                <a:solidFill>
+                  <a:schemeClr val="tx1"/>
+                </a:solidFill>
+              </a:endParaRPr>
+            </a:p>
+          </p:txBody>
+        </p:sp>
+        <p:sp>
+          <p:nvSpPr>
+            <p:cNvPr id="5" name="Rectángulo: esquinas redondeadas 4">
+              <a:extLst>
+                <a:ext uri="{FF2B5EF4-FFF2-40B4-BE49-F238E27FC236}">
+                  <a16:creationId xmlns:a16="http://schemas.microsoft.com/office/drawing/2014/main" id="{B9FE04EE-A954-487D-AC42-8691A18CD388}"/>
+                </a:ext>
+              </a:extLst>
+            </p:cNvPr>
+            <p:cNvSpPr/>
+            <p:nvPr/>
+          </p:nvSpPr>
+          <p:spPr>
+            <a:xfrm>
+              <a:off x="2036188" y="4283304"/>
+              <a:ext cx="1527144" cy="735290"/>
+            </a:xfrm>
+            <a:prstGeom prst="roundRect">
+              <a:avLst/>
+            </a:prstGeom>
+            <a:solidFill>
+              <a:srgbClr val="84CFE1"/>
+            </a:solidFill>
+            <a:ln>
+              <a:solidFill>
+                <a:schemeClr val="tx1"/>
+              </a:solidFill>
+            </a:ln>
+          </p:spPr>
+          <p:style>
+            <a:lnRef idx="2">
+              <a:schemeClr val="accent1">
+                <a:shade val="50000"/>
+              </a:schemeClr>
+            </a:lnRef>
+            <a:fillRef idx="1">
+              <a:schemeClr val="accent1"/>
+            </a:fillRef>
+            <a:effectRef idx="0">
+              <a:schemeClr val="accent1"/>
+            </a:effectRef>
+            <a:fontRef idx="minor">
+              <a:schemeClr val="lt1"/>
+            </a:fontRef>
+          </p:style>
+          <p:txBody>
+            <a:bodyPr rtlCol="0" anchor="ctr"/>
+            <a:lstStyle/>
+            <a:p>
+              <a:pPr algn="ctr"/>
+              <a:r>
+                <a:rPr lang="es-MX" dirty="0" err="1">
+                  <a:solidFill>
+                    <a:schemeClr val="tx1"/>
+                  </a:solidFill>
+                </a:rPr>
+                <a:t>Insert</a:t>
+              </a:r>
+              <a:endParaRPr lang="es-MX" dirty="0">
+                <a:solidFill>
+                  <a:schemeClr val="tx1"/>
+                </a:solidFill>
+              </a:endParaRPr>
+            </a:p>
+          </p:txBody>
+        </p:sp>
+        <p:sp>
+          <p:nvSpPr>
+            <p:cNvPr id="6" name="Rectángulo: esquinas redondeadas 5">
+              <a:extLst>
+                <a:ext uri="{FF2B5EF4-FFF2-40B4-BE49-F238E27FC236}">
+                  <a16:creationId xmlns:a16="http://schemas.microsoft.com/office/drawing/2014/main" id="{9424C73F-E867-4472-B7A8-D97D36C29C01}"/>
+                </a:ext>
+              </a:extLst>
+            </p:cNvPr>
+            <p:cNvSpPr/>
+            <p:nvPr/>
+          </p:nvSpPr>
+          <p:spPr>
+            <a:xfrm>
+              <a:off x="1715677" y="3281705"/>
+              <a:ext cx="2168166" cy="1946636"/>
+            </a:xfrm>
+            <a:prstGeom prst="roundRect">
+              <a:avLst/>
+            </a:prstGeom>
+            <a:noFill/>
+          </p:spPr>
+          <p:style>
+            <a:lnRef idx="2">
+              <a:schemeClr val="accent1">
+                <a:shade val="50000"/>
+              </a:schemeClr>
+            </a:lnRef>
+            <a:fillRef idx="1">
+              <a:schemeClr val="accent1"/>
+            </a:fillRef>
+            <a:effectRef idx="0">
+              <a:schemeClr val="accent1"/>
+            </a:effectRef>
+            <a:fontRef idx="minor">
+              <a:schemeClr val="lt1"/>
+            </a:fontRef>
+          </p:style>
+          <p:txBody>
+            <a:bodyPr rtlCol="0" anchor="ctr"/>
+            <a:lstStyle/>
+            <a:p>
+              <a:pPr algn="ctr"/>
+              <a:endParaRPr lang="es-MX"/>
+            </a:p>
+          </p:txBody>
+        </p:sp>
+        <p:cxnSp>
+          <p:nvCxnSpPr>
+            <p:cNvPr id="8" name="Conector recto de flecha 7">
+              <a:extLst>
+                <a:ext uri="{FF2B5EF4-FFF2-40B4-BE49-F238E27FC236}">
+                  <a16:creationId xmlns:a16="http://schemas.microsoft.com/office/drawing/2014/main" id="{D1CF9A43-E650-4954-BEDE-E4491BBAE01E}"/>
+                </a:ext>
+              </a:extLst>
+            </p:cNvPr>
+            <p:cNvCxnSpPr>
+              <a:stCxn id="6" idx="3"/>
+            </p:cNvCxnSpPr>
+            <p:nvPr/>
+          </p:nvCxnSpPr>
+          <p:spPr>
+            <a:xfrm>
+              <a:off x="3883843" y="4255023"/>
+              <a:ext cx="2573518" cy="0"/>
+            </a:xfrm>
+            <a:prstGeom prst="straightConnector1">
+              <a:avLst/>
+            </a:prstGeom>
+            <a:ln>
+              <a:tailEnd type="triangle"/>
+            </a:ln>
+          </p:spPr>
+          <p:style>
+            <a:lnRef idx="1">
+              <a:schemeClr val="accent1"/>
+            </a:lnRef>
+            <a:fillRef idx="0">
+              <a:schemeClr val="accent1"/>
+            </a:fillRef>
+            <a:effectRef idx="0">
+              <a:schemeClr val="accent1"/>
+            </a:effectRef>
+            <a:fontRef idx="minor">
+              <a:schemeClr val="tx1"/>
+            </a:fontRef>
+          </p:style>
+        </p:cxnSp>
+        <p:sp>
+          <p:nvSpPr>
+            <p:cNvPr id="10" name="Diagrama de flujo: disco magnético 9">
+              <a:extLst>
+                <a:ext uri="{FF2B5EF4-FFF2-40B4-BE49-F238E27FC236}">
+                  <a16:creationId xmlns:a16="http://schemas.microsoft.com/office/drawing/2014/main" id="{442BA377-F8C8-46D4-AC7E-041F58925A09}"/>
+                </a:ext>
+              </a:extLst>
+            </p:cNvPr>
+            <p:cNvSpPr/>
+            <p:nvPr/>
+          </p:nvSpPr>
+          <p:spPr>
+            <a:xfrm>
+              <a:off x="6740166" y="3595158"/>
+              <a:ext cx="1206630" cy="1376292"/>
+            </a:xfrm>
+            <a:prstGeom prst="flowChartMagneticDisk">
+              <a:avLst/>
+            </a:prstGeom>
+            <a:solidFill>
+              <a:srgbClr val="005E8C"/>
+            </a:solidFill>
+            <a:ln>
+              <a:solidFill>
+                <a:schemeClr val="bg1"/>
+              </a:solidFill>
+            </a:ln>
+          </p:spPr>
+          <p:style>
+            <a:lnRef idx="2">
+              <a:schemeClr val="accent1">
+                <a:shade val="50000"/>
+              </a:schemeClr>
+            </a:lnRef>
+            <a:fillRef idx="1">
+              <a:schemeClr val="accent1"/>
+            </a:fillRef>
+            <a:effectRef idx="0">
+              <a:schemeClr val="accent1"/>
+            </a:effectRef>
+            <a:fontRef idx="minor">
+              <a:schemeClr val="lt1"/>
+            </a:fontRef>
+          </p:style>
+          <p:txBody>
+            <a:bodyPr rtlCol="0" anchor="ctr"/>
+            <a:lstStyle/>
+            <a:p>
+              <a:pPr algn="ctr"/>
+              <a:r>
+                <a:rPr lang="es-MX" dirty="0"/>
+                <a:t>Base de datos</a:t>
+              </a:r>
+            </a:p>
+          </p:txBody>
+        </p:sp>
+      </p:grpSp>
+      <p:sp>
+        <p:nvSpPr>
+          <p:cNvPr id="12" name="CuadroTexto 11">
+            <a:extLst>
+              <a:ext uri="{FF2B5EF4-FFF2-40B4-BE49-F238E27FC236}">
+                <a16:creationId xmlns:a16="http://schemas.microsoft.com/office/drawing/2014/main" id="{BFB37372-A293-47CD-B907-6BA4147E6E92}"/>
+              </a:ext>
+            </a:extLst>
+          </p:cNvPr>
+          <p:cNvSpPr txBox="1"/>
+          <p:nvPr/>
+        </p:nvSpPr>
+        <p:spPr>
+          <a:xfrm>
+            <a:off x="3107702" y="3383005"/>
+            <a:ext cx="1913642" cy="369332"/>
+          </a:xfrm>
+          <a:prstGeom prst="rect">
+            <a:avLst/>
+          </a:prstGeom>
+          <a:noFill/>
+        </p:spPr>
+        <p:txBody>
+          <a:bodyPr wrap="square" rtlCol="0">
+            <a:spAutoFit/>
+          </a:bodyPr>
+          <a:lstStyle/>
+          <a:p>
+            <a:pPr algn="ctr"/>
+            <a:r>
+              <a:rPr lang="es-MX" dirty="0"/>
+              <a:t>Transacción</a:t>
+            </a:r>
+          </a:p>
+        </p:txBody>
+      </p:sp>
+      <p:sp>
+        <p:nvSpPr>
+          <p:cNvPr id="13" name="CuadroTexto 12">
+            <a:extLst>
+              <a:ext uri="{FF2B5EF4-FFF2-40B4-BE49-F238E27FC236}">
+                <a16:creationId xmlns:a16="http://schemas.microsoft.com/office/drawing/2014/main" id="{3A797DEA-071E-42AC-84B7-82496A030194}"/>
+              </a:ext>
+            </a:extLst>
+          </p:cNvPr>
+          <p:cNvSpPr txBox="1"/>
+          <p:nvPr/>
+        </p:nvSpPr>
+        <p:spPr>
+          <a:xfrm>
+            <a:off x="3107702" y="5767937"/>
+            <a:ext cx="1913642" cy="646331"/>
+          </a:xfrm>
+          <a:prstGeom prst="rect">
+            <a:avLst/>
+          </a:prstGeom>
+          <a:noFill/>
+        </p:spPr>
+        <p:txBody>
+          <a:bodyPr wrap="square" rtlCol="0">
+            <a:spAutoFit/>
+          </a:bodyPr>
+          <a:lstStyle/>
+          <a:p>
+            <a:pPr algn="ctr"/>
+            <a:r>
+              <a:rPr lang="es-MX" dirty="0"/>
+              <a:t>Se ejecutan ambas o ninguna</a:t>
+            </a:r>
+          </a:p>
+        </p:txBody>
+      </p:sp>
+    </p:spTree>
+    <p:extLst>
+      <p:ext uri="{BB962C8B-B14F-4D97-AF65-F5344CB8AC3E}">
+        <p14:creationId xmlns:p14="http://schemas.microsoft.com/office/powerpoint/2010/main" val="3472632911"/>
+      </p:ext>
+    </p:extLst>
+  </p:cSld>
+  <p:clrMapOvr>
+    <a:masterClrMapping/>
+  </p:clrMapOvr>
+</p:sld>
+</file>
+
+<file path=ppt/slides/slide13.xml><?xml version="1.0" encoding="utf-8"?>
+<p:sld xmlns:a="http://schemas.openxmlformats.org/drawingml/2006/main" xmlns:r="http://schemas.openxmlformats.org/officeDocument/2006/relationships" xmlns:p="http://schemas.openxmlformats.org/presentationml/2006/main">
+  <p:cSld>
+    <p:spTree>
+      <p:nvGrpSpPr>
+        <p:cNvPr id="1" name=""/>
+        <p:cNvGrpSpPr/>
+        <p:nvPr/>
+      </p:nvGrpSpPr>
+      <p:grpSpPr>
+        <a:xfrm>
+          <a:off x="0" y="0"/>
+          <a:ext cx="0" cy="0"/>
+          <a:chOff x="0" y="0"/>
+          <a:chExt cx="0" cy="0"/>
+        </a:xfrm>
+      </p:grpSpPr>
+      <p:sp>
+        <p:nvSpPr>
+          <p:cNvPr id="3" name="Marcador de contenido 2">
+            <a:extLst>
+              <a:ext uri="{FF2B5EF4-FFF2-40B4-BE49-F238E27FC236}">
+                <a16:creationId xmlns:a16="http://schemas.microsoft.com/office/drawing/2014/main" id="{B462B9EF-6591-4EF6-989A-B967B7ABF039}"/>
+              </a:ext>
+            </a:extLst>
+          </p:cNvPr>
+          <p:cNvSpPr>
+            <a:spLocks noGrp="1"/>
+          </p:cNvSpPr>
+          <p:nvPr>
+            <p:ph idx="1"/>
+          </p:nvPr>
+        </p:nvSpPr>
+        <p:spPr>
+          <a:xfrm>
+            <a:off x="838200" y="480767"/>
+            <a:ext cx="10515600" cy="5778499"/>
+          </a:xfrm>
+        </p:spPr>
+        <p:txBody>
+          <a:bodyPr/>
+          <a:lstStyle/>
+          <a:p>
+            <a:r>
+              <a:rPr lang="es-MX" b="1" dirty="0"/>
+              <a:t>Consistente: </a:t>
+            </a:r>
+            <a:r>
+              <a:rPr lang="es-MX" dirty="0"/>
+              <a:t>Poder realizar N modificaciones en la base de datos, sin perder la consistencia</a:t>
+            </a:r>
+            <a:endParaRPr lang="es-MX" b="1" dirty="0"/>
+          </a:p>
+        </p:txBody>
+      </p:sp>
+    </p:spTree>
+    <p:extLst>
+      <p:ext uri="{BB962C8B-B14F-4D97-AF65-F5344CB8AC3E}">
+        <p14:creationId xmlns:p14="http://schemas.microsoft.com/office/powerpoint/2010/main" val="320549447"/>
+      </p:ext>
+    </p:extLst>
+  </p:cSld>
+  <p:clrMapOvr>
+    <a:masterClrMapping/>
+  </p:clrMapOvr>
+</p:sld>
+</file>
+
+<file path=ppt/slides/slide14.xml><?xml version="1.0" encoding="utf-8"?>
+<p:sld xmlns:a="http://schemas.openxmlformats.org/drawingml/2006/main" xmlns:r="http://schemas.openxmlformats.org/officeDocument/2006/relationships" xmlns:p="http://schemas.openxmlformats.org/presentationml/2006/main">
+  <p:cSld>
+    <p:spTree>
+      <p:nvGrpSpPr>
+        <p:cNvPr id="1" name=""/>
+        <p:cNvGrpSpPr/>
+        <p:nvPr/>
+      </p:nvGrpSpPr>
+      <p:grpSpPr>
+        <a:xfrm>
+          <a:off x="0" y="0"/>
+          <a:ext cx="0" cy="0"/>
+          <a:chOff x="0" y="0"/>
+          <a:chExt cx="0" cy="0"/>
+        </a:xfrm>
+      </p:grpSpPr>
+      <p:sp>
+        <p:nvSpPr>
+          <p:cNvPr id="2" name="Título 1">
+            <a:extLst>
+              <a:ext uri="{FF2B5EF4-FFF2-40B4-BE49-F238E27FC236}">
                 <a16:creationId xmlns:a16="http://schemas.microsoft.com/office/drawing/2014/main" id="{EDAEEE7F-6F9A-4572-8268-F454891B2565}"/>
               </a:ext>
             </a:extLst>
@@ -5162,7 +5727,7 @@
 </p:sld>
 </file>
 
-<file path=ppt/slides/slide13.xml><?xml version="1.0" encoding="utf-8"?>
+<file path=ppt/slides/slide15.xml><?xml version="1.0" encoding="utf-8"?>
 <p:sld xmlns:a="http://schemas.openxmlformats.org/drawingml/2006/main" xmlns:r="http://schemas.openxmlformats.org/officeDocument/2006/relationships" xmlns:p="http://schemas.openxmlformats.org/presentationml/2006/main">
   <p:cSld>
     <p:spTree>
@@ -5403,7 +5968,7 @@
 </p:sld>
 </file>
 
-<file path=ppt/slides/slide14.xml><?xml version="1.0" encoding="utf-8"?>
+<file path=ppt/slides/slide16.xml><?xml version="1.0" encoding="utf-8"?>
 <p:sld xmlns:a="http://schemas.openxmlformats.org/drawingml/2006/main" xmlns:r="http://schemas.openxmlformats.org/officeDocument/2006/relationships" xmlns:p="http://schemas.openxmlformats.org/presentationml/2006/main">
   <p:cSld>
     <p:spTree>
@@ -5544,7 +6109,7 @@
 </p:sld>
 </file>
 
-<file path=ppt/slides/slide15.xml><?xml version="1.0" encoding="utf-8"?>
+<file path=ppt/slides/slide17.xml><?xml version="1.0" encoding="utf-8"?>
 <p:sld xmlns:a="http://schemas.openxmlformats.org/drawingml/2006/main" xmlns:r="http://schemas.openxmlformats.org/officeDocument/2006/relationships" xmlns:p="http://schemas.openxmlformats.org/presentationml/2006/main">
   <p:cSld>
     <p:spTree>
@@ -5654,7 +6219,7 @@
 </p:sld>
 </file>
 
-<file path=ppt/slides/slide16.xml><?xml version="1.0" encoding="utf-8"?>
+<file path=ppt/slides/slide18.xml><?xml version="1.0" encoding="utf-8"?>
 <p:sld xmlns:a="http://schemas.openxmlformats.org/drawingml/2006/main" xmlns:r="http://schemas.openxmlformats.org/officeDocument/2006/relationships" xmlns:p="http://schemas.openxmlformats.org/presentationml/2006/main">
   <p:cSld>
     <p:spTree>
@@ -5774,7 +6339,7 @@
 </p:sld>
 </file>
 
-<file path=ppt/slides/slide17.xml><?xml version="1.0" encoding="utf-8"?>
+<file path=ppt/slides/slide19.xml><?xml version="1.0" encoding="utf-8"?>
 <p:sld xmlns:a="http://schemas.openxmlformats.org/drawingml/2006/main" xmlns:r="http://schemas.openxmlformats.org/officeDocument/2006/relationships" xmlns:p="http://schemas.openxmlformats.org/presentationml/2006/main">
   <p:cSld>
     <p:spTree>
@@ -5929,7 +6494,7 @@
 </p:sld>
 </file>
 
-<file path=ppt/slides/slide18.xml><?xml version="1.0" encoding="utf-8"?>
+<file path=ppt/slides/slide2.xml><?xml version="1.0" encoding="utf-8"?>
 <p:sld xmlns:a="http://schemas.openxmlformats.org/drawingml/2006/main" xmlns:r="http://schemas.openxmlformats.org/officeDocument/2006/relationships" xmlns:p="http://schemas.openxmlformats.org/presentationml/2006/main">
   <p:cSld>
     <p:spTree>
@@ -5948,6 +6513,112 @@
       </p:grpSpPr>
       <p:sp>
         <p:nvSpPr>
+          <p:cNvPr id="2" name="Título 1">
+            <a:extLst>
+              <a:ext uri="{FF2B5EF4-FFF2-40B4-BE49-F238E27FC236}">
+                <a16:creationId xmlns:a16="http://schemas.microsoft.com/office/drawing/2014/main" id="{A26FD1ED-E435-4EBE-B763-574CC4F17F95}"/>
+              </a:ext>
+            </a:extLst>
+          </p:cNvPr>
+          <p:cNvSpPr>
+            <a:spLocks noGrp="1"/>
+          </p:cNvSpPr>
+          <p:nvPr>
+            <p:ph type="title"/>
+          </p:nvPr>
+        </p:nvSpPr>
+        <p:spPr/>
+        <p:txBody>
+          <a:bodyPr/>
+          <a:lstStyle/>
+          <a:p>
+            <a:r>
+              <a:rPr lang="es-MX" b="1" dirty="0"/>
+              <a:t>Introducción</a:t>
+            </a:r>
+          </a:p>
+        </p:txBody>
+      </p:sp>
+      <p:sp>
+        <p:nvSpPr>
+          <p:cNvPr id="3" name="Marcador de contenido 2">
+            <a:extLst>
+              <a:ext uri="{FF2B5EF4-FFF2-40B4-BE49-F238E27FC236}">
+                <a16:creationId xmlns:a16="http://schemas.microsoft.com/office/drawing/2014/main" id="{E74CE334-0B1F-4924-A881-77A2FA08F847}"/>
+              </a:ext>
+            </a:extLst>
+          </p:cNvPr>
+          <p:cNvSpPr>
+            <a:spLocks noGrp="1"/>
+          </p:cNvSpPr>
+          <p:nvPr>
+            <p:ph idx="1"/>
+          </p:nvPr>
+        </p:nvSpPr>
+        <p:spPr>
+          <a:xfrm>
+            <a:off x="838200" y="1536569"/>
+            <a:ext cx="10515600" cy="3704734"/>
+          </a:xfrm>
+        </p:spPr>
+        <p:txBody>
+          <a:bodyPr/>
+          <a:lstStyle/>
+          <a:p>
+            <a:pPr algn="just"/>
+            <a:r>
+              <a:rPr lang="es-MX" dirty="0"/>
+              <a:t>Las aplicaciones empresariales recopilan, procesan, transforman grandes cantidades de información. Las tecnologías disponibles para la gestión de bases de datos siguen dedicándose a tratar el enfoque de transportar y de almacenar datos de manera eficiente. </a:t>
+            </a:r>
+          </a:p>
+          <a:p>
+            <a:pPr algn="just"/>
+            <a:r>
+              <a:rPr lang="es-MX" dirty="0"/>
+              <a:t>Los desarrolladores Java escriben muchas líneas de código para convertir filas y columnas en objetos y esto es algo que todos los lenguajes de programación han sido afectados, al mover datos de un lado a otro entre un sistema de bases de datos y el modelo de objetos. </a:t>
+            </a:r>
+          </a:p>
+          <a:p>
+            <a:pPr algn="just"/>
+            <a:r>
+              <a:rPr lang="es-MX" dirty="0"/>
+              <a:t>La API de persistencia JPA cierra la brecha entre los modelos de dominios orientados a objetos y los sistemas de bases de datos relacionales. </a:t>
+            </a:r>
+          </a:p>
+        </p:txBody>
+      </p:sp>
+    </p:spTree>
+    <p:extLst>
+      <p:ext uri="{BB962C8B-B14F-4D97-AF65-F5344CB8AC3E}">
+        <p14:creationId xmlns:p14="http://schemas.microsoft.com/office/powerpoint/2010/main" val="2589303367"/>
+      </p:ext>
+    </p:extLst>
+  </p:cSld>
+  <p:clrMapOvr>
+    <a:masterClrMapping/>
+  </p:clrMapOvr>
+</p:sld>
+</file>
+
+<file path=ppt/slides/slide20.xml><?xml version="1.0" encoding="utf-8"?>
+<p:sld xmlns:a="http://schemas.openxmlformats.org/drawingml/2006/main" xmlns:r="http://schemas.openxmlformats.org/officeDocument/2006/relationships" xmlns:p="http://schemas.openxmlformats.org/presentationml/2006/main">
+  <p:cSld>
+    <p:spTree>
+      <p:nvGrpSpPr>
+        <p:cNvPr id="1" name=""/>
+        <p:cNvGrpSpPr/>
+        <p:nvPr/>
+      </p:nvGrpSpPr>
+      <p:grpSpPr>
+        <a:xfrm>
+          <a:off x="0" y="0"/>
+          <a:ext cx="0" cy="0"/>
+          <a:chOff x="0" y="0"/>
+          <a:chExt cx="0" cy="0"/>
+        </a:xfrm>
+      </p:grpSpPr>
+      <p:sp>
+        <p:nvSpPr>
           <p:cNvPr id="3" name="Marcador de contenido 2">
             <a:extLst>
               <a:ext uri="{FF2B5EF4-FFF2-40B4-BE49-F238E27FC236}">
@@ -6129,7 +6800,7 @@
 </p:sld>
 </file>
 
-<file path=ppt/slides/slide19.xml><?xml version="1.0" encoding="utf-8"?>
+<file path=ppt/slides/slide21.xml><?xml version="1.0" encoding="utf-8"?>
 <p:sld xmlns:a="http://schemas.openxmlformats.org/drawingml/2006/main" xmlns:r="http://schemas.openxmlformats.org/officeDocument/2006/relationships" xmlns:p="http://schemas.openxmlformats.org/presentationml/2006/main">
   <p:cSld>
     <p:spTree>
@@ -6244,113 +6915,7 @@
 </p:sld>
 </file>
 
-<file path=ppt/slides/slide2.xml><?xml version="1.0" encoding="utf-8"?>
-<p:sld xmlns:a="http://schemas.openxmlformats.org/drawingml/2006/main" xmlns:r="http://schemas.openxmlformats.org/officeDocument/2006/relationships" xmlns:p="http://schemas.openxmlformats.org/presentationml/2006/main">
-  <p:cSld>
-    <p:spTree>
-      <p:nvGrpSpPr>
-        <p:cNvPr id="1" name=""/>
-        <p:cNvGrpSpPr/>
-        <p:nvPr/>
-      </p:nvGrpSpPr>
-      <p:grpSpPr>
-        <a:xfrm>
-          <a:off x="0" y="0"/>
-          <a:ext cx="0" cy="0"/>
-          <a:chOff x="0" y="0"/>
-          <a:chExt cx="0" cy="0"/>
-        </a:xfrm>
-      </p:grpSpPr>
-      <p:sp>
-        <p:nvSpPr>
-          <p:cNvPr id="2" name="Título 1">
-            <a:extLst>
-              <a:ext uri="{FF2B5EF4-FFF2-40B4-BE49-F238E27FC236}">
-                <a16:creationId xmlns:a16="http://schemas.microsoft.com/office/drawing/2014/main" id="{A26FD1ED-E435-4EBE-B763-574CC4F17F95}"/>
-              </a:ext>
-            </a:extLst>
-          </p:cNvPr>
-          <p:cNvSpPr>
-            <a:spLocks noGrp="1"/>
-          </p:cNvSpPr>
-          <p:nvPr>
-            <p:ph type="title"/>
-          </p:nvPr>
-        </p:nvSpPr>
-        <p:spPr/>
-        <p:txBody>
-          <a:bodyPr/>
-          <a:lstStyle/>
-          <a:p>
-            <a:r>
-              <a:rPr lang="es-MX" b="1" dirty="0"/>
-              <a:t>Introducción</a:t>
-            </a:r>
-          </a:p>
-        </p:txBody>
-      </p:sp>
-      <p:sp>
-        <p:nvSpPr>
-          <p:cNvPr id="3" name="Marcador de contenido 2">
-            <a:extLst>
-              <a:ext uri="{FF2B5EF4-FFF2-40B4-BE49-F238E27FC236}">
-                <a16:creationId xmlns:a16="http://schemas.microsoft.com/office/drawing/2014/main" id="{E74CE334-0B1F-4924-A881-77A2FA08F847}"/>
-              </a:ext>
-            </a:extLst>
-          </p:cNvPr>
-          <p:cNvSpPr>
-            <a:spLocks noGrp="1"/>
-          </p:cNvSpPr>
-          <p:nvPr>
-            <p:ph idx="1"/>
-          </p:nvPr>
-        </p:nvSpPr>
-        <p:spPr>
-          <a:xfrm>
-            <a:off x="838200" y="1536569"/>
-            <a:ext cx="10515600" cy="3704734"/>
-          </a:xfrm>
-        </p:spPr>
-        <p:txBody>
-          <a:bodyPr/>
-          <a:lstStyle/>
-          <a:p>
-            <a:pPr algn="just"/>
-            <a:r>
-              <a:rPr lang="es-MX" dirty="0"/>
-              <a:t>Las aplicaciones empresariales recopilan, procesan, transforman grandes cantidades de información. Las tecnologías disponibles para la gestión de bases de datos siguen dedicándose a tratar el enfoque de transportar y de almacenar datos de manera eficiente. </a:t>
-            </a:r>
-          </a:p>
-          <a:p>
-            <a:pPr algn="just"/>
-            <a:r>
-              <a:rPr lang="es-MX" dirty="0"/>
-              <a:t>Los desarrolladores Java escriben muchas líneas de código para convertir filas y columnas en objetos y esto es algo que todos los lenguajes de programación han sido afectados, al mover datos de un lado a otro entre un sistema de bases de datos y el modelo de objetos. </a:t>
-            </a:r>
-          </a:p>
-          <a:p>
-            <a:pPr algn="just"/>
-            <a:r>
-              <a:rPr lang="es-MX" dirty="0"/>
-              <a:t>La API de persistencia JPA cierra la brecha entre los modelos de dominios orientados a objetos y los sistemas de bases de datos relacionales. </a:t>
-            </a:r>
-          </a:p>
-        </p:txBody>
-      </p:sp>
-    </p:spTree>
-    <p:extLst>
-      <p:ext uri="{BB962C8B-B14F-4D97-AF65-F5344CB8AC3E}">
-        <p14:creationId xmlns:p14="http://schemas.microsoft.com/office/powerpoint/2010/main" val="2589303367"/>
-      </p:ext>
-    </p:extLst>
-  </p:cSld>
-  <p:clrMapOvr>
-    <a:masterClrMapping/>
-  </p:clrMapOvr>
-</p:sld>
-</file>
-
-<file path=ppt/slides/slide20.xml><?xml version="1.0" encoding="utf-8"?>
+<file path=ppt/slides/slide22.xml><?xml version="1.0" encoding="utf-8"?>
 <p:sld xmlns:a="http://schemas.openxmlformats.org/drawingml/2006/main" xmlns:r="http://schemas.openxmlformats.org/officeDocument/2006/relationships" xmlns:p="http://schemas.openxmlformats.org/presentationml/2006/main">
   <p:cSld>
     <p:spTree>
@@ -6579,7 +7144,7 @@
 </p:sld>
 </file>
 
-<file path=ppt/slides/slide21.xml><?xml version="1.0" encoding="utf-8"?>
+<file path=ppt/slides/slide23.xml><?xml version="1.0" encoding="utf-8"?>
 <p:sld xmlns:a="http://schemas.openxmlformats.org/drawingml/2006/main" xmlns:r="http://schemas.openxmlformats.org/officeDocument/2006/relationships" xmlns:p="http://schemas.openxmlformats.org/presentationml/2006/main">
   <p:cSld>
     <p:spTree>
@@ -6662,7 +7227,7 @@
 </p:sld>
 </file>
 
-<file path=ppt/slides/slide22.xml><?xml version="1.0" encoding="utf-8"?>
+<file path=ppt/slides/slide24.xml><?xml version="1.0" encoding="utf-8"?>
 <p:sld xmlns:a="http://schemas.openxmlformats.org/drawingml/2006/main" xmlns:r="http://schemas.openxmlformats.org/officeDocument/2006/relationships" xmlns:p="http://schemas.openxmlformats.org/presentationml/2006/main">
   <p:cSld>
     <p:spTree>
@@ -6726,7 +7291,7 @@
 </p:sld>
 </file>
 
-<file path=ppt/slides/slide23.xml><?xml version="1.0" encoding="utf-8"?>
+<file path=ppt/slides/slide25.xml><?xml version="1.0" encoding="utf-8"?>
 <p:sld xmlns:a="http://schemas.openxmlformats.org/drawingml/2006/main" xmlns:r="http://schemas.openxmlformats.org/officeDocument/2006/relationships" xmlns:p="http://schemas.openxmlformats.org/presentationml/2006/main">
   <p:cSld>
     <p:spTree>

--- a/JPA.pptx
+++ b/JPA.pptx
@@ -18,18 +18,22 @@
     <p:sldId id="268" r:id="rId12"/>
     <p:sldId id="284" r:id="rId13"/>
     <p:sldId id="285" r:id="rId14"/>
-    <p:sldId id="271" r:id="rId15"/>
-    <p:sldId id="272" r:id="rId16"/>
-    <p:sldId id="273" r:id="rId17"/>
-    <p:sldId id="274" r:id="rId18"/>
-    <p:sldId id="275" r:id="rId19"/>
-    <p:sldId id="276" r:id="rId20"/>
-    <p:sldId id="278" r:id="rId21"/>
-    <p:sldId id="280" r:id="rId22"/>
-    <p:sldId id="281" r:id="rId23"/>
-    <p:sldId id="282" r:id="rId24"/>
-    <p:sldId id="279" r:id="rId25"/>
-    <p:sldId id="277" r:id="rId26"/>
+    <p:sldId id="287" r:id="rId15"/>
+    <p:sldId id="288" r:id="rId16"/>
+    <p:sldId id="271" r:id="rId17"/>
+    <p:sldId id="272" r:id="rId18"/>
+    <p:sldId id="273" r:id="rId19"/>
+    <p:sldId id="274" r:id="rId20"/>
+    <p:sldId id="275" r:id="rId21"/>
+    <p:sldId id="276" r:id="rId22"/>
+    <p:sldId id="278" r:id="rId23"/>
+    <p:sldId id="280" r:id="rId24"/>
+    <p:sldId id="281" r:id="rId25"/>
+    <p:sldId id="282" r:id="rId26"/>
+    <p:sldId id="289" r:id="rId27"/>
+    <p:sldId id="290" r:id="rId28"/>
+    <p:sldId id="279" r:id="rId29"/>
+    <p:sldId id="277" r:id="rId30"/>
   </p:sldIdLst>
   <p:sldSz cx="12192000" cy="6858000"/>
   <p:notesSz cx="6858000" cy="9144000"/>
@@ -288,7 +292,7 @@
           <a:p>
             <a:fld id="{45ECC915-3964-4B0E-B95E-56CE683397A3}" type="datetimeFigureOut">
               <a:rPr lang="es-MX" smtClean="0"/>
-              <a:t>29/05/2022</a:t>
+              <a:t>31/05/2022</a:t>
             </a:fld>
             <a:endParaRPr lang="es-MX"/>
           </a:p>
@@ -494,7 +498,7 @@
           <a:p>
             <a:fld id="{45ECC915-3964-4B0E-B95E-56CE683397A3}" type="datetimeFigureOut">
               <a:rPr lang="es-MX" smtClean="0"/>
-              <a:t>29/05/2022</a:t>
+              <a:t>31/05/2022</a:t>
             </a:fld>
             <a:endParaRPr lang="es-MX"/>
           </a:p>
@@ -705,7 +709,7 @@
           <a:p>
             <a:fld id="{45ECC915-3964-4B0E-B95E-56CE683397A3}" type="datetimeFigureOut">
               <a:rPr lang="es-MX" smtClean="0"/>
-              <a:t>29/05/2022</a:t>
+              <a:t>31/05/2022</a:t>
             </a:fld>
             <a:endParaRPr lang="es-MX"/>
           </a:p>
@@ -942,7 +946,7 @@
           <a:p>
             <a:fld id="{45ECC915-3964-4B0E-B95E-56CE683397A3}" type="datetimeFigureOut">
               <a:rPr lang="es-MX" smtClean="0"/>
-              <a:t>29/05/2022</a:t>
+              <a:t>31/05/2022</a:t>
             </a:fld>
             <a:endParaRPr lang="es-MX"/>
           </a:p>
@@ -1220,7 +1224,7 @@
           <a:p>
             <a:fld id="{45ECC915-3964-4B0E-B95E-56CE683397A3}" type="datetimeFigureOut">
               <a:rPr lang="es-MX" smtClean="0"/>
-              <a:t>29/05/2022</a:t>
+              <a:t>31/05/2022</a:t>
             </a:fld>
             <a:endParaRPr lang="es-MX"/>
           </a:p>
@@ -1493,7 +1497,7 @@
           <a:p>
             <a:fld id="{45ECC915-3964-4B0E-B95E-56CE683397A3}" type="datetimeFigureOut">
               <a:rPr lang="es-MX" smtClean="0"/>
-              <a:t>29/05/2022</a:t>
+              <a:t>31/05/2022</a:t>
             </a:fld>
             <a:endParaRPr lang="es-MX"/>
           </a:p>
@@ -1917,7 +1921,7 @@
           <a:p>
             <a:fld id="{45ECC915-3964-4B0E-B95E-56CE683397A3}" type="datetimeFigureOut">
               <a:rPr lang="es-MX" smtClean="0"/>
-              <a:t>29/05/2022</a:t>
+              <a:t>31/05/2022</a:t>
             </a:fld>
             <a:endParaRPr lang="es-MX"/>
           </a:p>
@@ -2058,7 +2062,7 @@
           <a:p>
             <a:fld id="{45ECC915-3964-4B0E-B95E-56CE683397A3}" type="datetimeFigureOut">
               <a:rPr lang="es-MX" smtClean="0"/>
-              <a:t>29/05/2022</a:t>
+              <a:t>31/05/2022</a:t>
             </a:fld>
             <a:endParaRPr lang="es-MX"/>
           </a:p>
@@ -2171,7 +2175,7 @@
           <a:p>
             <a:fld id="{45ECC915-3964-4B0E-B95E-56CE683397A3}" type="datetimeFigureOut">
               <a:rPr lang="es-MX" smtClean="0"/>
-              <a:t>29/05/2022</a:t>
+              <a:t>31/05/2022</a:t>
             </a:fld>
             <a:endParaRPr lang="es-MX"/>
           </a:p>
@@ -2488,7 +2492,7 @@
           <a:p>
             <a:fld id="{45ECC915-3964-4B0E-B95E-56CE683397A3}" type="datetimeFigureOut">
               <a:rPr lang="es-MX" smtClean="0"/>
-              <a:t>29/05/2022</a:t>
+              <a:t>31/05/2022</a:t>
             </a:fld>
             <a:endParaRPr lang="es-MX"/>
           </a:p>
@@ -2785,7 +2789,7 @@
           <a:p>
             <a:fld id="{45ECC915-3964-4B0E-B95E-56CE683397A3}" type="datetimeFigureOut">
               <a:rPr lang="es-MX" smtClean="0"/>
-              <a:t>29/05/2022</a:t>
+              <a:t>31/05/2022</a:t>
             </a:fld>
             <a:endParaRPr lang="es-MX"/>
           </a:p>
@@ -3064,7 +3068,7 @@
           <a:p>
             <a:fld id="{45ECC915-3964-4B0E-B95E-56CE683397A3}" type="datetimeFigureOut">
               <a:rPr lang="es-MX" smtClean="0"/>
-              <a:t>29/05/2022</a:t>
+              <a:t>31/05/2022</a:t>
             </a:fld>
             <a:endParaRPr lang="es-MX"/>
           </a:p>
@@ -5375,13 +5379,640 @@
           <a:p>
             <a:r>
               <a:rPr lang="es-MX" b="1" dirty="0"/>
-              <a:t>Consistente: </a:t>
+              <a:t>Consistent: </a:t>
             </a:r>
             <a:r>
               <a:rPr lang="es-MX" dirty="0"/>
-              <a:t>Poder realizar N modificaciones en la base de datos, sin perder la consistencia</a:t>
+              <a:t>Poder realizar N modificaciones en la base de datos, sin perder la consistencia o no se activa ninguna violación de restricción. </a:t>
             </a:r>
             <a:endParaRPr lang="es-MX" b="1" dirty="0"/>
+          </a:p>
+        </p:txBody>
+      </p:sp>
+      <p:sp>
+        <p:nvSpPr>
+          <p:cNvPr id="4" name="Rectángulo: esquinas redondeadas 3">
+            <a:extLst>
+              <a:ext uri="{FF2B5EF4-FFF2-40B4-BE49-F238E27FC236}">
+                <a16:creationId xmlns:a16="http://schemas.microsoft.com/office/drawing/2014/main" id="{55C30FD4-09DB-4361-893D-B16A23E10676}"/>
+              </a:ext>
+            </a:extLst>
+          </p:cNvPr>
+          <p:cNvSpPr/>
+          <p:nvPr/>
+        </p:nvSpPr>
+        <p:spPr>
+          <a:xfrm>
+            <a:off x="1031449" y="1763282"/>
+            <a:ext cx="1527144" cy="735290"/>
+          </a:xfrm>
+          <a:prstGeom prst="roundRect">
+            <a:avLst/>
+          </a:prstGeom>
+          <a:solidFill>
+            <a:srgbClr val="84CFE1"/>
+          </a:solidFill>
+          <a:ln>
+            <a:solidFill>
+              <a:schemeClr val="tx1"/>
+            </a:solidFill>
+          </a:ln>
+        </p:spPr>
+        <p:style>
+          <a:lnRef idx="2">
+            <a:schemeClr val="accent1">
+              <a:shade val="50000"/>
+            </a:schemeClr>
+          </a:lnRef>
+          <a:fillRef idx="1">
+            <a:schemeClr val="accent1"/>
+          </a:fillRef>
+          <a:effectRef idx="0">
+            <a:schemeClr val="accent1"/>
+          </a:effectRef>
+          <a:fontRef idx="minor">
+            <a:schemeClr val="lt1"/>
+          </a:fontRef>
+        </p:style>
+        <p:txBody>
+          <a:bodyPr rtlCol="0" anchor="ctr"/>
+          <a:lstStyle/>
+          <a:p>
+            <a:pPr algn="ctr"/>
+            <a:r>
+              <a:rPr lang="es-MX" dirty="0">
+                <a:solidFill>
+                  <a:schemeClr val="tx1"/>
+                </a:solidFill>
+              </a:rPr>
+              <a:t>500</a:t>
+            </a:r>
+          </a:p>
+        </p:txBody>
+      </p:sp>
+      <p:sp>
+        <p:nvSpPr>
+          <p:cNvPr id="5" name="CuadroTexto 4">
+            <a:extLst>
+              <a:ext uri="{FF2B5EF4-FFF2-40B4-BE49-F238E27FC236}">
+                <a16:creationId xmlns:a16="http://schemas.microsoft.com/office/drawing/2014/main" id="{91D5BBE0-7489-4C0D-AFC5-F885225D26E2}"/>
+              </a:ext>
+            </a:extLst>
+          </p:cNvPr>
+          <p:cNvSpPr txBox="1"/>
+          <p:nvPr/>
+        </p:nvSpPr>
+        <p:spPr>
+          <a:xfrm>
+            <a:off x="838200" y="1393950"/>
+            <a:ext cx="1913642" cy="369332"/>
+          </a:xfrm>
+          <a:prstGeom prst="rect">
+            <a:avLst/>
+          </a:prstGeom>
+          <a:noFill/>
+        </p:spPr>
+        <p:txBody>
+          <a:bodyPr wrap="square" rtlCol="0">
+            <a:spAutoFit/>
+          </a:bodyPr>
+          <a:lstStyle/>
+          <a:p>
+            <a:pPr algn="ctr"/>
+            <a:r>
+              <a:rPr lang="es-MX" dirty="0"/>
+              <a:t>Cuenta A</a:t>
+            </a:r>
+          </a:p>
+        </p:txBody>
+      </p:sp>
+      <p:cxnSp>
+        <p:nvCxnSpPr>
+          <p:cNvPr id="6" name="Conector recto de flecha 5">
+            <a:extLst>
+              <a:ext uri="{FF2B5EF4-FFF2-40B4-BE49-F238E27FC236}">
+                <a16:creationId xmlns:a16="http://schemas.microsoft.com/office/drawing/2014/main" id="{0A0476F4-B61C-4CC7-97D7-034413ACA31A}"/>
+              </a:ext>
+            </a:extLst>
+          </p:cNvPr>
+          <p:cNvCxnSpPr>
+            <a:cxnSpLocks/>
+            <a:stCxn id="4" idx="3"/>
+          </p:cNvCxnSpPr>
+          <p:nvPr/>
+        </p:nvCxnSpPr>
+        <p:spPr>
+          <a:xfrm>
+            <a:off x="2558593" y="2130927"/>
+            <a:ext cx="1532640" cy="0"/>
+          </a:xfrm>
+          <a:prstGeom prst="straightConnector1">
+            <a:avLst/>
+          </a:prstGeom>
+          <a:ln>
+            <a:tailEnd type="triangle"/>
+          </a:ln>
+        </p:spPr>
+        <p:style>
+          <a:lnRef idx="1">
+            <a:schemeClr val="accent1"/>
+          </a:lnRef>
+          <a:fillRef idx="0">
+            <a:schemeClr val="accent1"/>
+          </a:fillRef>
+          <a:effectRef idx="0">
+            <a:schemeClr val="accent1"/>
+          </a:effectRef>
+          <a:fontRef idx="minor">
+            <a:schemeClr val="tx1"/>
+          </a:fontRef>
+        </p:style>
+      </p:cxnSp>
+      <p:sp>
+        <p:nvSpPr>
+          <p:cNvPr id="10" name="CuadroTexto 9">
+            <a:extLst>
+              <a:ext uri="{FF2B5EF4-FFF2-40B4-BE49-F238E27FC236}">
+                <a16:creationId xmlns:a16="http://schemas.microsoft.com/office/drawing/2014/main" id="{DE91706F-3CA9-4AC7-95D7-8642E5986602}"/>
+              </a:ext>
+            </a:extLst>
+          </p:cNvPr>
+          <p:cNvSpPr txBox="1"/>
+          <p:nvPr/>
+        </p:nvSpPr>
+        <p:spPr>
+          <a:xfrm>
+            <a:off x="2368092" y="1762439"/>
+            <a:ext cx="1913642" cy="369332"/>
+          </a:xfrm>
+          <a:prstGeom prst="rect">
+            <a:avLst/>
+          </a:prstGeom>
+          <a:noFill/>
+        </p:spPr>
+        <p:txBody>
+          <a:bodyPr wrap="square" rtlCol="0">
+            <a:spAutoFit/>
+          </a:bodyPr>
+          <a:lstStyle/>
+          <a:p>
+            <a:pPr algn="ctr"/>
+            <a:r>
+              <a:rPr lang="es-MX" dirty="0"/>
+              <a:t>-100</a:t>
+            </a:r>
+          </a:p>
+        </p:txBody>
+      </p:sp>
+      <p:sp>
+        <p:nvSpPr>
+          <p:cNvPr id="11" name="Rectángulo: esquinas redondeadas 10">
+            <a:extLst>
+              <a:ext uri="{FF2B5EF4-FFF2-40B4-BE49-F238E27FC236}">
+                <a16:creationId xmlns:a16="http://schemas.microsoft.com/office/drawing/2014/main" id="{8D47212D-E4ED-4AE6-8495-0F20F268B0B7}"/>
+              </a:ext>
+            </a:extLst>
+          </p:cNvPr>
+          <p:cNvSpPr/>
+          <p:nvPr/>
+        </p:nvSpPr>
+        <p:spPr>
+          <a:xfrm>
+            <a:off x="4172146" y="1762439"/>
+            <a:ext cx="1527144" cy="735290"/>
+          </a:xfrm>
+          <a:prstGeom prst="roundRect">
+            <a:avLst/>
+          </a:prstGeom>
+          <a:solidFill>
+            <a:srgbClr val="84CFE1"/>
+          </a:solidFill>
+          <a:ln>
+            <a:solidFill>
+              <a:schemeClr val="tx1"/>
+            </a:solidFill>
+          </a:ln>
+        </p:spPr>
+        <p:style>
+          <a:lnRef idx="2">
+            <a:schemeClr val="accent1">
+              <a:shade val="50000"/>
+            </a:schemeClr>
+          </a:lnRef>
+          <a:fillRef idx="1">
+            <a:schemeClr val="accent1"/>
+          </a:fillRef>
+          <a:effectRef idx="0">
+            <a:schemeClr val="accent1"/>
+          </a:effectRef>
+          <a:fontRef idx="minor">
+            <a:schemeClr val="lt1"/>
+          </a:fontRef>
+        </p:style>
+        <p:txBody>
+          <a:bodyPr rtlCol="0" anchor="ctr"/>
+          <a:lstStyle/>
+          <a:p>
+            <a:pPr algn="ctr"/>
+            <a:r>
+              <a:rPr lang="es-MX" dirty="0">
+                <a:solidFill>
+                  <a:schemeClr val="tx1"/>
+                </a:solidFill>
+              </a:rPr>
+              <a:t>400</a:t>
+            </a:r>
+          </a:p>
+        </p:txBody>
+      </p:sp>
+      <p:sp>
+        <p:nvSpPr>
+          <p:cNvPr id="12" name="CuadroTexto 11">
+            <a:extLst>
+              <a:ext uri="{FF2B5EF4-FFF2-40B4-BE49-F238E27FC236}">
+                <a16:creationId xmlns:a16="http://schemas.microsoft.com/office/drawing/2014/main" id="{00DF74CE-990A-4DAE-9076-AFD9A378F754}"/>
+              </a:ext>
+            </a:extLst>
+          </p:cNvPr>
+          <p:cNvSpPr txBox="1"/>
+          <p:nvPr/>
+        </p:nvSpPr>
+        <p:spPr>
+          <a:xfrm>
+            <a:off x="3978897" y="1392264"/>
+            <a:ext cx="1913642" cy="369332"/>
+          </a:xfrm>
+          <a:prstGeom prst="rect">
+            <a:avLst/>
+          </a:prstGeom>
+          <a:noFill/>
+        </p:spPr>
+        <p:txBody>
+          <a:bodyPr wrap="square" rtlCol="0">
+            <a:spAutoFit/>
+          </a:bodyPr>
+          <a:lstStyle/>
+          <a:p>
+            <a:pPr algn="ctr"/>
+            <a:r>
+              <a:rPr lang="es-MX" dirty="0"/>
+              <a:t>Cuenta A</a:t>
+            </a:r>
+          </a:p>
+        </p:txBody>
+      </p:sp>
+      <p:cxnSp>
+        <p:nvCxnSpPr>
+          <p:cNvPr id="13" name="Conector recto de flecha 12">
+            <a:extLst>
+              <a:ext uri="{FF2B5EF4-FFF2-40B4-BE49-F238E27FC236}">
+                <a16:creationId xmlns:a16="http://schemas.microsoft.com/office/drawing/2014/main" id="{5F22AFEC-030B-442A-8B2B-858A93857DF9}"/>
+              </a:ext>
+            </a:extLst>
+          </p:cNvPr>
+          <p:cNvCxnSpPr>
+            <a:cxnSpLocks/>
+            <a:stCxn id="11" idx="2"/>
+          </p:cNvCxnSpPr>
+          <p:nvPr/>
+        </p:nvCxnSpPr>
+        <p:spPr>
+          <a:xfrm>
+            <a:off x="4935718" y="2497729"/>
+            <a:ext cx="0" cy="707384"/>
+          </a:xfrm>
+          <a:prstGeom prst="straightConnector1">
+            <a:avLst/>
+          </a:prstGeom>
+          <a:ln>
+            <a:tailEnd type="triangle"/>
+          </a:ln>
+        </p:spPr>
+        <p:style>
+          <a:lnRef idx="1">
+            <a:schemeClr val="accent1"/>
+          </a:lnRef>
+          <a:fillRef idx="0">
+            <a:schemeClr val="accent1"/>
+          </a:fillRef>
+          <a:effectRef idx="0">
+            <a:schemeClr val="accent1"/>
+          </a:effectRef>
+          <a:fontRef idx="minor">
+            <a:schemeClr val="tx1"/>
+          </a:fontRef>
+        </p:style>
+      </p:cxnSp>
+      <p:sp>
+        <p:nvSpPr>
+          <p:cNvPr id="16" name="CuadroTexto 15">
+            <a:extLst>
+              <a:ext uri="{FF2B5EF4-FFF2-40B4-BE49-F238E27FC236}">
+                <a16:creationId xmlns:a16="http://schemas.microsoft.com/office/drawing/2014/main" id="{47BC4A1B-30FD-498E-AEC0-2D214293735A}"/>
+              </a:ext>
+            </a:extLst>
+          </p:cNvPr>
+          <p:cNvSpPr txBox="1"/>
+          <p:nvPr/>
+        </p:nvSpPr>
+        <p:spPr>
+          <a:xfrm>
+            <a:off x="4935718" y="2590309"/>
+            <a:ext cx="1913642" cy="646331"/>
+          </a:xfrm>
+          <a:prstGeom prst="rect">
+            <a:avLst/>
+          </a:prstGeom>
+          <a:noFill/>
+        </p:spPr>
+        <p:txBody>
+          <a:bodyPr wrap="square" rtlCol="0">
+            <a:spAutoFit/>
+          </a:bodyPr>
+          <a:lstStyle/>
+          <a:p>
+            <a:pPr algn="ctr"/>
+            <a:r>
+              <a:rPr lang="es-MX" dirty="0"/>
+              <a:t>Enviamos los 100 a</a:t>
+            </a:r>
+          </a:p>
+        </p:txBody>
+      </p:sp>
+      <p:sp>
+        <p:nvSpPr>
+          <p:cNvPr id="17" name="Rectángulo: esquinas redondeadas 16">
+            <a:extLst>
+              <a:ext uri="{FF2B5EF4-FFF2-40B4-BE49-F238E27FC236}">
+                <a16:creationId xmlns:a16="http://schemas.microsoft.com/office/drawing/2014/main" id="{FDFB183F-D582-4A62-BF5A-A7F594716F5F}"/>
+              </a:ext>
+            </a:extLst>
+          </p:cNvPr>
+          <p:cNvSpPr/>
+          <p:nvPr/>
+        </p:nvSpPr>
+        <p:spPr>
+          <a:xfrm>
+            <a:off x="4172146" y="3274719"/>
+            <a:ext cx="1527144" cy="735290"/>
+          </a:xfrm>
+          <a:prstGeom prst="roundRect">
+            <a:avLst/>
+          </a:prstGeom>
+          <a:solidFill>
+            <a:schemeClr val="accent1">
+              <a:lumMod val="60000"/>
+              <a:lumOff val="40000"/>
+            </a:schemeClr>
+          </a:solidFill>
+          <a:ln>
+            <a:solidFill>
+              <a:schemeClr val="tx1"/>
+            </a:solidFill>
+          </a:ln>
+        </p:spPr>
+        <p:style>
+          <a:lnRef idx="2">
+            <a:schemeClr val="accent1">
+              <a:shade val="50000"/>
+            </a:schemeClr>
+          </a:lnRef>
+          <a:fillRef idx="1">
+            <a:schemeClr val="accent1"/>
+          </a:fillRef>
+          <a:effectRef idx="0">
+            <a:schemeClr val="accent1"/>
+          </a:effectRef>
+          <a:fontRef idx="minor">
+            <a:schemeClr val="lt1"/>
+          </a:fontRef>
+        </p:style>
+        <p:txBody>
+          <a:bodyPr rtlCol="0" anchor="ctr"/>
+          <a:lstStyle/>
+          <a:p>
+            <a:pPr algn="ctr"/>
+            <a:r>
+              <a:rPr lang="es-MX" dirty="0">
+                <a:solidFill>
+                  <a:schemeClr val="tx1"/>
+                </a:solidFill>
+              </a:rPr>
+              <a:t>300</a:t>
+            </a:r>
+          </a:p>
+        </p:txBody>
+      </p:sp>
+      <p:sp>
+        <p:nvSpPr>
+          <p:cNvPr id="18" name="CuadroTexto 17">
+            <a:extLst>
+              <a:ext uri="{FF2B5EF4-FFF2-40B4-BE49-F238E27FC236}">
+                <a16:creationId xmlns:a16="http://schemas.microsoft.com/office/drawing/2014/main" id="{1C9F6B8C-B695-4A66-83D8-7C2B79C6147E}"/>
+              </a:ext>
+            </a:extLst>
+          </p:cNvPr>
+          <p:cNvSpPr txBox="1"/>
+          <p:nvPr/>
+        </p:nvSpPr>
+        <p:spPr>
+          <a:xfrm>
+            <a:off x="3978897" y="4037745"/>
+            <a:ext cx="1913642" cy="369332"/>
+          </a:xfrm>
+          <a:prstGeom prst="rect">
+            <a:avLst/>
+          </a:prstGeom>
+          <a:noFill/>
+        </p:spPr>
+        <p:txBody>
+          <a:bodyPr wrap="square" rtlCol="0">
+            <a:spAutoFit/>
+          </a:bodyPr>
+          <a:lstStyle/>
+          <a:p>
+            <a:pPr algn="ctr"/>
+            <a:r>
+              <a:rPr lang="es-MX" dirty="0"/>
+              <a:t>Cuenta B</a:t>
+            </a:r>
+          </a:p>
+        </p:txBody>
+      </p:sp>
+      <p:cxnSp>
+        <p:nvCxnSpPr>
+          <p:cNvPr id="19" name="Conector recto de flecha 18">
+            <a:extLst>
+              <a:ext uri="{FF2B5EF4-FFF2-40B4-BE49-F238E27FC236}">
+                <a16:creationId xmlns:a16="http://schemas.microsoft.com/office/drawing/2014/main" id="{449BC623-7B06-4B43-AA1F-CFF4F9E5D3BD}"/>
+              </a:ext>
+            </a:extLst>
+          </p:cNvPr>
+          <p:cNvCxnSpPr>
+            <a:cxnSpLocks/>
+          </p:cNvCxnSpPr>
+          <p:nvPr/>
+        </p:nvCxnSpPr>
+        <p:spPr>
+          <a:xfrm>
+            <a:off x="5726392" y="3694930"/>
+            <a:ext cx="1532640" cy="0"/>
+          </a:xfrm>
+          <a:prstGeom prst="straightConnector1">
+            <a:avLst/>
+          </a:prstGeom>
+          <a:ln>
+            <a:tailEnd type="triangle"/>
+          </a:ln>
+        </p:spPr>
+        <p:style>
+          <a:lnRef idx="1">
+            <a:schemeClr val="accent1"/>
+          </a:lnRef>
+          <a:fillRef idx="0">
+            <a:schemeClr val="accent1"/>
+          </a:fillRef>
+          <a:effectRef idx="0">
+            <a:schemeClr val="accent1"/>
+          </a:effectRef>
+          <a:fontRef idx="minor">
+            <a:schemeClr val="tx1"/>
+          </a:fontRef>
+        </p:style>
+      </p:cxnSp>
+      <p:sp>
+        <p:nvSpPr>
+          <p:cNvPr id="20" name="CuadroTexto 19">
+            <a:extLst>
+              <a:ext uri="{FF2B5EF4-FFF2-40B4-BE49-F238E27FC236}">
+                <a16:creationId xmlns:a16="http://schemas.microsoft.com/office/drawing/2014/main" id="{08590F9B-DDFE-4391-9761-4E6E2CACC50C}"/>
+              </a:ext>
+            </a:extLst>
+          </p:cNvPr>
+          <p:cNvSpPr txBox="1"/>
+          <p:nvPr/>
+        </p:nvSpPr>
+        <p:spPr>
+          <a:xfrm>
+            <a:off x="5535891" y="3326442"/>
+            <a:ext cx="1913642" cy="369332"/>
+          </a:xfrm>
+          <a:prstGeom prst="rect">
+            <a:avLst/>
+          </a:prstGeom>
+          <a:noFill/>
+        </p:spPr>
+        <p:txBody>
+          <a:bodyPr wrap="square" rtlCol="0">
+            <a:spAutoFit/>
+          </a:bodyPr>
+          <a:lstStyle/>
+          <a:p>
+            <a:pPr algn="ctr"/>
+            <a:r>
+              <a:rPr lang="es-MX" dirty="0"/>
+              <a:t>+100</a:t>
+            </a:r>
+          </a:p>
+        </p:txBody>
+      </p:sp>
+      <p:sp>
+        <p:nvSpPr>
+          <p:cNvPr id="21" name="Rectángulo: esquinas redondeadas 20">
+            <a:extLst>
+              <a:ext uri="{FF2B5EF4-FFF2-40B4-BE49-F238E27FC236}">
+                <a16:creationId xmlns:a16="http://schemas.microsoft.com/office/drawing/2014/main" id="{A40140E6-6526-44EA-8331-068983721112}"/>
+              </a:ext>
+            </a:extLst>
+          </p:cNvPr>
+          <p:cNvSpPr/>
+          <p:nvPr/>
+        </p:nvSpPr>
+        <p:spPr>
+          <a:xfrm>
+            <a:off x="7286134" y="3344076"/>
+            <a:ext cx="1527144" cy="735290"/>
+          </a:xfrm>
+          <a:prstGeom prst="roundRect">
+            <a:avLst/>
+          </a:prstGeom>
+          <a:solidFill>
+            <a:schemeClr val="accent1">
+              <a:lumMod val="60000"/>
+              <a:lumOff val="40000"/>
+            </a:schemeClr>
+          </a:solidFill>
+          <a:ln>
+            <a:solidFill>
+              <a:schemeClr val="tx1"/>
+            </a:solidFill>
+          </a:ln>
+        </p:spPr>
+        <p:style>
+          <a:lnRef idx="2">
+            <a:schemeClr val="accent1">
+              <a:shade val="50000"/>
+            </a:schemeClr>
+          </a:lnRef>
+          <a:fillRef idx="1">
+            <a:schemeClr val="accent1"/>
+          </a:fillRef>
+          <a:effectRef idx="0">
+            <a:schemeClr val="accent1"/>
+          </a:effectRef>
+          <a:fontRef idx="minor">
+            <a:schemeClr val="lt1"/>
+          </a:fontRef>
+        </p:style>
+        <p:txBody>
+          <a:bodyPr rtlCol="0" anchor="ctr"/>
+          <a:lstStyle/>
+          <a:p>
+            <a:pPr algn="ctr"/>
+            <a:r>
+              <a:rPr lang="es-MX" dirty="0">
+                <a:solidFill>
+                  <a:schemeClr val="tx1"/>
+                </a:solidFill>
+              </a:rPr>
+              <a:t>400</a:t>
+            </a:r>
+          </a:p>
+        </p:txBody>
+      </p:sp>
+      <p:sp>
+        <p:nvSpPr>
+          <p:cNvPr id="22" name="CuadroTexto 21">
+            <a:extLst>
+              <a:ext uri="{FF2B5EF4-FFF2-40B4-BE49-F238E27FC236}">
+                <a16:creationId xmlns:a16="http://schemas.microsoft.com/office/drawing/2014/main" id="{BE556E02-E229-4BF8-B421-72BB80102F01}"/>
+              </a:ext>
+            </a:extLst>
+          </p:cNvPr>
+          <p:cNvSpPr txBox="1"/>
+          <p:nvPr/>
+        </p:nvSpPr>
+        <p:spPr>
+          <a:xfrm>
+            <a:off x="7119594" y="4078522"/>
+            <a:ext cx="1913642" cy="369332"/>
+          </a:xfrm>
+          <a:prstGeom prst="rect">
+            <a:avLst/>
+          </a:prstGeom>
+          <a:noFill/>
+        </p:spPr>
+        <p:txBody>
+          <a:bodyPr wrap="square" rtlCol="0">
+            <a:spAutoFit/>
+          </a:bodyPr>
+          <a:lstStyle/>
+          <a:p>
+            <a:pPr algn="ctr"/>
+            <a:r>
+              <a:rPr lang="es-MX" dirty="0"/>
+              <a:t>Cuenta B</a:t>
+            </a:r>
           </a:p>
         </p:txBody>
       </p:sp>
@@ -5417,38 +6048,10 @@
       </p:grpSpPr>
       <p:sp>
         <p:nvSpPr>
-          <p:cNvPr id="2" name="Título 1">
-            <a:extLst>
-              <a:ext uri="{FF2B5EF4-FFF2-40B4-BE49-F238E27FC236}">
-                <a16:creationId xmlns:a16="http://schemas.microsoft.com/office/drawing/2014/main" id="{EDAEEE7F-6F9A-4572-8268-F454891B2565}"/>
-              </a:ext>
-            </a:extLst>
-          </p:cNvPr>
-          <p:cNvSpPr>
-            <a:spLocks noGrp="1"/>
-          </p:cNvSpPr>
-          <p:nvPr>
-            <p:ph type="title"/>
-          </p:nvPr>
-        </p:nvSpPr>
-        <p:spPr/>
-        <p:txBody>
-          <a:bodyPr/>
-          <a:lstStyle/>
-          <a:p>
-            <a:r>
-              <a:rPr lang="es-MX" b="1" dirty="0"/>
-              <a:t>Relaciones en POO</a:t>
-            </a:r>
-          </a:p>
-        </p:txBody>
-      </p:sp>
-      <p:sp>
-        <p:nvSpPr>
           <p:cNvPr id="3" name="Marcador de contenido 2">
             <a:extLst>
               <a:ext uri="{FF2B5EF4-FFF2-40B4-BE49-F238E27FC236}">
-                <a16:creationId xmlns:a16="http://schemas.microsoft.com/office/drawing/2014/main" id="{EBA9E704-3B02-46A5-9134-2FF10AD14832}"/>
+                <a16:creationId xmlns:a16="http://schemas.microsoft.com/office/drawing/2014/main" id="{B462B9EF-6591-4EF6-989A-B967B7ABF039}"/>
               </a:ext>
             </a:extLst>
           </p:cNvPr>
@@ -5461,8 +6064,8 @@
         </p:nvSpPr>
         <p:spPr>
           <a:xfrm>
-            <a:off x="838200" y="1295570"/>
-            <a:ext cx="4403103" cy="4963696"/>
+            <a:off x="838200" y="480767"/>
+            <a:ext cx="10078039" cy="5778499"/>
           </a:xfrm>
         </p:spPr>
         <p:txBody>
@@ -5471,105 +6074,209 @@
           <a:p>
             <a:pPr algn="just"/>
             <a:r>
+              <a:rPr lang="es-MX" b="1" dirty="0" err="1"/>
+              <a:t>Isolation</a:t>
+            </a:r>
+            <a:r>
               <a:rPr lang="es-MX" b="1" dirty="0"/>
-              <a:t>Asociación: </a:t>
+              <a:t>: </a:t>
             </a:r>
             <a:r>
               <a:rPr lang="es-MX" dirty="0"/>
-              <a:t>Relación donde los objetos tienen su propio ciclo de vida y no hay ninguna clase propietaria.</a:t>
-            </a:r>
-          </a:p>
-          <a:p>
-            <a:pPr algn="just"/>
+              <a:t>Una transacción requiere control de concurrencia y el </a:t>
+            </a:r>
             <a:r>
               <a:rPr lang="es-MX" b="1" dirty="0"/>
-              <a:t>Agregación: </a:t>
+              <a:t>aislamiento</a:t>
             </a:r>
             <a:r>
               <a:rPr lang="es-MX" dirty="0"/>
-              <a:t>Es una forma especializada de la asociación, donde todos los objetos tienen su propio ciclo de vida, pero hay prioridad.</a:t>
-            </a:r>
-          </a:p>
-          <a:p>
-            <a:pPr algn="just"/>
-            <a:r>
-              <a:rPr lang="es-MX" b="1" dirty="0"/>
-              <a:t>Composición: </a:t>
-            </a:r>
-            <a:r>
-              <a:rPr lang="es-MX" dirty="0"/>
-              <a:t>Es una forma especializada de agregación. Donde el objeto secundario no tiene ciclo de vida propio, sino que depende del objeto principal. En este caso el objeto es un tipo fuerte de agregación. </a:t>
+              <a:t> brinda el beneficio de ocultar los cambios de estado no confirmados. Estas transacciones fallidas nunca deben corromper el estado del sistema u otra transacción que se este ejecutando. Este aislamiento se logra a través del control de concurrencia utilizando mecanismos de bloque pesimistas u optimistas.</a:t>
             </a:r>
             <a:endParaRPr lang="es-MX" b="1" dirty="0"/>
           </a:p>
         </p:txBody>
       </p:sp>
-      <p:pic>
-        <p:nvPicPr>
-          <p:cNvPr id="5" name="Imagen 4">
-            <a:extLst>
-              <a:ext uri="{FF2B5EF4-FFF2-40B4-BE49-F238E27FC236}">
-                <a16:creationId xmlns:a16="http://schemas.microsoft.com/office/drawing/2014/main" id="{920F05B3-B569-418D-A299-16089451BE77}"/>
-              </a:ext>
-            </a:extLst>
-          </p:cNvPr>
-          <p:cNvPicPr>
-            <a:picLocks noChangeAspect="1"/>
-          </p:cNvPicPr>
+      <p:sp>
+        <p:nvSpPr>
+          <p:cNvPr id="24" name="Rectángulo: esquinas redondeadas 23">
+            <a:extLst>
+              <a:ext uri="{FF2B5EF4-FFF2-40B4-BE49-F238E27FC236}">
+                <a16:creationId xmlns:a16="http://schemas.microsoft.com/office/drawing/2014/main" id="{C7C7CE58-7CC2-4C52-81BF-11882CC34AA2}"/>
+              </a:ext>
+            </a:extLst>
+          </p:cNvPr>
+          <p:cNvSpPr/>
           <p:nvPr/>
-        </p:nvPicPr>
-        <p:blipFill>
-          <a:blip r:embed="rId2"/>
-          <a:stretch>
-            <a:fillRect/>
-          </a:stretch>
-        </p:blipFill>
-        <p:spPr>
-          <a:xfrm>
-            <a:off x="10385194" y="1228872"/>
-            <a:ext cx="1428750" cy="2352675"/>
-          </a:xfrm>
-          <a:prstGeom prst="rect">
+        </p:nvSpPr>
+        <p:spPr>
+          <a:xfrm>
+            <a:off x="2358270" y="2821777"/>
+            <a:ext cx="1527144" cy="735290"/>
+          </a:xfrm>
+          <a:prstGeom prst="roundRect">
             <a:avLst/>
           </a:prstGeom>
-        </p:spPr>
-      </p:pic>
-      <p:pic>
-        <p:nvPicPr>
-          <p:cNvPr id="7" name="Imagen 6">
-            <a:extLst>
-              <a:ext uri="{FF2B5EF4-FFF2-40B4-BE49-F238E27FC236}">
-                <a16:creationId xmlns:a16="http://schemas.microsoft.com/office/drawing/2014/main" id="{7F87F2E0-DD35-450A-B1FE-7652F2C2FBEC}"/>
-              </a:ext>
-            </a:extLst>
-          </p:cNvPr>
-          <p:cNvPicPr>
-            <a:picLocks noChangeAspect="1"/>
-          </p:cNvPicPr>
+          <a:solidFill>
+            <a:srgbClr val="84CFE1"/>
+          </a:solidFill>
+          <a:ln>
+            <a:solidFill>
+              <a:schemeClr val="tx1"/>
+            </a:solidFill>
+          </a:ln>
+        </p:spPr>
+        <p:style>
+          <a:lnRef idx="2">
+            <a:schemeClr val="accent1">
+              <a:shade val="50000"/>
+            </a:schemeClr>
+          </a:lnRef>
+          <a:fillRef idx="1">
+            <a:schemeClr val="accent1"/>
+          </a:fillRef>
+          <a:effectRef idx="0">
+            <a:schemeClr val="accent1"/>
+          </a:effectRef>
+          <a:fontRef idx="minor">
+            <a:schemeClr val="lt1"/>
+          </a:fontRef>
+        </p:style>
+        <p:txBody>
+          <a:bodyPr rtlCol="0" anchor="ctr"/>
+          <a:lstStyle/>
+          <a:p>
+            <a:pPr algn="ctr"/>
+            <a:r>
+              <a:rPr lang="es-MX" dirty="0" err="1">
+                <a:solidFill>
+                  <a:schemeClr val="tx1"/>
+                </a:solidFill>
+              </a:rPr>
+              <a:t>Insert</a:t>
+            </a:r>
+            <a:endParaRPr lang="es-MX" dirty="0">
+              <a:solidFill>
+                <a:schemeClr val="tx1"/>
+              </a:solidFill>
+            </a:endParaRPr>
+          </a:p>
+        </p:txBody>
+      </p:sp>
+      <p:sp>
+        <p:nvSpPr>
+          <p:cNvPr id="25" name="Rectángulo: esquinas redondeadas 24">
+            <a:extLst>
+              <a:ext uri="{FF2B5EF4-FFF2-40B4-BE49-F238E27FC236}">
+                <a16:creationId xmlns:a16="http://schemas.microsoft.com/office/drawing/2014/main" id="{395C88ED-56A0-45CB-ABDE-AE7D8BA3B30A}"/>
+              </a:ext>
+            </a:extLst>
+          </p:cNvPr>
+          <p:cNvSpPr/>
           <p:nvPr/>
-        </p:nvPicPr>
-        <p:blipFill>
-          <a:blip r:embed="rId3"/>
-          <a:stretch>
-            <a:fillRect/>
-          </a:stretch>
-        </p:blipFill>
-        <p:spPr>
-          <a:xfrm>
-            <a:off x="10432327" y="3777418"/>
-            <a:ext cx="1657350" cy="2409825"/>
-          </a:xfrm>
-          <a:prstGeom prst="rect">
+        </p:nvSpPr>
+        <p:spPr>
+          <a:xfrm>
+            <a:off x="2358270" y="3676081"/>
+            <a:ext cx="1527144" cy="735290"/>
+          </a:xfrm>
+          <a:prstGeom prst="roundRect">
             <a:avLst/>
           </a:prstGeom>
-        </p:spPr>
-      </p:pic>
-      <p:sp>
-        <p:nvSpPr>
-          <p:cNvPr id="8" name="CuadroTexto 7">
-            <a:extLst>
-              <a:ext uri="{FF2B5EF4-FFF2-40B4-BE49-F238E27FC236}">
-                <a16:creationId xmlns:a16="http://schemas.microsoft.com/office/drawing/2014/main" id="{5DCA5E92-4FE6-43B9-88E4-5BA157B23F16}"/>
+          <a:solidFill>
+            <a:srgbClr val="84CFE1"/>
+          </a:solidFill>
+          <a:ln>
+            <a:solidFill>
+              <a:schemeClr val="tx1"/>
+            </a:solidFill>
+          </a:ln>
+        </p:spPr>
+        <p:style>
+          <a:lnRef idx="2">
+            <a:schemeClr val="accent1">
+              <a:shade val="50000"/>
+            </a:schemeClr>
+          </a:lnRef>
+          <a:fillRef idx="1">
+            <a:schemeClr val="accent1"/>
+          </a:fillRef>
+          <a:effectRef idx="0">
+            <a:schemeClr val="accent1"/>
+          </a:effectRef>
+          <a:fontRef idx="minor">
+            <a:schemeClr val="lt1"/>
+          </a:fontRef>
+        </p:style>
+        <p:txBody>
+          <a:bodyPr rtlCol="0" anchor="ctr"/>
+          <a:lstStyle/>
+          <a:p>
+            <a:pPr algn="ctr"/>
+            <a:r>
+              <a:rPr lang="es-MX" dirty="0">
+                <a:solidFill>
+                  <a:schemeClr val="tx1"/>
+                </a:solidFill>
+              </a:rPr>
+              <a:t>Update</a:t>
+            </a:r>
+          </a:p>
+        </p:txBody>
+      </p:sp>
+      <p:sp>
+        <p:nvSpPr>
+          <p:cNvPr id="26" name="Rectángulo: esquinas redondeadas 25">
+            <a:extLst>
+              <a:ext uri="{FF2B5EF4-FFF2-40B4-BE49-F238E27FC236}">
+                <a16:creationId xmlns:a16="http://schemas.microsoft.com/office/drawing/2014/main" id="{2793066E-B525-4AA5-A341-F34D49E816B4}"/>
+              </a:ext>
+            </a:extLst>
+          </p:cNvPr>
+          <p:cNvSpPr/>
+          <p:nvPr/>
+        </p:nvSpPr>
+        <p:spPr>
+          <a:xfrm>
+            <a:off x="2037759" y="2674482"/>
+            <a:ext cx="2168166" cy="1946636"/>
+          </a:xfrm>
+          <a:prstGeom prst="roundRect">
+            <a:avLst/>
+          </a:prstGeom>
+          <a:noFill/>
+        </p:spPr>
+        <p:style>
+          <a:lnRef idx="2">
+            <a:schemeClr val="accent1">
+              <a:shade val="50000"/>
+            </a:schemeClr>
+          </a:lnRef>
+          <a:fillRef idx="1">
+            <a:schemeClr val="accent1"/>
+          </a:fillRef>
+          <a:effectRef idx="0">
+            <a:schemeClr val="accent1"/>
+          </a:effectRef>
+          <a:fontRef idx="minor">
+            <a:schemeClr val="lt1"/>
+          </a:fontRef>
+        </p:style>
+        <p:txBody>
+          <a:bodyPr rtlCol="0" anchor="ctr"/>
+          <a:lstStyle/>
+          <a:p>
+            <a:pPr algn="ctr"/>
+            <a:endParaRPr lang="es-MX"/>
+          </a:p>
+        </p:txBody>
+      </p:sp>
+      <p:sp>
+        <p:nvSpPr>
+          <p:cNvPr id="29" name="CuadroTexto 28">
+            <a:extLst>
+              <a:ext uri="{FF2B5EF4-FFF2-40B4-BE49-F238E27FC236}">
+                <a16:creationId xmlns:a16="http://schemas.microsoft.com/office/drawing/2014/main" id="{506086F5-A26E-4E28-B797-02BF8F973CA4}"/>
               </a:ext>
             </a:extLst>
           </p:cNvPr>
@@ -5578,8 +6285,8 @@
         </p:nvSpPr>
         <p:spPr>
           <a:xfrm>
-            <a:off x="5520964" y="2494342"/>
-            <a:ext cx="4584569" cy="1200329"/>
+            <a:off x="2165021" y="2280069"/>
+            <a:ext cx="1913642" cy="369332"/>
           </a:xfrm>
           <a:prstGeom prst="rect">
             <a:avLst/>
@@ -5592,23 +6299,230 @@
           </a:bodyPr>
           <a:lstStyle/>
           <a:p>
-            <a:r>
-              <a:rPr lang="es-MX" b="1" dirty="0"/>
-              <a:t>Agregación</a:t>
-            </a:r>
+            <a:pPr algn="ctr"/>
             <a:r>
               <a:rPr lang="es-MX" dirty="0"/>
-              <a:t>, donde la clase Empresa es una clase prioridad y si eliminamos la clase Clientes, la clase Empresa puede seguir existiendo.</a:t>
+              <a:t>Transacción A</a:t>
+            </a:r>
+          </a:p>
+        </p:txBody>
+      </p:sp>
+      <p:sp>
+        <p:nvSpPr>
+          <p:cNvPr id="30" name="Rectángulo: esquinas redondeadas 29">
+            <a:extLst>
+              <a:ext uri="{FF2B5EF4-FFF2-40B4-BE49-F238E27FC236}">
+                <a16:creationId xmlns:a16="http://schemas.microsoft.com/office/drawing/2014/main" id="{17C84680-E6ED-4ADB-9329-0B343E7F952F}"/>
+              </a:ext>
+            </a:extLst>
+          </p:cNvPr>
+          <p:cNvSpPr/>
+          <p:nvPr/>
+        </p:nvSpPr>
+        <p:spPr>
+          <a:xfrm>
+            <a:off x="7695412" y="2821777"/>
+            <a:ext cx="1527144" cy="735290"/>
+          </a:xfrm>
+          <a:prstGeom prst="roundRect">
+            <a:avLst/>
+          </a:prstGeom>
+          <a:solidFill>
+            <a:srgbClr val="84CFE1"/>
+          </a:solidFill>
+          <a:ln>
+            <a:solidFill>
+              <a:schemeClr val="tx1"/>
+            </a:solidFill>
+          </a:ln>
+        </p:spPr>
+        <p:style>
+          <a:lnRef idx="2">
+            <a:schemeClr val="accent1">
+              <a:shade val="50000"/>
+            </a:schemeClr>
+          </a:lnRef>
+          <a:fillRef idx="1">
+            <a:schemeClr val="accent1"/>
+          </a:fillRef>
+          <a:effectRef idx="0">
+            <a:schemeClr val="accent1"/>
+          </a:effectRef>
+          <a:fontRef idx="minor">
+            <a:schemeClr val="lt1"/>
+          </a:fontRef>
+        </p:style>
+        <p:txBody>
+          <a:bodyPr rtlCol="0" anchor="ctr"/>
+          <a:lstStyle/>
+          <a:p>
+            <a:pPr algn="ctr"/>
+            <a:r>
+              <a:rPr lang="es-MX" dirty="0" err="1">
+                <a:solidFill>
+                  <a:schemeClr val="tx1"/>
+                </a:solidFill>
+              </a:rPr>
+              <a:t>Insert</a:t>
+            </a:r>
+            <a:endParaRPr lang="es-MX" dirty="0">
+              <a:solidFill>
+                <a:schemeClr val="tx1"/>
+              </a:solidFill>
+            </a:endParaRPr>
+          </a:p>
+        </p:txBody>
+      </p:sp>
+      <p:sp>
+        <p:nvSpPr>
+          <p:cNvPr id="31" name="Rectángulo: esquinas redondeadas 30">
+            <a:extLst>
+              <a:ext uri="{FF2B5EF4-FFF2-40B4-BE49-F238E27FC236}">
+                <a16:creationId xmlns:a16="http://schemas.microsoft.com/office/drawing/2014/main" id="{496CC9DD-EC25-423B-89F3-B1D87F61A173}"/>
+              </a:ext>
+            </a:extLst>
+          </p:cNvPr>
+          <p:cNvSpPr/>
+          <p:nvPr/>
+        </p:nvSpPr>
+        <p:spPr>
+          <a:xfrm>
+            <a:off x="7695412" y="3676081"/>
+            <a:ext cx="1527144" cy="735290"/>
+          </a:xfrm>
+          <a:prstGeom prst="roundRect">
+            <a:avLst/>
+          </a:prstGeom>
+          <a:solidFill>
+            <a:srgbClr val="84CFE1"/>
+          </a:solidFill>
+          <a:ln>
+            <a:solidFill>
+              <a:schemeClr val="tx1"/>
+            </a:solidFill>
+          </a:ln>
+        </p:spPr>
+        <p:style>
+          <a:lnRef idx="2">
+            <a:schemeClr val="accent1">
+              <a:shade val="50000"/>
+            </a:schemeClr>
+          </a:lnRef>
+          <a:fillRef idx="1">
+            <a:schemeClr val="accent1"/>
+          </a:fillRef>
+          <a:effectRef idx="0">
+            <a:schemeClr val="accent1"/>
+          </a:effectRef>
+          <a:fontRef idx="minor">
+            <a:schemeClr val="lt1"/>
+          </a:fontRef>
+        </p:style>
+        <p:txBody>
+          <a:bodyPr rtlCol="0" anchor="ctr"/>
+          <a:lstStyle/>
+          <a:p>
+            <a:pPr algn="ctr"/>
+            <a:r>
+              <a:rPr lang="es-MX" dirty="0">
+                <a:solidFill>
+                  <a:schemeClr val="tx1"/>
+                </a:solidFill>
+              </a:rPr>
+              <a:t>Delete</a:t>
+            </a:r>
+          </a:p>
+        </p:txBody>
+      </p:sp>
+      <p:sp>
+        <p:nvSpPr>
+          <p:cNvPr id="32" name="Rectángulo: esquinas redondeadas 31">
+            <a:extLst>
+              <a:ext uri="{FF2B5EF4-FFF2-40B4-BE49-F238E27FC236}">
+                <a16:creationId xmlns:a16="http://schemas.microsoft.com/office/drawing/2014/main" id="{A486E238-B283-4CA4-A3C7-0F017607A6CF}"/>
+              </a:ext>
+            </a:extLst>
+          </p:cNvPr>
+          <p:cNvSpPr/>
+          <p:nvPr/>
+        </p:nvSpPr>
+        <p:spPr>
+          <a:xfrm>
+            <a:off x="7374901" y="2674482"/>
+            <a:ext cx="2168166" cy="1946636"/>
+          </a:xfrm>
+          <a:prstGeom prst="roundRect">
+            <a:avLst/>
+          </a:prstGeom>
+          <a:noFill/>
+        </p:spPr>
+        <p:style>
+          <a:lnRef idx="2">
+            <a:schemeClr val="accent1">
+              <a:shade val="50000"/>
+            </a:schemeClr>
+          </a:lnRef>
+          <a:fillRef idx="1">
+            <a:schemeClr val="accent1"/>
+          </a:fillRef>
+          <a:effectRef idx="0">
+            <a:schemeClr val="accent1"/>
+          </a:effectRef>
+          <a:fontRef idx="minor">
+            <a:schemeClr val="lt1"/>
+          </a:fontRef>
+        </p:style>
+        <p:txBody>
+          <a:bodyPr rtlCol="0" anchor="ctr"/>
+          <a:lstStyle/>
+          <a:p>
+            <a:pPr algn="ctr"/>
+            <a:endParaRPr lang="es-MX"/>
+          </a:p>
+        </p:txBody>
+      </p:sp>
+      <p:sp>
+        <p:nvSpPr>
+          <p:cNvPr id="33" name="CuadroTexto 32">
+            <a:extLst>
+              <a:ext uri="{FF2B5EF4-FFF2-40B4-BE49-F238E27FC236}">
+                <a16:creationId xmlns:a16="http://schemas.microsoft.com/office/drawing/2014/main" id="{14208946-F73B-4783-96D7-7111EC8CBE80}"/>
+              </a:ext>
+            </a:extLst>
+          </p:cNvPr>
+          <p:cNvSpPr txBox="1"/>
+          <p:nvPr/>
+        </p:nvSpPr>
+        <p:spPr>
+          <a:xfrm>
+            <a:off x="7502163" y="2280069"/>
+            <a:ext cx="1913642" cy="369332"/>
+          </a:xfrm>
+          <a:prstGeom prst="rect">
+            <a:avLst/>
+          </a:prstGeom>
+          <a:noFill/>
+        </p:spPr>
+        <p:txBody>
+          <a:bodyPr wrap="square" rtlCol="0">
+            <a:spAutoFit/>
+          </a:bodyPr>
+          <a:lstStyle/>
+          <a:p>
+            <a:pPr algn="ctr"/>
+            <a:r>
+              <a:rPr lang="es-MX" dirty="0"/>
+              <a:t>Transacción B</a:t>
             </a:r>
           </a:p>
         </p:txBody>
       </p:sp>
       <p:cxnSp>
         <p:nvCxnSpPr>
-          <p:cNvPr id="10" name="Conector recto 9">
-            <a:extLst>
-              <a:ext uri="{FF2B5EF4-FFF2-40B4-BE49-F238E27FC236}">
-                <a16:creationId xmlns:a16="http://schemas.microsoft.com/office/drawing/2014/main" id="{CC49BEDC-FFC6-499C-87DE-446078FD343A}"/>
+          <p:cNvPr id="34" name="Conector recto de flecha 33">
+            <a:extLst>
+              <a:ext uri="{FF2B5EF4-FFF2-40B4-BE49-F238E27FC236}">
+                <a16:creationId xmlns:a16="http://schemas.microsoft.com/office/drawing/2014/main" id="{A16524C1-0FFA-4365-8F1B-56973B8A9AC3}"/>
               </a:ext>
             </a:extLst>
           </p:cNvPr>
@@ -5617,12 +6531,15 @@
         </p:nvCxnSpPr>
         <p:spPr>
           <a:xfrm>
-            <a:off x="311085" y="2490052"/>
-            <a:ext cx="9832157" cy="0"/>
-          </a:xfrm>
-          <a:prstGeom prst="line">
+            <a:off x="4488730" y="3557067"/>
+            <a:ext cx="2573518" cy="0"/>
+          </a:xfrm>
+          <a:prstGeom prst="straightConnector1">
             <a:avLst/>
           </a:prstGeom>
+          <a:ln>
+            <a:tailEnd type="triangle"/>
+          </a:ln>
         </p:spPr>
         <p:style>
           <a:lnRef idx="1">
@@ -5639,48 +6556,12 @@
           </a:fontRef>
         </p:style>
       </p:cxnSp>
-      <p:cxnSp>
-        <p:nvCxnSpPr>
-          <p:cNvPr id="11" name="Conector recto 10">
-            <a:extLst>
-              <a:ext uri="{FF2B5EF4-FFF2-40B4-BE49-F238E27FC236}">
-                <a16:creationId xmlns:a16="http://schemas.microsoft.com/office/drawing/2014/main" id="{A58C92A3-8F7C-47D0-AA22-363C6BB63EA9}"/>
-              </a:ext>
-            </a:extLst>
-          </p:cNvPr>
-          <p:cNvCxnSpPr/>
-          <p:nvPr/>
-        </p:nvCxnSpPr>
-        <p:spPr>
-          <a:xfrm>
-            <a:off x="311084" y="3694671"/>
-            <a:ext cx="9832157" cy="0"/>
-          </a:xfrm>
-          <a:prstGeom prst="line">
-            <a:avLst/>
-          </a:prstGeom>
-        </p:spPr>
-        <p:style>
-          <a:lnRef idx="1">
-            <a:schemeClr val="accent1"/>
-          </a:lnRef>
-          <a:fillRef idx="0">
-            <a:schemeClr val="accent1"/>
-          </a:fillRef>
-          <a:effectRef idx="0">
-            <a:schemeClr val="accent1"/>
-          </a:effectRef>
-          <a:fontRef idx="minor">
-            <a:schemeClr val="tx1"/>
-          </a:fontRef>
-        </p:style>
-      </p:cxnSp>
-      <p:sp>
-        <p:nvSpPr>
-          <p:cNvPr id="12" name="CuadroTexto 11">
-            <a:extLst>
-              <a:ext uri="{FF2B5EF4-FFF2-40B4-BE49-F238E27FC236}">
-                <a16:creationId xmlns:a16="http://schemas.microsoft.com/office/drawing/2014/main" id="{CB50C447-1D80-4516-842C-B61E00DECD25}"/>
+      <p:sp>
+        <p:nvSpPr>
+          <p:cNvPr id="35" name="CuadroTexto 34">
+            <a:extLst>
+              <a:ext uri="{FF2B5EF4-FFF2-40B4-BE49-F238E27FC236}">
+                <a16:creationId xmlns:a16="http://schemas.microsoft.com/office/drawing/2014/main" id="{260F310C-41FF-4593-8FA0-65829AD863F0}"/>
               </a:ext>
             </a:extLst>
           </p:cNvPr>
@@ -5689,8 +6570,8 @@
         </p:nvSpPr>
         <p:spPr>
           <a:xfrm>
-            <a:off x="5399987" y="3782001"/>
-            <a:ext cx="4584569" cy="923330"/>
+            <a:off x="4833592" y="2931601"/>
+            <a:ext cx="1913642" cy="369332"/>
           </a:xfrm>
           <a:prstGeom prst="rect">
             <a:avLst/>
@@ -5703,13 +6584,10 @@
           </a:bodyPr>
           <a:lstStyle/>
           <a:p>
-            <a:r>
-              <a:rPr lang="es-MX" b="1" dirty="0"/>
-              <a:t>Composición</a:t>
-            </a:r>
+            <a:pPr algn="ctr"/>
             <a:r>
               <a:rPr lang="es-MX" dirty="0"/>
-              <a:t>, donde la clase Empresa es una clase fuerte y si eliminamos la clase Empresa, la clase Empleado deja de existir</a:t>
+              <a:t>Independiente</a:t>
             </a:r>
           </a:p>
         </p:txBody>
@@ -5717,7 +6595,7 @@
     </p:spTree>
     <p:extLst>
       <p:ext uri="{BB962C8B-B14F-4D97-AF65-F5344CB8AC3E}">
-        <p14:creationId xmlns:p14="http://schemas.microsoft.com/office/powerpoint/2010/main" val="2116786599"/>
+        <p14:creationId xmlns:p14="http://schemas.microsoft.com/office/powerpoint/2010/main" val="2752950180"/>
       </p:ext>
     </p:extLst>
   </p:cSld>
@@ -5746,38 +6624,10 @@
       </p:grpSpPr>
       <p:sp>
         <p:nvSpPr>
-          <p:cNvPr id="2" name="Título 1">
-            <a:extLst>
-              <a:ext uri="{FF2B5EF4-FFF2-40B4-BE49-F238E27FC236}">
-                <a16:creationId xmlns:a16="http://schemas.microsoft.com/office/drawing/2014/main" id="{DA0579B0-A736-4BDD-8A47-E4DDEFA37014}"/>
-              </a:ext>
-            </a:extLst>
-          </p:cNvPr>
-          <p:cNvSpPr>
-            <a:spLocks noGrp="1"/>
-          </p:cNvSpPr>
-          <p:nvPr>
-            <p:ph type="title"/>
-          </p:nvPr>
-        </p:nvSpPr>
-        <p:spPr/>
-        <p:txBody>
-          <a:bodyPr/>
-          <a:lstStyle/>
-          <a:p>
-            <a:r>
-              <a:rPr lang="es-MX" b="1" dirty="0"/>
-              <a:t>Relaciones en modelo de datos de POO</a:t>
-            </a:r>
-          </a:p>
-        </p:txBody>
-      </p:sp>
-      <p:sp>
-        <p:nvSpPr>
           <p:cNvPr id="3" name="Marcador de contenido 2">
             <a:extLst>
               <a:ext uri="{FF2B5EF4-FFF2-40B4-BE49-F238E27FC236}">
-                <a16:creationId xmlns:a16="http://schemas.microsoft.com/office/drawing/2014/main" id="{1B585475-B2E4-4347-B0E0-774E20D71249}"/>
+                <a16:creationId xmlns:a16="http://schemas.microsoft.com/office/drawing/2014/main" id="{B462B9EF-6591-4EF6-989A-B967B7ABF039}"/>
               </a:ext>
             </a:extLst>
           </p:cNvPr>
@@ -5788,59 +6638,20 @@
             <p:ph idx="1"/>
           </p:nvPr>
         </p:nvSpPr>
-        <p:spPr/>
+        <p:spPr>
+          <a:xfrm>
+            <a:off x="838200" y="480767"/>
+            <a:ext cx="10078039" cy="5778499"/>
+          </a:xfrm>
+        </p:spPr>
         <p:txBody>
           <a:bodyPr/>
           <a:lstStyle/>
           <a:p>
-            <a:r>
-              <a:rPr lang="es-MX" dirty="0"/>
-              <a:t>En modelos E-R existen las relaciones unidireccionales. Donde habrá una </a:t>
-            </a:r>
-            <a:r>
-              <a:rPr lang="es-MX" b="1" dirty="0"/>
-              <a:t>entidad dueña</a:t>
-            </a:r>
-            <a:r>
-              <a:rPr lang="es-MX" dirty="0"/>
-              <a:t> </a:t>
-            </a:r>
-            <a:r>
-              <a:rPr lang="es-MX" b="1" dirty="0"/>
-              <a:t>de la relación</a:t>
-            </a:r>
-            <a:r>
-              <a:rPr lang="es-MX" dirty="0"/>
-              <a:t>. Sin embargo podremos crear relaciones bidireccionales en nuestro modelos de datos de POO.</a:t>
-            </a:r>
-          </a:p>
-          <a:p>
-            <a:r>
-              <a:rPr lang="es-MX" b="1" dirty="0"/>
-              <a:t>Gracias a que existen 4 tipos de relaciones en el modelo de datos de POO. </a:t>
-            </a:r>
-          </a:p>
-          <a:p>
-            <a:pPr lvl="1"/>
+            <a:pPr algn="just"/>
             <a:r>
               <a:rPr lang="es-MX" b="1" dirty="0" err="1"/>
-              <a:t>One</a:t>
-            </a:r>
-            <a:r>
-              <a:rPr lang="es-MX" b="1" dirty="0"/>
-              <a:t> </a:t>
-            </a:r>
-            <a:r>
-              <a:rPr lang="es-MX" b="1" dirty="0" err="1"/>
-              <a:t>to</a:t>
-            </a:r>
-            <a:r>
-              <a:rPr lang="es-MX" b="1" dirty="0"/>
-              <a:t> </a:t>
-            </a:r>
-            <a:r>
-              <a:rPr lang="es-MX" b="1" dirty="0" err="1"/>
-              <a:t>one</a:t>
+              <a:t>Durability</a:t>
             </a:r>
             <a:r>
               <a:rPr lang="es-MX" b="1" dirty="0"/>
@@ -5848,117 +6659,358 @@
             </a:r>
             <a:r>
               <a:rPr lang="es-MX" dirty="0"/>
-              <a:t>Relación donde un elemento puede vincularse al único otro elemento.</a:t>
+              <a:t>Los cambios persisten con el tiempo y no son cambios temporales, sino que cuando la transacción termina ha sido persistida en la base de datos y si se produce un fallo, los datos ya han sido salvados. </a:t>
             </a:r>
             <a:endParaRPr lang="es-MX" b="1" dirty="0"/>
           </a:p>
-          <a:p>
-            <a:pPr lvl="1"/>
-            <a:r>
-              <a:rPr lang="es-MX" b="1" dirty="0" err="1"/>
-              <a:t>One</a:t>
-            </a:r>
-            <a:r>
-              <a:rPr lang="es-MX" b="1" dirty="0"/>
-              <a:t> </a:t>
-            </a:r>
-            <a:r>
-              <a:rPr lang="es-MX" b="1" dirty="0" err="1"/>
-              <a:t>to</a:t>
-            </a:r>
-            <a:r>
-              <a:rPr lang="es-MX" b="1" dirty="0"/>
-              <a:t> </a:t>
-            </a:r>
-            <a:r>
-              <a:rPr lang="es-MX" b="1" dirty="0" err="1"/>
-              <a:t>Many</a:t>
-            </a:r>
-            <a:r>
-              <a:rPr lang="es-MX" b="1" dirty="0"/>
-              <a:t>: </a:t>
-            </a:r>
+        </p:txBody>
+      </p:sp>
+      <p:sp>
+        <p:nvSpPr>
+          <p:cNvPr id="24" name="Rectángulo: esquinas redondeadas 23">
+            <a:extLst>
+              <a:ext uri="{FF2B5EF4-FFF2-40B4-BE49-F238E27FC236}">
+                <a16:creationId xmlns:a16="http://schemas.microsoft.com/office/drawing/2014/main" id="{C7C7CE58-7CC2-4C52-81BF-11882CC34AA2}"/>
+              </a:ext>
+            </a:extLst>
+          </p:cNvPr>
+          <p:cNvSpPr/>
+          <p:nvPr/>
+        </p:nvSpPr>
+        <p:spPr>
+          <a:xfrm>
+            <a:off x="2358270" y="2821777"/>
+            <a:ext cx="1527144" cy="735290"/>
+          </a:xfrm>
+          <a:prstGeom prst="roundRect">
+            <a:avLst/>
+          </a:prstGeom>
+          <a:solidFill>
+            <a:srgbClr val="84CFE1"/>
+          </a:solidFill>
+          <a:ln>
+            <a:solidFill>
+              <a:schemeClr val="tx1"/>
+            </a:solidFill>
+          </a:ln>
+        </p:spPr>
+        <p:style>
+          <a:lnRef idx="2">
+            <a:schemeClr val="accent1">
+              <a:shade val="50000"/>
+            </a:schemeClr>
+          </a:lnRef>
+          <a:fillRef idx="1">
+            <a:schemeClr val="accent1"/>
+          </a:fillRef>
+          <a:effectRef idx="0">
+            <a:schemeClr val="accent1"/>
+          </a:effectRef>
+          <a:fontRef idx="minor">
+            <a:schemeClr val="lt1"/>
+          </a:fontRef>
+        </p:style>
+        <p:txBody>
+          <a:bodyPr rtlCol="0" anchor="ctr"/>
+          <a:lstStyle/>
+          <a:p>
+            <a:pPr algn="ctr"/>
+            <a:r>
+              <a:rPr lang="es-MX" dirty="0" err="1">
+                <a:solidFill>
+                  <a:schemeClr val="tx1"/>
+                </a:solidFill>
+              </a:rPr>
+              <a:t>Insert</a:t>
+            </a:r>
+            <a:endParaRPr lang="es-MX" dirty="0">
+              <a:solidFill>
+                <a:schemeClr val="tx1"/>
+              </a:solidFill>
+            </a:endParaRPr>
+          </a:p>
+        </p:txBody>
+      </p:sp>
+      <p:sp>
+        <p:nvSpPr>
+          <p:cNvPr id="25" name="Rectángulo: esquinas redondeadas 24">
+            <a:extLst>
+              <a:ext uri="{FF2B5EF4-FFF2-40B4-BE49-F238E27FC236}">
+                <a16:creationId xmlns:a16="http://schemas.microsoft.com/office/drawing/2014/main" id="{395C88ED-56A0-45CB-ABDE-AE7D8BA3B30A}"/>
+              </a:ext>
+            </a:extLst>
+          </p:cNvPr>
+          <p:cNvSpPr/>
+          <p:nvPr/>
+        </p:nvSpPr>
+        <p:spPr>
+          <a:xfrm>
+            <a:off x="2358270" y="3676081"/>
+            <a:ext cx="1527144" cy="735290"/>
+          </a:xfrm>
+          <a:prstGeom prst="roundRect">
+            <a:avLst/>
+          </a:prstGeom>
+          <a:solidFill>
+            <a:srgbClr val="84CFE1"/>
+          </a:solidFill>
+          <a:ln>
+            <a:solidFill>
+              <a:schemeClr val="tx1"/>
+            </a:solidFill>
+          </a:ln>
+        </p:spPr>
+        <p:style>
+          <a:lnRef idx="2">
+            <a:schemeClr val="accent1">
+              <a:shade val="50000"/>
+            </a:schemeClr>
+          </a:lnRef>
+          <a:fillRef idx="1">
+            <a:schemeClr val="accent1"/>
+          </a:fillRef>
+          <a:effectRef idx="0">
+            <a:schemeClr val="accent1"/>
+          </a:effectRef>
+          <a:fontRef idx="minor">
+            <a:schemeClr val="lt1"/>
+          </a:fontRef>
+        </p:style>
+        <p:txBody>
+          <a:bodyPr rtlCol="0" anchor="ctr"/>
+          <a:lstStyle/>
+          <a:p>
+            <a:pPr algn="ctr"/>
+            <a:r>
+              <a:rPr lang="es-MX" dirty="0">
+                <a:solidFill>
+                  <a:schemeClr val="tx1"/>
+                </a:solidFill>
+              </a:rPr>
+              <a:t>Update</a:t>
+            </a:r>
+          </a:p>
+        </p:txBody>
+      </p:sp>
+      <p:sp>
+        <p:nvSpPr>
+          <p:cNvPr id="26" name="Rectángulo: esquinas redondeadas 25">
+            <a:extLst>
+              <a:ext uri="{FF2B5EF4-FFF2-40B4-BE49-F238E27FC236}">
+                <a16:creationId xmlns:a16="http://schemas.microsoft.com/office/drawing/2014/main" id="{2793066E-B525-4AA5-A341-F34D49E816B4}"/>
+              </a:ext>
+            </a:extLst>
+          </p:cNvPr>
+          <p:cNvSpPr/>
+          <p:nvPr/>
+        </p:nvSpPr>
+        <p:spPr>
+          <a:xfrm>
+            <a:off x="2037759" y="2674482"/>
+            <a:ext cx="2168166" cy="1946636"/>
+          </a:xfrm>
+          <a:prstGeom prst="roundRect">
+            <a:avLst/>
+          </a:prstGeom>
+          <a:noFill/>
+        </p:spPr>
+        <p:style>
+          <a:lnRef idx="2">
+            <a:schemeClr val="accent1">
+              <a:shade val="50000"/>
+            </a:schemeClr>
+          </a:lnRef>
+          <a:fillRef idx="1">
+            <a:schemeClr val="accent1"/>
+          </a:fillRef>
+          <a:effectRef idx="0">
+            <a:schemeClr val="accent1"/>
+          </a:effectRef>
+          <a:fontRef idx="minor">
+            <a:schemeClr val="lt1"/>
+          </a:fontRef>
+        </p:style>
+        <p:txBody>
+          <a:bodyPr rtlCol="0" anchor="ctr"/>
+          <a:lstStyle/>
+          <a:p>
+            <a:pPr algn="ctr"/>
+            <a:endParaRPr lang="es-MX"/>
+          </a:p>
+        </p:txBody>
+      </p:sp>
+      <p:sp>
+        <p:nvSpPr>
+          <p:cNvPr id="29" name="CuadroTexto 28">
+            <a:extLst>
+              <a:ext uri="{FF2B5EF4-FFF2-40B4-BE49-F238E27FC236}">
+                <a16:creationId xmlns:a16="http://schemas.microsoft.com/office/drawing/2014/main" id="{506086F5-A26E-4E28-B797-02BF8F973CA4}"/>
+              </a:ext>
+            </a:extLst>
+          </p:cNvPr>
+          <p:cNvSpPr txBox="1"/>
+          <p:nvPr/>
+        </p:nvSpPr>
+        <p:spPr>
+          <a:xfrm>
+            <a:off x="2165021" y="2280069"/>
+            <a:ext cx="1913642" cy="369332"/>
+          </a:xfrm>
+          <a:prstGeom prst="rect">
+            <a:avLst/>
+          </a:prstGeom>
+          <a:noFill/>
+        </p:spPr>
+        <p:txBody>
+          <a:bodyPr wrap="square" rtlCol="0">
+            <a:spAutoFit/>
+          </a:bodyPr>
+          <a:lstStyle/>
+          <a:p>
+            <a:pPr algn="ctr"/>
             <a:r>
               <a:rPr lang="es-MX" dirty="0"/>
-              <a:t>Relación donde cada fila de la entidad se hace referencia a muchos registros secundarios en otra entidad.</a:t>
-            </a:r>
-          </a:p>
-          <a:p>
-            <a:pPr lvl="1"/>
-            <a:r>
-              <a:rPr lang="es-MX" b="1" dirty="0" err="1"/>
-              <a:t>Many</a:t>
-            </a:r>
-            <a:r>
-              <a:rPr lang="es-MX" b="1" dirty="0"/>
-              <a:t> </a:t>
-            </a:r>
-            <a:r>
-              <a:rPr lang="es-MX" b="1" dirty="0" err="1"/>
-              <a:t>to</a:t>
-            </a:r>
-            <a:r>
-              <a:rPr lang="es-MX" b="1" dirty="0"/>
-              <a:t> </a:t>
-            </a:r>
-            <a:r>
-              <a:rPr lang="es-MX" b="1" dirty="0" err="1"/>
-              <a:t>One</a:t>
-            </a:r>
-            <a:r>
-              <a:rPr lang="es-MX" b="1" dirty="0"/>
-              <a:t>: </a:t>
-            </a:r>
+              <a:t>Transacción A</a:t>
+            </a:r>
+          </a:p>
+        </p:txBody>
+      </p:sp>
+      <p:cxnSp>
+        <p:nvCxnSpPr>
+          <p:cNvPr id="34" name="Conector recto de flecha 33">
+            <a:extLst>
+              <a:ext uri="{FF2B5EF4-FFF2-40B4-BE49-F238E27FC236}">
+                <a16:creationId xmlns:a16="http://schemas.microsoft.com/office/drawing/2014/main" id="{A16524C1-0FFA-4365-8F1B-56973B8A9AC3}"/>
+              </a:ext>
+            </a:extLst>
+          </p:cNvPr>
+          <p:cNvCxnSpPr/>
+          <p:nvPr/>
+        </p:nvCxnSpPr>
+        <p:spPr>
+          <a:xfrm>
+            <a:off x="4488730" y="3557067"/>
+            <a:ext cx="2573518" cy="0"/>
+          </a:xfrm>
+          <a:prstGeom prst="straightConnector1">
+            <a:avLst/>
+          </a:prstGeom>
+          <a:ln>
+            <a:tailEnd type="triangle"/>
+          </a:ln>
+        </p:spPr>
+        <p:style>
+          <a:lnRef idx="1">
+            <a:schemeClr val="accent1"/>
+          </a:lnRef>
+          <a:fillRef idx="0">
+            <a:schemeClr val="accent1"/>
+          </a:fillRef>
+          <a:effectRef idx="0">
+            <a:schemeClr val="accent1"/>
+          </a:effectRef>
+          <a:fontRef idx="minor">
+            <a:schemeClr val="tx1"/>
+          </a:fontRef>
+        </p:style>
+      </p:cxnSp>
+      <p:sp>
+        <p:nvSpPr>
+          <p:cNvPr id="35" name="CuadroTexto 34">
+            <a:extLst>
+              <a:ext uri="{FF2B5EF4-FFF2-40B4-BE49-F238E27FC236}">
+                <a16:creationId xmlns:a16="http://schemas.microsoft.com/office/drawing/2014/main" id="{260F310C-41FF-4593-8FA0-65829AD863F0}"/>
+              </a:ext>
+            </a:extLst>
+          </p:cNvPr>
+          <p:cNvSpPr txBox="1"/>
+          <p:nvPr/>
+        </p:nvSpPr>
+        <p:spPr>
+          <a:xfrm>
+            <a:off x="4833592" y="2931601"/>
+            <a:ext cx="1913642" cy="369332"/>
+          </a:xfrm>
+          <a:prstGeom prst="rect">
+            <a:avLst/>
+          </a:prstGeom>
+          <a:noFill/>
+        </p:spPr>
+        <p:txBody>
+          <a:bodyPr wrap="square" rtlCol="0">
+            <a:spAutoFit/>
+          </a:bodyPr>
+          <a:lstStyle/>
+          <a:p>
+            <a:pPr algn="ctr"/>
             <a:r>
               <a:rPr lang="es-MX" dirty="0"/>
-              <a:t>Relación entre las entidades donde se hace referencia a una entidad con valores únicos que contiene la otra entidad.</a:t>
-            </a:r>
-            <a:endParaRPr lang="es-MX" b="1" dirty="0"/>
-          </a:p>
-          <a:p>
-            <a:pPr lvl="1"/>
-            <a:r>
-              <a:rPr lang="es-MX" b="1" dirty="0" err="1"/>
-              <a:t>Many</a:t>
-            </a:r>
-            <a:r>
-              <a:rPr lang="es-MX" b="1" dirty="0"/>
-              <a:t> </a:t>
-            </a:r>
-            <a:r>
-              <a:rPr lang="es-MX" b="1" dirty="0" err="1"/>
-              <a:t>to</a:t>
-            </a:r>
-            <a:r>
-              <a:rPr lang="es-MX" b="1" dirty="0"/>
-              <a:t> </a:t>
-            </a:r>
-            <a:r>
-              <a:rPr lang="es-MX" b="1" dirty="0" err="1"/>
-              <a:t>many</a:t>
-            </a:r>
-            <a:r>
-              <a:rPr lang="es-MX" b="1" dirty="0"/>
-              <a:t>: </a:t>
-            </a:r>
+              <a:t>Persiste</a:t>
+            </a:r>
+          </a:p>
+        </p:txBody>
+      </p:sp>
+      <p:sp>
+        <p:nvSpPr>
+          <p:cNvPr id="13" name="Diagrama de flujo: disco magnético 12">
+            <a:extLst>
+              <a:ext uri="{FF2B5EF4-FFF2-40B4-BE49-F238E27FC236}">
+                <a16:creationId xmlns:a16="http://schemas.microsoft.com/office/drawing/2014/main" id="{3102BC24-153E-470D-88CE-002E18C4ACDB}"/>
+              </a:ext>
+            </a:extLst>
+          </p:cNvPr>
+          <p:cNvSpPr/>
+          <p:nvPr/>
+        </p:nvSpPr>
+        <p:spPr>
+          <a:xfrm>
+            <a:off x="7382762" y="2931601"/>
+            <a:ext cx="1206630" cy="1376292"/>
+          </a:xfrm>
+          <a:prstGeom prst="flowChartMagneticDisk">
+            <a:avLst/>
+          </a:prstGeom>
+          <a:solidFill>
+            <a:srgbClr val="005E8C"/>
+          </a:solidFill>
+          <a:ln>
+            <a:solidFill>
+              <a:schemeClr val="bg1"/>
+            </a:solidFill>
+          </a:ln>
+        </p:spPr>
+        <p:style>
+          <a:lnRef idx="2">
+            <a:schemeClr val="accent1">
+              <a:shade val="50000"/>
+            </a:schemeClr>
+          </a:lnRef>
+          <a:fillRef idx="1">
+            <a:schemeClr val="accent1"/>
+          </a:fillRef>
+          <a:effectRef idx="0">
+            <a:schemeClr val="accent1"/>
+          </a:effectRef>
+          <a:fontRef idx="minor">
+            <a:schemeClr val="lt1"/>
+          </a:fontRef>
+        </p:style>
+        <p:txBody>
+          <a:bodyPr rtlCol="0" anchor="ctr"/>
+          <a:lstStyle/>
+          <a:p>
+            <a:pPr algn="ctr"/>
             <a:r>
               <a:rPr lang="es-MX" dirty="0"/>
-              <a:t>Relación de varios a varios donde una o más filas de una entidad se asocian a más de una fila en otra entidad. </a:t>
-            </a:r>
-            <a:endParaRPr lang="es-MX" b="1" dirty="0"/>
-          </a:p>
-          <a:p>
-            <a:pPr marL="0" indent="0">
-              <a:buNone/>
-            </a:pPr>
-            <a:endParaRPr lang="es-MX" b="1" dirty="0"/>
+              <a:t>Base de datos</a:t>
+            </a:r>
           </a:p>
         </p:txBody>
       </p:sp>
     </p:spTree>
     <p:extLst>
       <p:ext uri="{BB962C8B-B14F-4D97-AF65-F5344CB8AC3E}">
-        <p14:creationId xmlns:p14="http://schemas.microsoft.com/office/powerpoint/2010/main" val="83241723"/>
+        <p14:creationId xmlns:p14="http://schemas.microsoft.com/office/powerpoint/2010/main" val="817661317"/>
       </p:ext>
     </p:extLst>
   </p:cSld>
@@ -5990,7 +7042,7 @@
           <p:cNvPr id="2" name="Título 1">
             <a:extLst>
               <a:ext uri="{FF2B5EF4-FFF2-40B4-BE49-F238E27FC236}">
-                <a16:creationId xmlns:a16="http://schemas.microsoft.com/office/drawing/2014/main" id="{1D188781-0C52-40C1-AE86-604518E9A841}"/>
+                <a16:creationId xmlns:a16="http://schemas.microsoft.com/office/drawing/2014/main" id="{EDAEEE7F-6F9A-4572-8268-F454891B2565}"/>
               </a:ext>
             </a:extLst>
           </p:cNvPr>
@@ -6008,7 +7060,7 @@
           <a:p>
             <a:r>
               <a:rPr lang="es-MX" b="1" dirty="0"/>
-              <a:t>Relaciones en bases de datos</a:t>
+              <a:t>Relaciones en POO</a:t>
             </a:r>
           </a:p>
         </p:txBody>
@@ -6018,7 +7070,7 @@
           <p:cNvPr id="3" name="Marcador de contenido 2">
             <a:extLst>
               <a:ext uri="{FF2B5EF4-FFF2-40B4-BE49-F238E27FC236}">
-                <a16:creationId xmlns:a16="http://schemas.microsoft.com/office/drawing/2014/main" id="{18773DA1-AD01-4029-AD65-69282D97B22C}"/>
+                <a16:creationId xmlns:a16="http://schemas.microsoft.com/office/drawing/2014/main" id="{EBA9E704-3B02-46A5-9134-2FF10AD14832}"/>
               </a:ext>
             </a:extLst>
           </p:cNvPr>
@@ -6032,37 +7084,45 @@
         <p:spPr>
           <a:xfrm>
             <a:off x="838200" y="1295570"/>
-            <a:ext cx="10515600" cy="853741"/>
+            <a:ext cx="4403103" cy="4963696"/>
           </a:xfrm>
         </p:spPr>
         <p:txBody>
           <a:bodyPr/>
           <a:lstStyle/>
           <a:p>
+            <a:pPr algn="just"/>
+            <a:r>
+              <a:rPr lang="es-MX" b="1" dirty="0"/>
+              <a:t>Asociación: </a:t>
+            </a:r>
             <a:r>
               <a:rPr lang="es-MX" dirty="0"/>
-              <a:t>Entonces en los modelos E-R solo tenemos las relaciones unidireccionales. Donde habrá una </a:t>
-            </a:r>
+              <a:t>Relación donde los objetos tienen su propio ciclo de vida y no hay ninguna clase propietaria.</a:t>
+            </a:r>
+          </a:p>
+          <a:p>
+            <a:pPr algn="just"/>
             <a:r>
               <a:rPr lang="es-MX" b="1" dirty="0"/>
-              <a:t>entidad dueña</a:t>
+              <a:t>Agregación: </a:t>
             </a:r>
             <a:r>
               <a:rPr lang="es-MX" dirty="0"/>
-              <a:t> </a:t>
-            </a:r>
+              <a:t>Es una forma especializada de la asociación, donde todos los objetos tienen su propio ciclo de vida, pero hay prioridad.</a:t>
+            </a:r>
+          </a:p>
+          <a:p>
+            <a:pPr algn="just"/>
             <a:r>
               <a:rPr lang="es-MX" b="1" dirty="0"/>
-              <a:t>de la relación</a:t>
+              <a:t>Composición: </a:t>
             </a:r>
             <a:r>
               <a:rPr lang="es-MX" dirty="0"/>
-              <a:t>. </a:t>
-            </a:r>
-            <a:r>
-              <a:rPr lang="es-MX" b="1" dirty="0"/>
-              <a:t>Y la entidad dueña será la que contendrá la llave primaria de la entidad débil. Esto será dependiendo la relación. </a:t>
-            </a:r>
+              <a:t>Es una forma especializada de agregación. Donde el objeto secundario no tiene ciclo de vida propio, sino que depende del objeto principal. En este caso el objeto es un tipo fuerte de agregación. </a:t>
+            </a:r>
+            <a:endParaRPr lang="es-MX" b="1" dirty="0"/>
           </a:p>
         </p:txBody>
       </p:sp>
@@ -6071,7 +7131,7 @@
           <p:cNvPr id="5" name="Imagen 4">
             <a:extLst>
               <a:ext uri="{FF2B5EF4-FFF2-40B4-BE49-F238E27FC236}">
-                <a16:creationId xmlns:a16="http://schemas.microsoft.com/office/drawing/2014/main" id="{A5B8D946-40B2-49B2-84ED-D71CA4F73472}"/>
+                <a16:creationId xmlns:a16="http://schemas.microsoft.com/office/drawing/2014/main" id="{920F05B3-B569-418D-A299-16089451BE77}"/>
               </a:ext>
             </a:extLst>
           </p:cNvPr>
@@ -6088,18 +7148,198 @@
         </p:blipFill>
         <p:spPr>
           <a:xfrm>
-            <a:off x="2414587" y="2149311"/>
-            <a:ext cx="7362825" cy="4495800"/>
+            <a:off x="10385194" y="1228872"/>
+            <a:ext cx="1428750" cy="2352675"/>
           </a:xfrm>
           <a:prstGeom prst="rect">
             <a:avLst/>
           </a:prstGeom>
         </p:spPr>
       </p:pic>
+      <p:pic>
+        <p:nvPicPr>
+          <p:cNvPr id="7" name="Imagen 6">
+            <a:extLst>
+              <a:ext uri="{FF2B5EF4-FFF2-40B4-BE49-F238E27FC236}">
+                <a16:creationId xmlns:a16="http://schemas.microsoft.com/office/drawing/2014/main" id="{7F87F2E0-DD35-450A-B1FE-7652F2C2FBEC}"/>
+              </a:ext>
+            </a:extLst>
+          </p:cNvPr>
+          <p:cNvPicPr>
+            <a:picLocks noChangeAspect="1"/>
+          </p:cNvPicPr>
+          <p:nvPr/>
+        </p:nvPicPr>
+        <p:blipFill>
+          <a:blip r:embed="rId3"/>
+          <a:stretch>
+            <a:fillRect/>
+          </a:stretch>
+        </p:blipFill>
+        <p:spPr>
+          <a:xfrm>
+            <a:off x="10432327" y="3777418"/>
+            <a:ext cx="1657350" cy="2409825"/>
+          </a:xfrm>
+          <a:prstGeom prst="rect">
+            <a:avLst/>
+          </a:prstGeom>
+        </p:spPr>
+      </p:pic>
+      <p:sp>
+        <p:nvSpPr>
+          <p:cNvPr id="8" name="CuadroTexto 7">
+            <a:extLst>
+              <a:ext uri="{FF2B5EF4-FFF2-40B4-BE49-F238E27FC236}">
+                <a16:creationId xmlns:a16="http://schemas.microsoft.com/office/drawing/2014/main" id="{5DCA5E92-4FE6-43B9-88E4-5BA157B23F16}"/>
+              </a:ext>
+            </a:extLst>
+          </p:cNvPr>
+          <p:cNvSpPr txBox="1"/>
+          <p:nvPr/>
+        </p:nvSpPr>
+        <p:spPr>
+          <a:xfrm>
+            <a:off x="5520964" y="2494342"/>
+            <a:ext cx="4584569" cy="1200329"/>
+          </a:xfrm>
+          <a:prstGeom prst="rect">
+            <a:avLst/>
+          </a:prstGeom>
+          <a:noFill/>
+        </p:spPr>
+        <p:txBody>
+          <a:bodyPr wrap="square" rtlCol="0">
+            <a:spAutoFit/>
+          </a:bodyPr>
+          <a:lstStyle/>
+          <a:p>
+            <a:r>
+              <a:rPr lang="es-MX" b="1" dirty="0"/>
+              <a:t>Agregación</a:t>
+            </a:r>
+            <a:r>
+              <a:rPr lang="es-MX" dirty="0"/>
+              <a:t>, donde la clase Empresa es una clase prioridad y si eliminamos la clase Clientes, la clase Empresa puede seguir existiendo.</a:t>
+            </a:r>
+          </a:p>
+        </p:txBody>
+      </p:sp>
+      <p:cxnSp>
+        <p:nvCxnSpPr>
+          <p:cNvPr id="10" name="Conector recto 9">
+            <a:extLst>
+              <a:ext uri="{FF2B5EF4-FFF2-40B4-BE49-F238E27FC236}">
+                <a16:creationId xmlns:a16="http://schemas.microsoft.com/office/drawing/2014/main" id="{CC49BEDC-FFC6-499C-87DE-446078FD343A}"/>
+              </a:ext>
+            </a:extLst>
+          </p:cNvPr>
+          <p:cNvCxnSpPr/>
+          <p:nvPr/>
+        </p:nvCxnSpPr>
+        <p:spPr>
+          <a:xfrm>
+            <a:off x="311085" y="2490052"/>
+            <a:ext cx="9832157" cy="0"/>
+          </a:xfrm>
+          <a:prstGeom prst="line">
+            <a:avLst/>
+          </a:prstGeom>
+        </p:spPr>
+        <p:style>
+          <a:lnRef idx="1">
+            <a:schemeClr val="accent1"/>
+          </a:lnRef>
+          <a:fillRef idx="0">
+            <a:schemeClr val="accent1"/>
+          </a:fillRef>
+          <a:effectRef idx="0">
+            <a:schemeClr val="accent1"/>
+          </a:effectRef>
+          <a:fontRef idx="minor">
+            <a:schemeClr val="tx1"/>
+          </a:fontRef>
+        </p:style>
+      </p:cxnSp>
+      <p:cxnSp>
+        <p:nvCxnSpPr>
+          <p:cNvPr id="11" name="Conector recto 10">
+            <a:extLst>
+              <a:ext uri="{FF2B5EF4-FFF2-40B4-BE49-F238E27FC236}">
+                <a16:creationId xmlns:a16="http://schemas.microsoft.com/office/drawing/2014/main" id="{A58C92A3-8F7C-47D0-AA22-363C6BB63EA9}"/>
+              </a:ext>
+            </a:extLst>
+          </p:cNvPr>
+          <p:cNvCxnSpPr/>
+          <p:nvPr/>
+        </p:nvCxnSpPr>
+        <p:spPr>
+          <a:xfrm>
+            <a:off x="311084" y="3694671"/>
+            <a:ext cx="9832157" cy="0"/>
+          </a:xfrm>
+          <a:prstGeom prst="line">
+            <a:avLst/>
+          </a:prstGeom>
+        </p:spPr>
+        <p:style>
+          <a:lnRef idx="1">
+            <a:schemeClr val="accent1"/>
+          </a:lnRef>
+          <a:fillRef idx="0">
+            <a:schemeClr val="accent1"/>
+          </a:fillRef>
+          <a:effectRef idx="0">
+            <a:schemeClr val="accent1"/>
+          </a:effectRef>
+          <a:fontRef idx="minor">
+            <a:schemeClr val="tx1"/>
+          </a:fontRef>
+        </p:style>
+      </p:cxnSp>
+      <p:sp>
+        <p:nvSpPr>
+          <p:cNvPr id="12" name="CuadroTexto 11">
+            <a:extLst>
+              <a:ext uri="{FF2B5EF4-FFF2-40B4-BE49-F238E27FC236}">
+                <a16:creationId xmlns:a16="http://schemas.microsoft.com/office/drawing/2014/main" id="{CB50C447-1D80-4516-842C-B61E00DECD25}"/>
+              </a:ext>
+            </a:extLst>
+          </p:cNvPr>
+          <p:cNvSpPr txBox="1"/>
+          <p:nvPr/>
+        </p:nvSpPr>
+        <p:spPr>
+          <a:xfrm>
+            <a:off x="5399987" y="3782001"/>
+            <a:ext cx="4584569" cy="923330"/>
+          </a:xfrm>
+          <a:prstGeom prst="rect">
+            <a:avLst/>
+          </a:prstGeom>
+          <a:noFill/>
+        </p:spPr>
+        <p:txBody>
+          <a:bodyPr wrap="square" rtlCol="0">
+            <a:spAutoFit/>
+          </a:bodyPr>
+          <a:lstStyle/>
+          <a:p>
+            <a:r>
+              <a:rPr lang="es-MX" b="1" dirty="0"/>
+              <a:t>Composición</a:t>
+            </a:r>
+            <a:r>
+              <a:rPr lang="es-MX" dirty="0"/>
+              <a:t>, donde la clase Empresa es una clase fuerte y si eliminamos la clase Empresa, la clase Empleado deja de existir</a:t>
+            </a:r>
+          </a:p>
+        </p:txBody>
+      </p:sp>
     </p:spTree>
     <p:extLst>
       <p:ext uri="{BB962C8B-B14F-4D97-AF65-F5344CB8AC3E}">
-        <p14:creationId xmlns:p14="http://schemas.microsoft.com/office/powerpoint/2010/main" val="4244951663"/>
+        <p14:creationId xmlns:p14="http://schemas.microsoft.com/office/powerpoint/2010/main" val="2116786599"/>
       </p:ext>
     </p:extLst>
   </p:cSld>
@@ -6131,7 +7371,7 @@
           <p:cNvPr id="2" name="Título 1">
             <a:extLst>
               <a:ext uri="{FF2B5EF4-FFF2-40B4-BE49-F238E27FC236}">
-                <a16:creationId xmlns:a16="http://schemas.microsoft.com/office/drawing/2014/main" id="{7E2BCF5C-F1DB-4095-9AA1-8C49D9D0800C}"/>
+                <a16:creationId xmlns:a16="http://schemas.microsoft.com/office/drawing/2014/main" id="{DA0579B0-A736-4BDD-8A47-E4DDEFA37014}"/>
               </a:ext>
             </a:extLst>
           </p:cNvPr>
@@ -6147,7 +7387,10 @@
           <a:bodyPr/>
           <a:lstStyle/>
           <a:p>
-            <a:endParaRPr lang="es-MX"/>
+            <a:r>
+              <a:rPr lang="es-MX" b="1" dirty="0"/>
+              <a:t>Relaciones en modelo de datos de POO</a:t>
+            </a:r>
           </a:p>
         </p:txBody>
       </p:sp>
@@ -6156,7 +7399,7 @@
           <p:cNvPr id="3" name="Marcador de contenido 2">
             <a:extLst>
               <a:ext uri="{FF2B5EF4-FFF2-40B4-BE49-F238E27FC236}">
-                <a16:creationId xmlns:a16="http://schemas.microsoft.com/office/drawing/2014/main" id="{67BA497F-93DD-45A0-BBF7-28774ACBF5BD}"/>
+                <a16:creationId xmlns:a16="http://schemas.microsoft.com/office/drawing/2014/main" id="{1B585475-B2E4-4347-B0E0-774E20D71249}"/>
               </a:ext>
             </a:extLst>
           </p:cNvPr>
@@ -6172,44 +7415,172 @@
           <a:bodyPr/>
           <a:lstStyle/>
           <a:p>
-            <a:endParaRPr lang="es-MX"/>
-          </a:p>
-        </p:txBody>
-      </p:sp>
-      <p:pic>
-        <p:nvPicPr>
-          <p:cNvPr id="5" name="Imagen 4">
-            <a:extLst>
-              <a:ext uri="{FF2B5EF4-FFF2-40B4-BE49-F238E27FC236}">
-                <a16:creationId xmlns:a16="http://schemas.microsoft.com/office/drawing/2014/main" id="{985C01BF-9F0D-4920-8BBF-1B696F6C542E}"/>
-              </a:ext>
-            </a:extLst>
-          </p:cNvPr>
-          <p:cNvPicPr>
-            <a:picLocks noChangeAspect="1"/>
-          </p:cNvPicPr>
-          <p:nvPr/>
-        </p:nvPicPr>
-        <p:blipFill>
-          <a:blip r:embed="rId2"/>
-          <a:stretch>
-            <a:fillRect/>
-          </a:stretch>
-        </p:blipFill>
-        <p:spPr>
-          <a:xfrm>
-            <a:off x="961708" y="486422"/>
-            <a:ext cx="10268583" cy="5885156"/>
-          </a:xfrm>
-          <a:prstGeom prst="rect">
-            <a:avLst/>
-          </a:prstGeom>
-        </p:spPr>
-      </p:pic>
+            <a:r>
+              <a:rPr lang="es-MX" dirty="0"/>
+              <a:t>En modelos E-R existen las relaciones unidireccionales. Donde habrá una </a:t>
+            </a:r>
+            <a:r>
+              <a:rPr lang="es-MX" b="1" dirty="0"/>
+              <a:t>entidad dueña</a:t>
+            </a:r>
+            <a:r>
+              <a:rPr lang="es-MX" dirty="0"/>
+              <a:t> </a:t>
+            </a:r>
+            <a:r>
+              <a:rPr lang="es-MX" b="1" dirty="0"/>
+              <a:t>de la relación</a:t>
+            </a:r>
+            <a:r>
+              <a:rPr lang="es-MX" dirty="0"/>
+              <a:t>. Sin embargo podremos crear relaciones bidireccionales en nuestro modelos de datos de POO.</a:t>
+            </a:r>
+          </a:p>
+          <a:p>
+            <a:r>
+              <a:rPr lang="es-MX" b="1" dirty="0"/>
+              <a:t>Gracias a que existen 4 tipos de relaciones en el modelo de datos de POO. </a:t>
+            </a:r>
+          </a:p>
+          <a:p>
+            <a:pPr lvl="1"/>
+            <a:r>
+              <a:rPr lang="es-MX" b="1" dirty="0" err="1"/>
+              <a:t>One</a:t>
+            </a:r>
+            <a:r>
+              <a:rPr lang="es-MX" b="1" dirty="0"/>
+              <a:t> </a:t>
+            </a:r>
+            <a:r>
+              <a:rPr lang="es-MX" b="1" dirty="0" err="1"/>
+              <a:t>to</a:t>
+            </a:r>
+            <a:r>
+              <a:rPr lang="es-MX" b="1" dirty="0"/>
+              <a:t> </a:t>
+            </a:r>
+            <a:r>
+              <a:rPr lang="es-MX" b="1" dirty="0" err="1"/>
+              <a:t>one</a:t>
+            </a:r>
+            <a:r>
+              <a:rPr lang="es-MX" b="1" dirty="0"/>
+              <a:t>: </a:t>
+            </a:r>
+            <a:r>
+              <a:rPr lang="es-MX" dirty="0"/>
+              <a:t>Relación donde un elemento puede vincularse al único otro elemento.</a:t>
+            </a:r>
+            <a:endParaRPr lang="es-MX" b="1" dirty="0"/>
+          </a:p>
+          <a:p>
+            <a:pPr lvl="1"/>
+            <a:r>
+              <a:rPr lang="es-MX" b="1" dirty="0" err="1"/>
+              <a:t>One</a:t>
+            </a:r>
+            <a:r>
+              <a:rPr lang="es-MX" b="1" dirty="0"/>
+              <a:t> </a:t>
+            </a:r>
+            <a:r>
+              <a:rPr lang="es-MX" b="1" dirty="0" err="1"/>
+              <a:t>to</a:t>
+            </a:r>
+            <a:r>
+              <a:rPr lang="es-MX" b="1" dirty="0"/>
+              <a:t> </a:t>
+            </a:r>
+            <a:r>
+              <a:rPr lang="es-MX" b="1" dirty="0" err="1"/>
+              <a:t>Many</a:t>
+            </a:r>
+            <a:r>
+              <a:rPr lang="es-MX" b="1" dirty="0"/>
+              <a:t>: </a:t>
+            </a:r>
+            <a:r>
+              <a:rPr lang="es-MX" dirty="0"/>
+              <a:t>Relación donde cada fila de la entidad se hace referencia a muchos registros secundarios en otra entidad.</a:t>
+            </a:r>
+          </a:p>
+          <a:p>
+            <a:pPr lvl="1"/>
+            <a:r>
+              <a:rPr lang="es-MX" b="1" dirty="0" err="1"/>
+              <a:t>Many</a:t>
+            </a:r>
+            <a:r>
+              <a:rPr lang="es-MX" b="1" dirty="0"/>
+              <a:t> </a:t>
+            </a:r>
+            <a:r>
+              <a:rPr lang="es-MX" b="1" dirty="0" err="1"/>
+              <a:t>to</a:t>
+            </a:r>
+            <a:r>
+              <a:rPr lang="es-MX" b="1" dirty="0"/>
+              <a:t> </a:t>
+            </a:r>
+            <a:r>
+              <a:rPr lang="es-MX" b="1" dirty="0" err="1"/>
+              <a:t>One</a:t>
+            </a:r>
+            <a:r>
+              <a:rPr lang="es-MX" b="1" dirty="0"/>
+              <a:t>: </a:t>
+            </a:r>
+            <a:r>
+              <a:rPr lang="es-MX" dirty="0"/>
+              <a:t>Relación entre las entidades donde se hace referencia a una entidad con valores únicos que contiene la otra entidad.</a:t>
+            </a:r>
+            <a:endParaRPr lang="es-MX" b="1" dirty="0"/>
+          </a:p>
+          <a:p>
+            <a:pPr lvl="1"/>
+            <a:r>
+              <a:rPr lang="es-MX" b="1" dirty="0" err="1"/>
+              <a:t>Many</a:t>
+            </a:r>
+            <a:r>
+              <a:rPr lang="es-MX" b="1" dirty="0"/>
+              <a:t> </a:t>
+            </a:r>
+            <a:r>
+              <a:rPr lang="es-MX" b="1" dirty="0" err="1"/>
+              <a:t>to</a:t>
+            </a:r>
+            <a:r>
+              <a:rPr lang="es-MX" b="1" dirty="0"/>
+              <a:t> </a:t>
+            </a:r>
+            <a:r>
+              <a:rPr lang="es-MX" b="1" dirty="0" err="1"/>
+              <a:t>many</a:t>
+            </a:r>
+            <a:r>
+              <a:rPr lang="es-MX" b="1" dirty="0"/>
+              <a:t>: </a:t>
+            </a:r>
+            <a:r>
+              <a:rPr lang="es-MX" dirty="0"/>
+              <a:t>Relación de varios a varios donde una o más filas de una entidad se asocian a más de una fila en otra entidad. </a:t>
+            </a:r>
+            <a:endParaRPr lang="es-MX" b="1" dirty="0"/>
+          </a:p>
+          <a:p>
+            <a:pPr marL="0" indent="0">
+              <a:buNone/>
+            </a:pPr>
+            <a:endParaRPr lang="es-MX" b="1" dirty="0"/>
+          </a:p>
+        </p:txBody>
+      </p:sp>
     </p:spTree>
     <p:extLst>
       <p:ext uri="{BB962C8B-B14F-4D97-AF65-F5344CB8AC3E}">
-        <p14:creationId xmlns:p14="http://schemas.microsoft.com/office/powerpoint/2010/main" val="3281935398"/>
+        <p14:creationId xmlns:p14="http://schemas.microsoft.com/office/powerpoint/2010/main" val="83241723"/>
       </p:ext>
     </p:extLst>
   </p:cSld>
@@ -6238,10 +7609,38 @@
       </p:grpSpPr>
       <p:sp>
         <p:nvSpPr>
+          <p:cNvPr id="2" name="Título 1">
+            <a:extLst>
+              <a:ext uri="{FF2B5EF4-FFF2-40B4-BE49-F238E27FC236}">
+                <a16:creationId xmlns:a16="http://schemas.microsoft.com/office/drawing/2014/main" id="{1D188781-0C52-40C1-AE86-604518E9A841}"/>
+              </a:ext>
+            </a:extLst>
+          </p:cNvPr>
+          <p:cNvSpPr>
+            <a:spLocks noGrp="1"/>
+          </p:cNvSpPr>
+          <p:nvPr>
+            <p:ph type="title"/>
+          </p:nvPr>
+        </p:nvSpPr>
+        <p:spPr/>
+        <p:txBody>
+          <a:bodyPr/>
+          <a:lstStyle/>
+          <a:p>
+            <a:r>
+              <a:rPr lang="es-MX" b="1" dirty="0"/>
+              <a:t>Relaciones en bases de datos</a:t>
+            </a:r>
+          </a:p>
+        </p:txBody>
+      </p:sp>
+      <p:sp>
+        <p:nvSpPr>
           <p:cNvPr id="3" name="Marcador de contenido 2">
             <a:extLst>
               <a:ext uri="{FF2B5EF4-FFF2-40B4-BE49-F238E27FC236}">
-                <a16:creationId xmlns:a16="http://schemas.microsoft.com/office/drawing/2014/main" id="{9A3AE285-E108-4437-AC8F-2D0E681619A4}"/>
+                <a16:creationId xmlns:a16="http://schemas.microsoft.com/office/drawing/2014/main" id="{18773DA1-AD01-4029-AD65-69282D97B22C}"/>
               </a:ext>
             </a:extLst>
           </p:cNvPr>
@@ -6254,45 +7653,38 @@
         </p:nvSpPr>
         <p:spPr>
           <a:xfrm>
-            <a:off x="1007882" y="427669"/>
-            <a:ext cx="10515600" cy="1042134"/>
+            <a:off x="838200" y="1295570"/>
+            <a:ext cx="10515600" cy="853741"/>
           </a:xfrm>
         </p:spPr>
         <p:txBody>
           <a:bodyPr/>
           <a:lstStyle/>
           <a:p>
-            <a:pPr marL="0" indent="0" algn="l">
-              <a:buNone/>
-            </a:pPr>
-            <a:r>
-              <a:rPr lang="es-MX" sz="1400" b="1" dirty="0"/>
-              <a:t>Restricciones de participación</a:t>
-            </a:r>
-          </a:p>
-          <a:p>
-            <a:pPr marL="0" indent="0" algn="l">
-              <a:buNone/>
-            </a:pPr>
-            <a:r>
-              <a:rPr lang="es-MX" sz="1400" dirty="0"/>
-              <a:t>Dado un conjunto de relaciones R en el cual participa un conjunto de entidades A, dicha participación puede ser de dos tipos:</a:t>
-            </a:r>
-          </a:p>
-          <a:p>
-            <a:r>
-              <a:rPr lang="es-MX" sz="1400" dirty="0"/>
-              <a:t> Total: Cuando cada entidad en A participa en al menos una relación de R.</a:t>
-            </a:r>
-          </a:p>
-          <a:p>
-            <a:r>
-              <a:rPr lang="es-MX" sz="1400" dirty="0"/>
-              <a:t>Parcial: Cuando al menos una entidad en A NO participa en alguna relación de R.</a:t>
-            </a:r>
-          </a:p>
-          <a:p>
-            <a:endParaRPr lang="es-MX" dirty="0"/>
+            <a:r>
+              <a:rPr lang="es-MX" dirty="0"/>
+              <a:t>Entonces en los modelos E-R solo tenemos las relaciones unidireccionales. Donde habrá una </a:t>
+            </a:r>
+            <a:r>
+              <a:rPr lang="es-MX" b="1" dirty="0"/>
+              <a:t>entidad dueña</a:t>
+            </a:r>
+            <a:r>
+              <a:rPr lang="es-MX" dirty="0"/>
+              <a:t> </a:t>
+            </a:r>
+            <a:r>
+              <a:rPr lang="es-MX" b="1" dirty="0"/>
+              <a:t>de la relación</a:t>
+            </a:r>
+            <a:r>
+              <a:rPr lang="es-MX" dirty="0"/>
+              <a:t>. </a:t>
+            </a:r>
+            <a:r>
+              <a:rPr lang="es-MX" b="1" dirty="0"/>
+              <a:t>Y la entidad dueña será la que contendrá la llave primaria de la entidad débil. Esto será dependiendo la relación. </a:t>
+            </a:r>
           </a:p>
         </p:txBody>
       </p:sp>
@@ -6301,7 +7693,7 @@
           <p:cNvPr id="5" name="Imagen 4">
             <a:extLst>
               <a:ext uri="{FF2B5EF4-FFF2-40B4-BE49-F238E27FC236}">
-                <a16:creationId xmlns:a16="http://schemas.microsoft.com/office/drawing/2014/main" id="{6C63AE01-9956-4F1F-8FE2-9805FDE88FA1}"/>
+                <a16:creationId xmlns:a16="http://schemas.microsoft.com/office/drawing/2014/main" id="{A5B8D946-40B2-49B2-84ED-D71CA4F73472}"/>
               </a:ext>
             </a:extLst>
           </p:cNvPr>
@@ -6318,8 +7710,8 @@
         </p:blipFill>
         <p:spPr>
           <a:xfrm>
-            <a:off x="1587257" y="1711906"/>
-            <a:ext cx="9017485" cy="4997786"/>
+            <a:off x="2414587" y="2149311"/>
+            <a:ext cx="7362825" cy="4495800"/>
           </a:xfrm>
           <a:prstGeom prst="rect">
             <a:avLst/>
@@ -6329,7 +7721,7 @@
     </p:spTree>
     <p:extLst>
       <p:ext uri="{BB962C8B-B14F-4D97-AF65-F5344CB8AC3E}">
-        <p14:creationId xmlns:p14="http://schemas.microsoft.com/office/powerpoint/2010/main" val="1819601702"/>
+        <p14:creationId xmlns:p14="http://schemas.microsoft.com/office/powerpoint/2010/main" val="4244951663"/>
       </p:ext>
     </p:extLst>
   </p:cSld>
@@ -6361,7 +7753,7 @@
           <p:cNvPr id="2" name="Título 1">
             <a:extLst>
               <a:ext uri="{FF2B5EF4-FFF2-40B4-BE49-F238E27FC236}">
-                <a16:creationId xmlns:a16="http://schemas.microsoft.com/office/drawing/2014/main" id="{93A98530-0EAA-4DB7-B481-93BA240FDFB5}"/>
+                <a16:creationId xmlns:a16="http://schemas.microsoft.com/office/drawing/2014/main" id="{7E2BCF5C-F1DB-4095-9AA1-8C49D9D0800C}"/>
               </a:ext>
             </a:extLst>
           </p:cNvPr>
@@ -6377,10 +7769,7 @@
           <a:bodyPr/>
           <a:lstStyle/>
           <a:p>
-            <a:r>
-              <a:rPr lang="es-MX" b="1" dirty="0"/>
-              <a:t>Más relaciones en JPA…</a:t>
-            </a:r>
+            <a:endParaRPr lang="es-MX"/>
           </a:p>
         </p:txBody>
       </p:sp>
@@ -6389,7 +7778,7 @@
           <p:cNvPr id="3" name="Marcador de contenido 2">
             <a:extLst>
               <a:ext uri="{FF2B5EF4-FFF2-40B4-BE49-F238E27FC236}">
-                <a16:creationId xmlns:a16="http://schemas.microsoft.com/office/drawing/2014/main" id="{F78038AC-61A6-4AB9-B6CF-1022D780D593}"/>
+                <a16:creationId xmlns:a16="http://schemas.microsoft.com/office/drawing/2014/main" id="{67BA497F-93DD-45A0-BBF7-28774ACBF5BD}"/>
               </a:ext>
             </a:extLst>
           </p:cNvPr>
@@ -6400,91 +7789,49 @@
             <p:ph idx="1"/>
           </p:nvPr>
         </p:nvSpPr>
-        <p:spPr>
-          <a:xfrm>
-            <a:off x="838200" y="2007634"/>
-            <a:ext cx="10515600" cy="2588273"/>
-          </a:xfrm>
-        </p:spPr>
+        <p:spPr/>
         <p:txBody>
           <a:bodyPr/>
           <a:lstStyle/>
           <a:p>
-            <a:pPr algn="just"/>
-            <a:r>
-              <a:rPr lang="es-MX" dirty="0"/>
-              <a:t>Las relaciones </a:t>
-            </a:r>
-            <a:r>
-              <a:rPr lang="es-MX" b="1" dirty="0"/>
-              <a:t>UNIDIRECCIONALES</a:t>
-            </a:r>
-            <a:r>
-              <a:rPr lang="es-MX" dirty="0"/>
-              <a:t> solo se pueden navegar de la </a:t>
-            </a:r>
-            <a:r>
-              <a:rPr lang="es-MX" b="1" dirty="0"/>
-              <a:t>entidad dueña </a:t>
-            </a:r>
-            <a:r>
-              <a:rPr lang="es-MX" dirty="0"/>
-              <a:t>a la </a:t>
-            </a:r>
-            <a:r>
-              <a:rPr lang="es-MX" b="1" dirty="0"/>
-              <a:t>entidad débil</a:t>
-            </a:r>
-            <a:r>
-              <a:rPr lang="es-MX" dirty="0"/>
-              <a:t>. </a:t>
-            </a:r>
-          </a:p>
-          <a:p>
-            <a:pPr algn="just"/>
-            <a:r>
-              <a:rPr lang="es-MX" dirty="0"/>
-              <a:t>¿Cómo identificas una entidad dueña? </a:t>
-            </a:r>
-          </a:p>
-          <a:p>
-            <a:pPr marL="0" indent="0" algn="just">
-              <a:buNone/>
-            </a:pPr>
-            <a:r>
-              <a:rPr lang="es-MX" dirty="0"/>
-              <a:t>Las entidades dueñas contendrán la anotación de la relación (@OneToOne, @OneToMany, </a:t>
-            </a:r>
-            <a:r>
-              <a:rPr lang="es-MX" dirty="0" err="1"/>
-              <a:t>etc</a:t>
-            </a:r>
-            <a:r>
-              <a:rPr lang="es-MX" dirty="0"/>
-              <a:t>). </a:t>
-            </a:r>
-          </a:p>
-          <a:p>
-            <a:pPr marL="0" indent="0" algn="just">
-              <a:buNone/>
-            </a:pPr>
-            <a:r>
-              <a:rPr lang="es-MX" dirty="0"/>
-              <a:t>Además de tener la anotación @JoinColum, con la que identificaremos el lado de la relación dueña. Mientras que el lado inverso o no propietario se identifica por no llevar esta anotación. </a:t>
-            </a:r>
-          </a:p>
-          <a:p>
-            <a:pPr marL="0" indent="0" algn="just">
-              <a:buNone/>
-            </a:pPr>
-            <a:endParaRPr lang="es-MX" dirty="0"/>
-          </a:p>
-        </p:txBody>
-      </p:sp>
+            <a:endParaRPr lang="es-MX"/>
+          </a:p>
+        </p:txBody>
+      </p:sp>
+      <p:pic>
+        <p:nvPicPr>
+          <p:cNvPr id="5" name="Imagen 4">
+            <a:extLst>
+              <a:ext uri="{FF2B5EF4-FFF2-40B4-BE49-F238E27FC236}">
+                <a16:creationId xmlns:a16="http://schemas.microsoft.com/office/drawing/2014/main" id="{985C01BF-9F0D-4920-8BBF-1B696F6C542E}"/>
+              </a:ext>
+            </a:extLst>
+          </p:cNvPr>
+          <p:cNvPicPr>
+            <a:picLocks noChangeAspect="1"/>
+          </p:cNvPicPr>
+          <p:nvPr/>
+        </p:nvPicPr>
+        <p:blipFill>
+          <a:blip r:embed="rId2"/>
+          <a:stretch>
+            <a:fillRect/>
+          </a:stretch>
+        </p:blipFill>
+        <p:spPr>
+          <a:xfrm>
+            <a:off x="961708" y="486422"/>
+            <a:ext cx="10268583" cy="5885156"/>
+          </a:xfrm>
+          <a:prstGeom prst="rect">
+            <a:avLst/>
+          </a:prstGeom>
+        </p:spPr>
+      </p:pic>
     </p:spTree>
     <p:extLst>
       <p:ext uri="{BB962C8B-B14F-4D97-AF65-F5344CB8AC3E}">
-        <p14:creationId xmlns:p14="http://schemas.microsoft.com/office/powerpoint/2010/main" val="2583278731"/>
+        <p14:creationId xmlns:p14="http://schemas.microsoft.com/office/powerpoint/2010/main" val="3281935398"/>
       </p:ext>
     </p:extLst>
   </p:cSld>
@@ -6622,7 +7969,7 @@
           <p:cNvPr id="3" name="Marcador de contenido 2">
             <a:extLst>
               <a:ext uri="{FF2B5EF4-FFF2-40B4-BE49-F238E27FC236}">
-                <a16:creationId xmlns:a16="http://schemas.microsoft.com/office/drawing/2014/main" id="{F78038AC-61A6-4AB9-B6CF-1022D780D593}"/>
+                <a16:creationId xmlns:a16="http://schemas.microsoft.com/office/drawing/2014/main" id="{9A3AE285-E108-4437-AC8F-2D0E681619A4}"/>
               </a:ext>
             </a:extLst>
           </p:cNvPr>
@@ -6635,162 +7982,82 @@
         </p:nvSpPr>
         <p:spPr>
           <a:xfrm>
-            <a:off x="838200" y="1800520"/>
-            <a:ext cx="10515600" cy="3421798"/>
+            <a:off x="1007882" y="427669"/>
+            <a:ext cx="10515600" cy="1042134"/>
           </a:xfrm>
         </p:spPr>
         <p:txBody>
           <a:bodyPr/>
           <a:lstStyle/>
           <a:p>
-            <a:pPr algn="just"/>
-            <a:r>
-              <a:rPr lang="es-MX" dirty="0"/>
-              <a:t>Las relaciones </a:t>
-            </a:r>
-            <a:r>
-              <a:rPr lang="es-MX" b="1" dirty="0"/>
-              <a:t>BIDIRECCIONALES</a:t>
-            </a:r>
-            <a:r>
-              <a:rPr lang="es-MX" dirty="0"/>
-              <a:t> son propias del modelo de datos de POO y estas  pueden navegar de la </a:t>
-            </a:r>
-            <a:r>
-              <a:rPr lang="es-MX" b="1" dirty="0"/>
-              <a:t>entidad dueña </a:t>
-            </a:r>
-            <a:r>
-              <a:rPr lang="es-MX" dirty="0"/>
-              <a:t>a la </a:t>
-            </a:r>
-            <a:r>
-              <a:rPr lang="es-MX" b="1" dirty="0"/>
-              <a:t>entidad débil </a:t>
-            </a:r>
-            <a:r>
-              <a:rPr lang="es-MX" dirty="0"/>
-              <a:t>o de </a:t>
-            </a:r>
-            <a:r>
-              <a:rPr lang="es-MX" b="1" dirty="0"/>
-              <a:t>entidad débil </a:t>
-            </a:r>
-            <a:r>
-              <a:rPr lang="es-MX" dirty="0"/>
-              <a:t>a la </a:t>
-            </a:r>
-            <a:r>
-              <a:rPr lang="es-MX" b="1" dirty="0"/>
-              <a:t>entidad dueña</a:t>
-            </a:r>
-            <a:r>
-              <a:rPr lang="es-MX" dirty="0"/>
-              <a:t>. </a:t>
-            </a:r>
-          </a:p>
-          <a:p>
-            <a:pPr algn="just"/>
-            <a:r>
-              <a:rPr lang="es-MX" dirty="0"/>
-              <a:t>¿Cómo identificas una relación bidireccional? </a:t>
-            </a:r>
-          </a:p>
-          <a:p>
-            <a:pPr marL="0" indent="0" algn="just">
+            <a:pPr marL="0" indent="0" algn="l">
               <a:buNone/>
             </a:pPr>
             <a:r>
-              <a:rPr lang="es-MX" b="1" dirty="0"/>
-              <a:t>Las entidades dueñas contendrán la anotación</a:t>
-            </a:r>
-            <a:r>
-              <a:rPr lang="es-MX" dirty="0"/>
-              <a:t> de la relación (@OneToOne, @OneToMany, </a:t>
-            </a:r>
-            <a:r>
-              <a:rPr lang="es-MX" dirty="0" err="1"/>
-              <a:t>etc</a:t>
-            </a:r>
-            <a:r>
-              <a:rPr lang="es-MX" dirty="0"/>
-              <a:t>). Además de tener la anotación @JoinColum, con la que identificaremos el lado de la relación dueña. </a:t>
-            </a:r>
-          </a:p>
-          <a:p>
-            <a:pPr marL="0" indent="0" algn="just">
+              <a:rPr lang="es-MX" sz="1400" b="1" dirty="0"/>
+              <a:t>Restricciones de participación</a:t>
+            </a:r>
+          </a:p>
+          <a:p>
+            <a:pPr marL="0" indent="0" algn="l">
               <a:buNone/>
             </a:pPr>
             <a:r>
-              <a:rPr lang="es-MX" dirty="0"/>
-              <a:t>Mientras que el lado inverso tendrá igualmente la anotación (@OneToOne, @OneToMany, </a:t>
-            </a:r>
-            <a:r>
-              <a:rPr lang="es-MX" dirty="0" err="1"/>
-              <a:t>etc</a:t>
-            </a:r>
-            <a:r>
-              <a:rPr lang="es-MX" dirty="0"/>
-              <a:t>). Con el atributo </a:t>
-            </a:r>
-            <a:r>
-              <a:rPr lang="es-MX" b="1" dirty="0" err="1"/>
-              <a:t>mappedBy</a:t>
-            </a:r>
-            <a:r>
-              <a:rPr lang="es-MX" b="1" dirty="0"/>
-              <a:t> </a:t>
-            </a:r>
-            <a:r>
-              <a:rPr lang="es-MX" dirty="0"/>
-              <a:t>de la entidad NO PROPIETARIA, haciendo referencia a la entidad propietaria de la relación. </a:t>
-            </a:r>
-          </a:p>
-          <a:p>
-            <a:pPr marL="0" indent="0" algn="just">
-              <a:buNone/>
-            </a:pPr>
+              <a:rPr lang="es-MX" sz="1400" dirty="0"/>
+              <a:t>Dado un conjunto de relaciones R en el cual participa un conjunto de entidades A, dicha participación puede ser de dos tipos:</a:t>
+            </a:r>
+          </a:p>
+          <a:p>
+            <a:r>
+              <a:rPr lang="es-MX" sz="1400" dirty="0"/>
+              <a:t> Total: Cuando cada entidad en A participa en al menos una relación de R.</a:t>
+            </a:r>
+          </a:p>
+          <a:p>
+            <a:r>
+              <a:rPr lang="es-MX" sz="1400" dirty="0"/>
+              <a:t>Parcial: Cuando al menos una entidad en A NO participa en alguna relación de R.</a:t>
+            </a:r>
+          </a:p>
+          <a:p>
             <a:endParaRPr lang="es-MX" dirty="0"/>
           </a:p>
         </p:txBody>
       </p:sp>
-      <p:sp>
-        <p:nvSpPr>
-          <p:cNvPr id="13" name="Título 1">
-            <a:extLst>
-              <a:ext uri="{FF2B5EF4-FFF2-40B4-BE49-F238E27FC236}">
-                <a16:creationId xmlns:a16="http://schemas.microsoft.com/office/drawing/2014/main" id="{74A092AD-E7BF-4D26-9084-CA4BA46C3360}"/>
-              </a:ext>
-            </a:extLst>
-          </p:cNvPr>
-          <p:cNvSpPr>
-            <a:spLocks noGrp="1"/>
-          </p:cNvSpPr>
-          <p:nvPr>
-            <p:ph type="title"/>
-          </p:nvPr>
-        </p:nvSpPr>
-        <p:spPr>
-          <a:xfrm>
-            <a:off x="841899" y="486422"/>
-            <a:ext cx="10515600" cy="712064"/>
-          </a:xfrm>
-        </p:spPr>
-        <p:txBody>
-          <a:bodyPr/>
-          <a:lstStyle/>
-          <a:p>
-            <a:r>
-              <a:rPr lang="es-MX" b="1" dirty="0"/>
-              <a:t>Mientras que…</a:t>
-            </a:r>
-          </a:p>
-        </p:txBody>
-      </p:sp>
+      <p:pic>
+        <p:nvPicPr>
+          <p:cNvPr id="5" name="Imagen 4">
+            <a:extLst>
+              <a:ext uri="{FF2B5EF4-FFF2-40B4-BE49-F238E27FC236}">
+                <a16:creationId xmlns:a16="http://schemas.microsoft.com/office/drawing/2014/main" id="{6C63AE01-9956-4F1F-8FE2-9805FDE88FA1}"/>
+              </a:ext>
+            </a:extLst>
+          </p:cNvPr>
+          <p:cNvPicPr>
+            <a:picLocks noChangeAspect="1"/>
+          </p:cNvPicPr>
+          <p:nvPr/>
+        </p:nvPicPr>
+        <p:blipFill>
+          <a:blip r:embed="rId2"/>
+          <a:stretch>
+            <a:fillRect/>
+          </a:stretch>
+        </p:blipFill>
+        <p:spPr>
+          <a:xfrm>
+            <a:off x="1587257" y="1711906"/>
+            <a:ext cx="9017485" cy="4997786"/>
+          </a:xfrm>
+          <a:prstGeom prst="rect">
+            <a:avLst/>
+          </a:prstGeom>
+        </p:spPr>
+      </p:pic>
     </p:spTree>
     <p:extLst>
       <p:ext uri="{BB962C8B-B14F-4D97-AF65-F5344CB8AC3E}">
-        <p14:creationId xmlns:p14="http://schemas.microsoft.com/office/powerpoint/2010/main" val="3812505541"/>
+        <p14:creationId xmlns:p14="http://schemas.microsoft.com/office/powerpoint/2010/main" val="1819601702"/>
       </p:ext>
     </p:extLst>
   </p:cSld>
@@ -6822,7 +8089,7 @@
           <p:cNvPr id="2" name="Título 1">
             <a:extLst>
               <a:ext uri="{FF2B5EF4-FFF2-40B4-BE49-F238E27FC236}">
-                <a16:creationId xmlns:a16="http://schemas.microsoft.com/office/drawing/2014/main" id="{3FB58BD3-872B-4385-8E73-9C64560E3AD8}"/>
+                <a16:creationId xmlns:a16="http://schemas.microsoft.com/office/drawing/2014/main" id="{93A98530-0EAA-4DB7-B481-93BA240FDFB5}"/>
               </a:ext>
             </a:extLst>
           </p:cNvPr>
@@ -6840,7 +8107,7 @@
           <a:p>
             <a:r>
               <a:rPr lang="es-MX" b="1" dirty="0"/>
-              <a:t>@OneToOne Unidireccional</a:t>
+              <a:t>Más relaciones en JPA…</a:t>
             </a:r>
           </a:p>
         </p:txBody>
@@ -6850,7 +8117,7 @@
           <p:cNvPr id="3" name="Marcador de contenido 2">
             <a:extLst>
               <a:ext uri="{FF2B5EF4-FFF2-40B4-BE49-F238E27FC236}">
-                <a16:creationId xmlns:a16="http://schemas.microsoft.com/office/drawing/2014/main" id="{EF5E3CDA-2E2C-4D02-AEAF-7F8018F1DE5C}"/>
+                <a16:creationId xmlns:a16="http://schemas.microsoft.com/office/drawing/2014/main" id="{F78038AC-61A6-4AB9-B6CF-1022D780D593}"/>
               </a:ext>
             </a:extLst>
           </p:cNvPr>
@@ -6861,51 +8128,91 @@
             <p:ph idx="1"/>
           </p:nvPr>
         </p:nvSpPr>
-        <p:spPr/>
+        <p:spPr>
+          <a:xfrm>
+            <a:off x="838200" y="2007634"/>
+            <a:ext cx="10515600" cy="2588273"/>
+          </a:xfrm>
+        </p:spPr>
         <p:txBody>
           <a:bodyPr/>
           <a:lstStyle/>
           <a:p>
+            <a:pPr algn="just"/>
             <a:r>
               <a:rPr lang="es-MX" dirty="0"/>
-              <a:t>Veamos el siguiente ejemplo en diagramas de clases.</a:t>
-            </a:r>
-          </a:p>
-        </p:txBody>
-      </p:sp>
-      <p:pic>
-        <p:nvPicPr>
-          <p:cNvPr id="7" name="Imagen 6">
-            <a:extLst>
-              <a:ext uri="{FF2B5EF4-FFF2-40B4-BE49-F238E27FC236}">
-                <a16:creationId xmlns:a16="http://schemas.microsoft.com/office/drawing/2014/main" id="{A1D60D99-E79B-4EDA-A453-7D13CC4F2430}"/>
-              </a:ext>
-            </a:extLst>
-          </p:cNvPr>
-          <p:cNvPicPr>
-            <a:picLocks noChangeAspect="1"/>
-          </p:cNvPicPr>
-          <p:nvPr/>
-        </p:nvPicPr>
-        <p:blipFill rotWithShape="1">
-          <a:blip r:embed="rId2"/>
-          <a:srcRect r="19330" b="16939"/>
-          <a:stretch/>
-        </p:blipFill>
-        <p:spPr>
-          <a:xfrm>
-            <a:off x="2327463" y="2111013"/>
-            <a:ext cx="7537074" cy="3798375"/>
-          </a:xfrm>
-          <a:prstGeom prst="rect">
-            <a:avLst/>
-          </a:prstGeom>
-        </p:spPr>
-      </p:pic>
+              <a:t>Las relaciones </a:t>
+            </a:r>
+            <a:r>
+              <a:rPr lang="es-MX" b="1" dirty="0"/>
+              <a:t>UNIDIRECCIONALES</a:t>
+            </a:r>
+            <a:r>
+              <a:rPr lang="es-MX" dirty="0"/>
+              <a:t> solo se pueden navegar de la </a:t>
+            </a:r>
+            <a:r>
+              <a:rPr lang="es-MX" b="1" dirty="0"/>
+              <a:t>entidad dueña </a:t>
+            </a:r>
+            <a:r>
+              <a:rPr lang="es-MX" dirty="0"/>
+              <a:t>a la </a:t>
+            </a:r>
+            <a:r>
+              <a:rPr lang="es-MX" b="1" dirty="0"/>
+              <a:t>entidad débil</a:t>
+            </a:r>
+            <a:r>
+              <a:rPr lang="es-MX" dirty="0"/>
+              <a:t>. </a:t>
+            </a:r>
+          </a:p>
+          <a:p>
+            <a:pPr algn="just"/>
+            <a:r>
+              <a:rPr lang="es-MX" dirty="0"/>
+              <a:t>¿Cómo identificas una entidad dueña? </a:t>
+            </a:r>
+          </a:p>
+          <a:p>
+            <a:pPr marL="0" indent="0" algn="just">
+              <a:buNone/>
+            </a:pPr>
+            <a:r>
+              <a:rPr lang="es-MX" dirty="0"/>
+              <a:t>Las entidades dueñas contendrán la anotación de la relación (@OneToOne, @OneToMany, </a:t>
+            </a:r>
+            <a:r>
+              <a:rPr lang="es-MX" dirty="0" err="1"/>
+              <a:t>etc</a:t>
+            </a:r>
+            <a:r>
+              <a:rPr lang="es-MX" dirty="0"/>
+              <a:t>). </a:t>
+            </a:r>
+          </a:p>
+          <a:p>
+            <a:pPr marL="0" indent="0" algn="just">
+              <a:buNone/>
+            </a:pPr>
+            <a:r>
+              <a:rPr lang="es-MX" dirty="0"/>
+              <a:t>Además de tener la anotación @JoinColum, con la que identificaremos el lado de la relación dueña. Mientras que el lado inverso o no propietario se identifica por no llevar esta anotación. </a:t>
+            </a:r>
+          </a:p>
+          <a:p>
+            <a:pPr marL="0" indent="0" algn="just">
+              <a:buNone/>
+            </a:pPr>
+            <a:endParaRPr lang="es-MX" dirty="0"/>
+          </a:p>
+        </p:txBody>
+      </p:sp>
     </p:spTree>
     <p:extLst>
       <p:ext uri="{BB962C8B-B14F-4D97-AF65-F5344CB8AC3E}">
-        <p14:creationId xmlns:p14="http://schemas.microsoft.com/office/powerpoint/2010/main" val="3162691939"/>
+        <p14:creationId xmlns:p14="http://schemas.microsoft.com/office/powerpoint/2010/main" val="2583278731"/>
       </p:ext>
     </p:extLst>
   </p:cSld>
@@ -6934,10 +8241,147 @@
       </p:grpSpPr>
       <p:sp>
         <p:nvSpPr>
-          <p:cNvPr id="2" name="Título 1">
-            <a:extLst>
-              <a:ext uri="{FF2B5EF4-FFF2-40B4-BE49-F238E27FC236}">
-                <a16:creationId xmlns:a16="http://schemas.microsoft.com/office/drawing/2014/main" id="{603EE3D4-6A6F-4984-8E30-328209F31BC8}"/>
+          <p:cNvPr id="3" name="Marcador de contenido 2">
+            <a:extLst>
+              <a:ext uri="{FF2B5EF4-FFF2-40B4-BE49-F238E27FC236}">
+                <a16:creationId xmlns:a16="http://schemas.microsoft.com/office/drawing/2014/main" id="{F78038AC-61A6-4AB9-B6CF-1022D780D593}"/>
+              </a:ext>
+            </a:extLst>
+          </p:cNvPr>
+          <p:cNvSpPr>
+            <a:spLocks noGrp="1"/>
+          </p:cNvSpPr>
+          <p:nvPr>
+            <p:ph idx="1"/>
+          </p:nvPr>
+        </p:nvSpPr>
+        <p:spPr>
+          <a:xfrm>
+            <a:off x="838200" y="1800520"/>
+            <a:ext cx="10515600" cy="3421798"/>
+          </a:xfrm>
+        </p:spPr>
+        <p:txBody>
+          <a:bodyPr/>
+          <a:lstStyle/>
+          <a:p>
+            <a:pPr algn="just"/>
+            <a:r>
+              <a:rPr lang="es-MX" dirty="0"/>
+              <a:t>Las relaciones </a:t>
+            </a:r>
+            <a:r>
+              <a:rPr lang="es-MX" b="1" dirty="0"/>
+              <a:t>BIDIRECCIONALES</a:t>
+            </a:r>
+            <a:r>
+              <a:rPr lang="es-MX" dirty="0"/>
+              <a:t> son propias del modelo de datos de POO y estas  pueden navegar de la </a:t>
+            </a:r>
+            <a:r>
+              <a:rPr lang="es-MX" b="1" dirty="0"/>
+              <a:t>entidad dueña </a:t>
+            </a:r>
+            <a:r>
+              <a:rPr lang="es-MX" dirty="0"/>
+              <a:t>a la </a:t>
+            </a:r>
+            <a:r>
+              <a:rPr lang="es-MX" b="1" dirty="0"/>
+              <a:t>entidad débil </a:t>
+            </a:r>
+            <a:r>
+              <a:rPr lang="es-MX" dirty="0"/>
+              <a:t>o de </a:t>
+            </a:r>
+            <a:r>
+              <a:rPr lang="es-MX" b="1" dirty="0"/>
+              <a:t>entidad débil </a:t>
+            </a:r>
+            <a:r>
+              <a:rPr lang="es-MX" dirty="0"/>
+              <a:t>a la </a:t>
+            </a:r>
+            <a:r>
+              <a:rPr lang="es-MX" b="1" dirty="0"/>
+              <a:t>entidad dueña</a:t>
+            </a:r>
+            <a:r>
+              <a:rPr lang="es-MX" dirty="0"/>
+              <a:t>. </a:t>
+            </a:r>
+          </a:p>
+          <a:p>
+            <a:pPr algn="just"/>
+            <a:r>
+              <a:rPr lang="es-MX" dirty="0"/>
+              <a:t>¿Cómo identificas una relación bidireccional? </a:t>
+            </a:r>
+          </a:p>
+          <a:p>
+            <a:pPr marL="0" indent="0" algn="just">
+              <a:buNone/>
+            </a:pPr>
+            <a:r>
+              <a:rPr lang="es-MX" b="1" dirty="0"/>
+              <a:t>Las entidades dueñas contendrán la anotación</a:t>
+            </a:r>
+            <a:r>
+              <a:rPr lang="es-MX" dirty="0"/>
+              <a:t> de la relación (@OneToOne, @OneToMany, </a:t>
+            </a:r>
+            <a:r>
+              <a:rPr lang="es-MX" dirty="0" err="1"/>
+              <a:t>etc</a:t>
+            </a:r>
+            <a:r>
+              <a:rPr lang="es-MX" dirty="0"/>
+              <a:t>). Además de tener la anotación @JoinColum, con la que identificaremos el lado de la relación dueña. </a:t>
+            </a:r>
+          </a:p>
+          <a:p>
+            <a:pPr marL="0" indent="0" algn="just">
+              <a:buNone/>
+            </a:pPr>
+            <a:r>
+              <a:rPr lang="es-MX" dirty="0"/>
+              <a:t>Mientras que el lado inverso tendrá igualmente la anotación (@OneToOne, @OneToMany, </a:t>
+            </a:r>
+            <a:r>
+              <a:rPr lang="es-MX" dirty="0" err="1"/>
+              <a:t>etc</a:t>
+            </a:r>
+            <a:r>
+              <a:rPr lang="es-MX" dirty="0"/>
+              <a:t>). Con el atributo </a:t>
+            </a:r>
+            <a:r>
+              <a:rPr lang="es-MX" b="1" dirty="0" err="1"/>
+              <a:t>mappedBy</a:t>
+            </a:r>
+            <a:r>
+              <a:rPr lang="es-MX" b="1" dirty="0"/>
+              <a:t> </a:t>
+            </a:r>
+            <a:r>
+              <a:rPr lang="es-MX" dirty="0"/>
+              <a:t>de la entidad NO PROPIETARIA, haciendo referencia a la entidad propietaria de la relación. </a:t>
+            </a:r>
+          </a:p>
+          <a:p>
+            <a:pPr marL="0" indent="0" algn="just">
+              <a:buNone/>
+            </a:pPr>
+            <a:endParaRPr lang="es-MX" dirty="0"/>
+          </a:p>
+        </p:txBody>
+      </p:sp>
+      <p:sp>
+        <p:nvSpPr>
+          <p:cNvPr id="13" name="Título 1">
+            <a:extLst>
+              <a:ext uri="{FF2B5EF4-FFF2-40B4-BE49-F238E27FC236}">
+                <a16:creationId xmlns:a16="http://schemas.microsoft.com/office/drawing/2014/main" id="{74A092AD-E7BF-4D26-9084-CA4BA46C3360}"/>
               </a:ext>
             </a:extLst>
           </p:cNvPr>
@@ -6950,191 +8394,25 @@
         </p:nvSpPr>
         <p:spPr>
           <a:xfrm>
-            <a:off x="1024854" y="486422"/>
-            <a:ext cx="2598885" cy="712064"/>
+            <a:off x="841899" y="486422"/>
+            <a:ext cx="10515600" cy="712064"/>
           </a:xfrm>
         </p:spPr>
         <p:txBody>
           <a:bodyPr/>
           <a:lstStyle/>
           <a:p>
-            <a:pPr marL="457200" indent="-457200">
-              <a:buFont typeface="Arial" panose="020B0604020202020204" pitchFamily="34" charset="0"/>
-              <a:buChar char="•"/>
-            </a:pPr>
             <a:r>
               <a:rPr lang="es-MX" b="1" dirty="0"/>
-              <a:t>En código:</a:t>
-            </a:r>
-          </a:p>
-        </p:txBody>
-      </p:sp>
-      <p:pic>
-        <p:nvPicPr>
-          <p:cNvPr id="5" name="Marcador de contenido 4">
-            <a:extLst>
-              <a:ext uri="{FF2B5EF4-FFF2-40B4-BE49-F238E27FC236}">
-                <a16:creationId xmlns:a16="http://schemas.microsoft.com/office/drawing/2014/main" id="{5F35D4CE-1BEE-4C3C-94B2-7DE92DB449D8}"/>
-              </a:ext>
-            </a:extLst>
-          </p:cNvPr>
-          <p:cNvPicPr>
-            <a:picLocks noGrp="1" noChangeAspect="1"/>
-          </p:cNvPicPr>
-          <p:nvPr>
-            <p:ph idx="1"/>
-          </p:nvPr>
-        </p:nvPicPr>
-        <p:blipFill>
-          <a:blip r:embed="rId2"/>
-          <a:stretch>
-            <a:fillRect/>
-          </a:stretch>
-        </p:blipFill>
-        <p:spPr>
-          <a:xfrm>
-            <a:off x="1135064" y="4035954"/>
-            <a:ext cx="4977353" cy="2570421"/>
-          </a:xfrm>
-          <a:ln>
-            <a:solidFill>
-              <a:schemeClr val="tx1"/>
-            </a:solidFill>
-          </a:ln>
-        </p:spPr>
-      </p:pic>
-      <p:pic>
-        <p:nvPicPr>
-          <p:cNvPr id="11" name="Imagen 10">
-            <a:extLst>
-              <a:ext uri="{FF2B5EF4-FFF2-40B4-BE49-F238E27FC236}">
-                <a16:creationId xmlns:a16="http://schemas.microsoft.com/office/drawing/2014/main" id="{BE5E7296-4FDE-4C56-92DE-9510942F2B0B}"/>
-              </a:ext>
-            </a:extLst>
-          </p:cNvPr>
-          <p:cNvPicPr>
-            <a:picLocks noChangeAspect="1"/>
-          </p:cNvPicPr>
-          <p:nvPr/>
-        </p:nvPicPr>
-        <p:blipFill>
-          <a:blip r:embed="rId3"/>
-          <a:stretch>
-            <a:fillRect/>
-          </a:stretch>
-        </p:blipFill>
-        <p:spPr>
-          <a:xfrm>
-            <a:off x="6405582" y="1375333"/>
-            <a:ext cx="5111899" cy="5100882"/>
-          </a:xfrm>
-          <a:prstGeom prst="rect">
-            <a:avLst/>
-          </a:prstGeom>
-          <a:ln>
-            <a:solidFill>
-              <a:schemeClr val="tx1"/>
-            </a:solidFill>
-          </a:ln>
-        </p:spPr>
-      </p:pic>
-      <p:sp>
-        <p:nvSpPr>
-          <p:cNvPr id="12" name="Título 1">
-            <a:extLst>
-              <a:ext uri="{FF2B5EF4-FFF2-40B4-BE49-F238E27FC236}">
-                <a16:creationId xmlns:a16="http://schemas.microsoft.com/office/drawing/2014/main" id="{3F3E476B-BABC-4F2A-99D7-E4EAB115AFC0}"/>
-              </a:ext>
-            </a:extLst>
-          </p:cNvPr>
-          <p:cNvSpPr txBox="1">
-            <a:spLocks/>
-          </p:cNvSpPr>
-          <p:nvPr/>
-        </p:nvSpPr>
-        <p:spPr>
-          <a:xfrm>
-            <a:off x="6296008" y="486422"/>
-            <a:ext cx="2866846" cy="712064"/>
-          </a:xfrm>
-          <a:prstGeom prst="rect">
-            <a:avLst/>
-          </a:prstGeom>
-        </p:spPr>
-        <p:txBody>
-          <a:bodyPr vert="horz" lIns="91440" tIns="45720" rIns="91440" bIns="45720" rtlCol="0" anchor="ctr">
-            <a:noAutofit/>
-          </a:bodyPr>
-          <a:lstStyle>
-            <a:lvl1pPr algn="l" defTabSz="914400" rtl="0" eaLnBrk="1" latinLnBrk="0" hangingPunct="1">
-              <a:lnSpc>
-                <a:spcPct val="90000"/>
-              </a:lnSpc>
-              <a:spcBef>
-                <a:spcPct val="0"/>
-              </a:spcBef>
-              <a:buNone/>
-              <a:defRPr sz="2800" kern="1200">
-                <a:solidFill>
-                  <a:schemeClr val="tx1"/>
-                </a:solidFill>
-                <a:latin typeface="+mj-lt"/>
-                <a:ea typeface="+mj-ea"/>
-                <a:cs typeface="+mj-cs"/>
-              </a:defRPr>
-            </a:lvl1pPr>
-          </a:lstStyle>
-          <a:p>
-            <a:pPr marL="457200" indent="-457200">
-              <a:buFont typeface="Arial" panose="020B0604020202020204" pitchFamily="34" charset="0"/>
-              <a:buChar char="•"/>
-            </a:pPr>
-            <a:r>
-              <a:rPr lang="es-MX" b="1" dirty="0"/>
-              <a:t>Al ejecutar:</a:t>
-            </a:r>
-          </a:p>
-        </p:txBody>
-      </p:sp>
-      <p:pic>
-        <p:nvPicPr>
-          <p:cNvPr id="14" name="Imagen 13">
-            <a:extLst>
-              <a:ext uri="{FF2B5EF4-FFF2-40B4-BE49-F238E27FC236}">
-                <a16:creationId xmlns:a16="http://schemas.microsoft.com/office/drawing/2014/main" id="{7AD619C2-AB62-4445-841A-75CC82ED0C6E}"/>
-              </a:ext>
-            </a:extLst>
-          </p:cNvPr>
-          <p:cNvPicPr>
-            <a:picLocks noChangeAspect="1"/>
-          </p:cNvPicPr>
-          <p:nvPr/>
-        </p:nvPicPr>
-        <p:blipFill>
-          <a:blip r:embed="rId4"/>
-          <a:stretch>
-            <a:fillRect/>
-          </a:stretch>
-        </p:blipFill>
-        <p:spPr>
-          <a:xfrm>
-            <a:off x="1221604" y="1104999"/>
-            <a:ext cx="4804269" cy="2688309"/>
-          </a:xfrm>
-          <a:prstGeom prst="rect">
-            <a:avLst/>
-          </a:prstGeom>
-          <a:ln>
-            <a:solidFill>
-              <a:schemeClr val="tx1"/>
-            </a:solidFill>
-          </a:ln>
-        </p:spPr>
-      </p:pic>
+              <a:t>Mientras que…</a:t>
+            </a:r>
+          </a:p>
+        </p:txBody>
+      </p:sp>
     </p:spTree>
     <p:extLst>
       <p:ext uri="{BB962C8B-B14F-4D97-AF65-F5344CB8AC3E}">
-        <p14:creationId xmlns:p14="http://schemas.microsoft.com/office/powerpoint/2010/main" val="1159599882"/>
+        <p14:creationId xmlns:p14="http://schemas.microsoft.com/office/powerpoint/2010/main" val="3812505541"/>
       </p:ext>
     </p:extLst>
   </p:cSld>
@@ -7166,7 +8444,7 @@
           <p:cNvPr id="2" name="Título 1">
             <a:extLst>
               <a:ext uri="{FF2B5EF4-FFF2-40B4-BE49-F238E27FC236}">
-                <a16:creationId xmlns:a16="http://schemas.microsoft.com/office/drawing/2014/main" id="{3B7696A5-C6B7-4382-BB88-65896B7A0634}"/>
+                <a16:creationId xmlns:a16="http://schemas.microsoft.com/office/drawing/2014/main" id="{3FB58BD3-872B-4385-8E73-9C64560E3AD8}"/>
               </a:ext>
             </a:extLst>
           </p:cNvPr>
@@ -7184,7 +8462,7 @@
           <a:p>
             <a:r>
               <a:rPr lang="es-MX" b="1" dirty="0"/>
-              <a:t>Acceso a datos</a:t>
+              <a:t>@OneToOne Unidireccional</a:t>
             </a:r>
           </a:p>
         </p:txBody>
@@ -7194,7 +8472,7 @@
           <p:cNvPr id="3" name="Marcador de contenido 2">
             <a:extLst>
               <a:ext uri="{FF2B5EF4-FFF2-40B4-BE49-F238E27FC236}">
-                <a16:creationId xmlns:a16="http://schemas.microsoft.com/office/drawing/2014/main" id="{529BEA94-558F-4DD0-8D74-5E9B2AE6C923}"/>
+                <a16:creationId xmlns:a16="http://schemas.microsoft.com/office/drawing/2014/main" id="{EF5E3CDA-2E2C-4D02-AEAF-7F8018F1DE5C}"/>
               </a:ext>
             </a:extLst>
           </p:cNvPr>
@@ -7210,14 +8488,46 @@
           <a:bodyPr/>
           <a:lstStyle/>
           <a:p>
-            <a:endParaRPr lang="es-MX"/>
-          </a:p>
-        </p:txBody>
-      </p:sp>
+            <a:r>
+              <a:rPr lang="es-MX" dirty="0"/>
+              <a:t>Veamos el siguiente ejemplo en diagramas de clases.</a:t>
+            </a:r>
+          </a:p>
+        </p:txBody>
+      </p:sp>
+      <p:pic>
+        <p:nvPicPr>
+          <p:cNvPr id="7" name="Imagen 6">
+            <a:extLst>
+              <a:ext uri="{FF2B5EF4-FFF2-40B4-BE49-F238E27FC236}">
+                <a16:creationId xmlns:a16="http://schemas.microsoft.com/office/drawing/2014/main" id="{A1D60D99-E79B-4EDA-A453-7D13CC4F2430}"/>
+              </a:ext>
+            </a:extLst>
+          </p:cNvPr>
+          <p:cNvPicPr>
+            <a:picLocks noChangeAspect="1"/>
+          </p:cNvPicPr>
+          <p:nvPr/>
+        </p:nvPicPr>
+        <p:blipFill rotWithShape="1">
+          <a:blip r:embed="rId2"/>
+          <a:srcRect r="19330" b="16939"/>
+          <a:stretch/>
+        </p:blipFill>
+        <p:spPr>
+          <a:xfrm>
+            <a:off x="2327463" y="2111013"/>
+            <a:ext cx="7537074" cy="3798375"/>
+          </a:xfrm>
+          <a:prstGeom prst="rect">
+            <a:avLst/>
+          </a:prstGeom>
+        </p:spPr>
+      </p:pic>
     </p:spTree>
     <p:extLst>
       <p:ext uri="{BB962C8B-B14F-4D97-AF65-F5344CB8AC3E}">
-        <p14:creationId xmlns:p14="http://schemas.microsoft.com/office/powerpoint/2010/main" val="1690407075"/>
+        <p14:creationId xmlns:p14="http://schemas.microsoft.com/office/powerpoint/2010/main" val="3162691939"/>
       </p:ext>
     </p:extLst>
   </p:cSld>
@@ -7246,6 +8556,874 @@
       </p:grpSpPr>
       <p:sp>
         <p:nvSpPr>
+          <p:cNvPr id="2" name="Título 1">
+            <a:extLst>
+              <a:ext uri="{FF2B5EF4-FFF2-40B4-BE49-F238E27FC236}">
+                <a16:creationId xmlns:a16="http://schemas.microsoft.com/office/drawing/2014/main" id="{603EE3D4-6A6F-4984-8E30-328209F31BC8}"/>
+              </a:ext>
+            </a:extLst>
+          </p:cNvPr>
+          <p:cNvSpPr>
+            <a:spLocks noGrp="1"/>
+          </p:cNvSpPr>
+          <p:nvPr>
+            <p:ph type="title"/>
+          </p:nvPr>
+        </p:nvSpPr>
+        <p:spPr>
+          <a:xfrm>
+            <a:off x="1024854" y="486422"/>
+            <a:ext cx="2598885" cy="712064"/>
+          </a:xfrm>
+        </p:spPr>
+        <p:txBody>
+          <a:bodyPr/>
+          <a:lstStyle/>
+          <a:p>
+            <a:pPr marL="457200" indent="-457200">
+              <a:buFont typeface="Arial" panose="020B0604020202020204" pitchFamily="34" charset="0"/>
+              <a:buChar char="•"/>
+            </a:pPr>
+            <a:r>
+              <a:rPr lang="es-MX" b="1" dirty="0"/>
+              <a:t>En código:</a:t>
+            </a:r>
+          </a:p>
+        </p:txBody>
+      </p:sp>
+      <p:pic>
+        <p:nvPicPr>
+          <p:cNvPr id="5" name="Marcador de contenido 4">
+            <a:extLst>
+              <a:ext uri="{FF2B5EF4-FFF2-40B4-BE49-F238E27FC236}">
+                <a16:creationId xmlns:a16="http://schemas.microsoft.com/office/drawing/2014/main" id="{5F35D4CE-1BEE-4C3C-94B2-7DE92DB449D8}"/>
+              </a:ext>
+            </a:extLst>
+          </p:cNvPr>
+          <p:cNvPicPr>
+            <a:picLocks noGrp="1" noChangeAspect="1"/>
+          </p:cNvPicPr>
+          <p:nvPr>
+            <p:ph idx="1"/>
+          </p:nvPr>
+        </p:nvPicPr>
+        <p:blipFill>
+          <a:blip r:embed="rId2"/>
+          <a:stretch>
+            <a:fillRect/>
+          </a:stretch>
+        </p:blipFill>
+        <p:spPr>
+          <a:xfrm>
+            <a:off x="1135064" y="4035954"/>
+            <a:ext cx="4977353" cy="2570421"/>
+          </a:xfrm>
+          <a:ln>
+            <a:solidFill>
+              <a:schemeClr val="tx1"/>
+            </a:solidFill>
+          </a:ln>
+        </p:spPr>
+      </p:pic>
+      <p:pic>
+        <p:nvPicPr>
+          <p:cNvPr id="11" name="Imagen 10">
+            <a:extLst>
+              <a:ext uri="{FF2B5EF4-FFF2-40B4-BE49-F238E27FC236}">
+                <a16:creationId xmlns:a16="http://schemas.microsoft.com/office/drawing/2014/main" id="{BE5E7296-4FDE-4C56-92DE-9510942F2B0B}"/>
+              </a:ext>
+            </a:extLst>
+          </p:cNvPr>
+          <p:cNvPicPr>
+            <a:picLocks noChangeAspect="1"/>
+          </p:cNvPicPr>
+          <p:nvPr/>
+        </p:nvPicPr>
+        <p:blipFill>
+          <a:blip r:embed="rId3"/>
+          <a:stretch>
+            <a:fillRect/>
+          </a:stretch>
+        </p:blipFill>
+        <p:spPr>
+          <a:xfrm>
+            <a:off x="6405582" y="1375333"/>
+            <a:ext cx="5111899" cy="5100882"/>
+          </a:xfrm>
+          <a:prstGeom prst="rect">
+            <a:avLst/>
+          </a:prstGeom>
+          <a:ln>
+            <a:solidFill>
+              <a:schemeClr val="tx1"/>
+            </a:solidFill>
+          </a:ln>
+        </p:spPr>
+      </p:pic>
+      <p:sp>
+        <p:nvSpPr>
+          <p:cNvPr id="12" name="Título 1">
+            <a:extLst>
+              <a:ext uri="{FF2B5EF4-FFF2-40B4-BE49-F238E27FC236}">
+                <a16:creationId xmlns:a16="http://schemas.microsoft.com/office/drawing/2014/main" id="{3F3E476B-BABC-4F2A-99D7-E4EAB115AFC0}"/>
+              </a:ext>
+            </a:extLst>
+          </p:cNvPr>
+          <p:cNvSpPr txBox="1">
+            <a:spLocks/>
+          </p:cNvSpPr>
+          <p:nvPr/>
+        </p:nvSpPr>
+        <p:spPr>
+          <a:xfrm>
+            <a:off x="6296008" y="486422"/>
+            <a:ext cx="2866846" cy="712064"/>
+          </a:xfrm>
+          <a:prstGeom prst="rect">
+            <a:avLst/>
+          </a:prstGeom>
+        </p:spPr>
+        <p:txBody>
+          <a:bodyPr vert="horz" lIns="91440" tIns="45720" rIns="91440" bIns="45720" rtlCol="0" anchor="ctr">
+            <a:noAutofit/>
+          </a:bodyPr>
+          <a:lstStyle>
+            <a:lvl1pPr algn="l" defTabSz="914400" rtl="0" eaLnBrk="1" latinLnBrk="0" hangingPunct="1">
+              <a:lnSpc>
+                <a:spcPct val="90000"/>
+              </a:lnSpc>
+              <a:spcBef>
+                <a:spcPct val="0"/>
+              </a:spcBef>
+              <a:buNone/>
+              <a:defRPr sz="2800" kern="1200">
+                <a:solidFill>
+                  <a:schemeClr val="tx1"/>
+                </a:solidFill>
+                <a:latin typeface="+mj-lt"/>
+                <a:ea typeface="+mj-ea"/>
+                <a:cs typeface="+mj-cs"/>
+              </a:defRPr>
+            </a:lvl1pPr>
+          </a:lstStyle>
+          <a:p>
+            <a:pPr marL="457200" indent="-457200">
+              <a:buFont typeface="Arial" panose="020B0604020202020204" pitchFamily="34" charset="0"/>
+              <a:buChar char="•"/>
+            </a:pPr>
+            <a:r>
+              <a:rPr lang="es-MX" b="1" dirty="0"/>
+              <a:t>Al ejecutar:</a:t>
+            </a:r>
+          </a:p>
+        </p:txBody>
+      </p:sp>
+      <p:pic>
+        <p:nvPicPr>
+          <p:cNvPr id="4" name="Imagen 3">
+            <a:extLst>
+              <a:ext uri="{FF2B5EF4-FFF2-40B4-BE49-F238E27FC236}">
+                <a16:creationId xmlns:a16="http://schemas.microsoft.com/office/drawing/2014/main" id="{B0B4B06F-D567-4B63-91E0-4A24F1831709}"/>
+              </a:ext>
+            </a:extLst>
+          </p:cNvPr>
+          <p:cNvPicPr>
+            <a:picLocks noChangeAspect="1"/>
+          </p:cNvPicPr>
+          <p:nvPr/>
+        </p:nvPicPr>
+        <p:blipFill>
+          <a:blip r:embed="rId4"/>
+          <a:stretch>
+            <a:fillRect/>
+          </a:stretch>
+        </p:blipFill>
+        <p:spPr>
+          <a:xfrm>
+            <a:off x="1135064" y="1108920"/>
+            <a:ext cx="4977353" cy="2816854"/>
+          </a:xfrm>
+          <a:prstGeom prst="rect">
+            <a:avLst/>
+          </a:prstGeom>
+          <a:ln>
+            <a:solidFill>
+              <a:schemeClr val="tx1"/>
+            </a:solidFill>
+          </a:ln>
+        </p:spPr>
+      </p:pic>
+    </p:spTree>
+    <p:extLst>
+      <p:ext uri="{BB962C8B-B14F-4D97-AF65-F5344CB8AC3E}">
+        <p14:creationId xmlns:p14="http://schemas.microsoft.com/office/powerpoint/2010/main" val="1159599882"/>
+      </p:ext>
+    </p:extLst>
+  </p:cSld>
+  <p:clrMapOvr>
+    <a:masterClrMapping/>
+  </p:clrMapOvr>
+</p:sld>
+</file>
+
+<file path=ppt/slides/slide25.xml><?xml version="1.0" encoding="utf-8"?>
+<p:sld xmlns:a="http://schemas.openxmlformats.org/drawingml/2006/main" xmlns:r="http://schemas.openxmlformats.org/officeDocument/2006/relationships" xmlns:p="http://schemas.openxmlformats.org/presentationml/2006/main">
+  <p:cSld>
+    <p:spTree>
+      <p:nvGrpSpPr>
+        <p:cNvPr id="1" name=""/>
+        <p:cNvGrpSpPr/>
+        <p:nvPr/>
+      </p:nvGrpSpPr>
+      <p:grpSpPr>
+        <a:xfrm>
+          <a:off x="0" y="0"/>
+          <a:ext cx="0" cy="0"/>
+          <a:chOff x="0" y="0"/>
+          <a:chExt cx="0" cy="0"/>
+        </a:xfrm>
+      </p:grpSpPr>
+      <p:sp>
+        <p:nvSpPr>
+          <p:cNvPr id="2" name="Título 1">
+            <a:extLst>
+              <a:ext uri="{FF2B5EF4-FFF2-40B4-BE49-F238E27FC236}">
+                <a16:creationId xmlns:a16="http://schemas.microsoft.com/office/drawing/2014/main" id="{3B7696A5-C6B7-4382-BB88-65896B7A0634}"/>
+              </a:ext>
+            </a:extLst>
+          </p:cNvPr>
+          <p:cNvSpPr>
+            <a:spLocks noGrp="1"/>
+          </p:cNvSpPr>
+          <p:nvPr>
+            <p:ph type="title"/>
+          </p:nvPr>
+        </p:nvSpPr>
+        <p:spPr>
+          <a:xfrm>
+            <a:off x="6096000" y="109350"/>
+            <a:ext cx="3222167" cy="712064"/>
+          </a:xfrm>
+        </p:spPr>
+        <p:txBody>
+          <a:bodyPr/>
+          <a:lstStyle/>
+          <a:p>
+            <a:r>
+              <a:rPr lang="es-MX" b="1" dirty="0"/>
+              <a:t>Acceso a datos</a:t>
+            </a:r>
+          </a:p>
+        </p:txBody>
+      </p:sp>
+      <p:pic>
+        <p:nvPicPr>
+          <p:cNvPr id="5" name="Imagen 4">
+            <a:extLst>
+              <a:ext uri="{FF2B5EF4-FFF2-40B4-BE49-F238E27FC236}">
+                <a16:creationId xmlns:a16="http://schemas.microsoft.com/office/drawing/2014/main" id="{0A8851E3-FB6C-41E3-BF95-687717A5D4D3}"/>
+              </a:ext>
+            </a:extLst>
+          </p:cNvPr>
+          <p:cNvPicPr>
+            <a:picLocks noChangeAspect="1"/>
+          </p:cNvPicPr>
+          <p:nvPr/>
+        </p:nvPicPr>
+        <p:blipFill>
+          <a:blip r:embed="rId2"/>
+          <a:stretch>
+            <a:fillRect/>
+          </a:stretch>
+        </p:blipFill>
+        <p:spPr>
+          <a:xfrm>
+            <a:off x="224120" y="0"/>
+            <a:ext cx="5635190" cy="6858000"/>
+          </a:xfrm>
+          <a:prstGeom prst="rect">
+            <a:avLst/>
+          </a:prstGeom>
+          <a:ln>
+            <a:solidFill>
+              <a:schemeClr val="tx1"/>
+            </a:solidFill>
+          </a:ln>
+        </p:spPr>
+      </p:pic>
+      <p:pic>
+        <p:nvPicPr>
+          <p:cNvPr id="9" name="Imagen 8">
+            <a:extLst>
+              <a:ext uri="{FF2B5EF4-FFF2-40B4-BE49-F238E27FC236}">
+                <a16:creationId xmlns:a16="http://schemas.microsoft.com/office/drawing/2014/main" id="{5AE8A227-C6D7-4430-9CE4-6D2B73EAA636}"/>
+              </a:ext>
+            </a:extLst>
+          </p:cNvPr>
+          <p:cNvPicPr>
+            <a:picLocks noChangeAspect="1"/>
+          </p:cNvPicPr>
+          <p:nvPr/>
+        </p:nvPicPr>
+        <p:blipFill rotWithShape="1">
+          <a:blip r:embed="rId3"/>
+          <a:srcRect l="63711" t="49307" r="13479" b="21340"/>
+          <a:stretch/>
+        </p:blipFill>
+        <p:spPr>
+          <a:xfrm>
+            <a:off x="6166841" y="978687"/>
+            <a:ext cx="5812791" cy="2103878"/>
+          </a:xfrm>
+          <a:prstGeom prst="rect">
+            <a:avLst/>
+          </a:prstGeom>
+          <a:ln>
+            <a:solidFill>
+              <a:schemeClr val="tx1"/>
+            </a:solidFill>
+          </a:ln>
+        </p:spPr>
+      </p:pic>
+      <p:sp>
+        <p:nvSpPr>
+          <p:cNvPr id="10" name="CuadroTexto 9">
+            <a:extLst>
+              <a:ext uri="{FF2B5EF4-FFF2-40B4-BE49-F238E27FC236}">
+                <a16:creationId xmlns:a16="http://schemas.microsoft.com/office/drawing/2014/main" id="{845EEF68-0D79-465C-B6FE-39FE61722698}"/>
+              </a:ext>
+            </a:extLst>
+          </p:cNvPr>
+          <p:cNvSpPr txBox="1"/>
+          <p:nvPr/>
+        </p:nvSpPr>
+        <p:spPr>
+          <a:xfrm>
+            <a:off x="6231118" y="3337089"/>
+            <a:ext cx="5635190" cy="2308324"/>
+          </a:xfrm>
+          <a:prstGeom prst="rect">
+            <a:avLst/>
+          </a:prstGeom>
+          <a:noFill/>
+          <a:ln>
+            <a:solidFill>
+              <a:schemeClr val="tx1"/>
+            </a:solidFill>
+          </a:ln>
+        </p:spPr>
+        <p:txBody>
+          <a:bodyPr wrap="square" rtlCol="0">
+            <a:spAutoFit/>
+          </a:bodyPr>
+          <a:lstStyle/>
+          <a:p>
+            <a:r>
+              <a:rPr lang="es-MX" dirty="0"/>
+              <a:t>Declaramos una clase de acceso a la base de datos en este caso </a:t>
+            </a:r>
+            <a:r>
+              <a:rPr lang="es-MX" dirty="0" err="1"/>
+              <a:t>EmpleadoDao</a:t>
+            </a:r>
+            <a:r>
+              <a:rPr lang="es-MX" dirty="0"/>
+              <a:t>. </a:t>
+            </a:r>
+          </a:p>
+          <a:p>
+            <a:r>
+              <a:rPr lang="es-MX" dirty="0"/>
+              <a:t>Posteriormente generamos el objeto Parking y Empleado y con la instrucción </a:t>
+            </a:r>
+            <a:r>
+              <a:rPr lang="es-MX" sz="1800" dirty="0">
+                <a:solidFill>
+                  <a:srgbClr val="000000"/>
+                </a:solidFill>
+                <a:highlight>
+                  <a:srgbClr val="E8F2FE"/>
+                </a:highlight>
+                <a:latin typeface="Consolas" panose="020B0609020204030204" pitchFamily="49" charset="0"/>
+              </a:rPr>
+              <a:t>cascade = </a:t>
+            </a:r>
+            <a:r>
+              <a:rPr lang="es-MX" sz="1800" dirty="0" err="1">
+                <a:solidFill>
+                  <a:srgbClr val="000000"/>
+                </a:solidFill>
+                <a:highlight>
+                  <a:srgbClr val="E8F2FE"/>
+                </a:highlight>
+                <a:latin typeface="Consolas" panose="020B0609020204030204" pitchFamily="49" charset="0"/>
+              </a:rPr>
+              <a:t>CascadeType.</a:t>
+            </a:r>
+            <a:r>
+              <a:rPr lang="es-MX" sz="1800" b="1" i="1" dirty="0" err="1">
+                <a:solidFill>
+                  <a:srgbClr val="0000C0"/>
+                </a:solidFill>
+                <a:highlight>
+                  <a:srgbClr val="E8F2FE"/>
+                </a:highlight>
+                <a:latin typeface="Consolas" panose="020B0609020204030204" pitchFamily="49" charset="0"/>
+              </a:rPr>
+              <a:t>ALL</a:t>
+            </a:r>
+            <a:r>
+              <a:rPr lang="es-MX" sz="1800" b="1" i="1" dirty="0">
+                <a:solidFill>
+                  <a:srgbClr val="0000C0"/>
+                </a:solidFill>
+                <a:highlight>
+                  <a:srgbClr val="E8F2FE"/>
+                </a:highlight>
+                <a:latin typeface="Consolas" panose="020B0609020204030204" pitchFamily="49" charset="0"/>
+              </a:rPr>
+              <a:t> </a:t>
+            </a:r>
+            <a:r>
+              <a:rPr lang="es-MX" dirty="0"/>
+              <a:t>se podrá insertar o eliminar la información de las dos tablas. </a:t>
+            </a:r>
+          </a:p>
+          <a:p>
+            <a:r>
+              <a:rPr lang="es-MX" dirty="0"/>
+              <a:t>Nótese que podemos acceder de la clase Empleado a la clase Parking. Pero no de forma inversa. </a:t>
+            </a:r>
+          </a:p>
+        </p:txBody>
+      </p:sp>
+    </p:spTree>
+    <p:extLst>
+      <p:ext uri="{BB962C8B-B14F-4D97-AF65-F5344CB8AC3E}">
+        <p14:creationId xmlns:p14="http://schemas.microsoft.com/office/powerpoint/2010/main" val="1690407075"/>
+      </p:ext>
+    </p:extLst>
+  </p:cSld>
+  <p:clrMapOvr>
+    <a:masterClrMapping/>
+  </p:clrMapOvr>
+</p:sld>
+</file>
+
+<file path=ppt/slides/slide26.xml><?xml version="1.0" encoding="utf-8"?>
+<p:sld xmlns:a="http://schemas.openxmlformats.org/drawingml/2006/main" xmlns:r="http://schemas.openxmlformats.org/officeDocument/2006/relationships" xmlns:p="http://schemas.openxmlformats.org/presentationml/2006/main">
+  <p:cSld>
+    <p:spTree>
+      <p:nvGrpSpPr>
+        <p:cNvPr id="1" name=""/>
+        <p:cNvGrpSpPr/>
+        <p:nvPr/>
+      </p:nvGrpSpPr>
+      <p:grpSpPr>
+        <a:xfrm>
+          <a:off x="0" y="0"/>
+          <a:ext cx="0" cy="0"/>
+          <a:chOff x="0" y="0"/>
+          <a:chExt cx="0" cy="0"/>
+        </a:xfrm>
+      </p:grpSpPr>
+      <p:sp>
+        <p:nvSpPr>
+          <p:cNvPr id="2" name="Título 1">
+            <a:extLst>
+              <a:ext uri="{FF2B5EF4-FFF2-40B4-BE49-F238E27FC236}">
+                <a16:creationId xmlns:a16="http://schemas.microsoft.com/office/drawing/2014/main" id="{BEB8144E-1223-4D40-AB29-CE08E26609FF}"/>
+              </a:ext>
+            </a:extLst>
+          </p:cNvPr>
+          <p:cNvSpPr>
+            <a:spLocks noGrp="1"/>
+          </p:cNvSpPr>
+          <p:nvPr>
+            <p:ph type="title"/>
+          </p:nvPr>
+        </p:nvSpPr>
+        <p:spPr/>
+        <p:txBody>
+          <a:bodyPr/>
+          <a:lstStyle/>
+          <a:p>
+            <a:r>
+              <a:rPr lang="es-MX" b="1" dirty="0"/>
+              <a:t>Ejecución</a:t>
+            </a:r>
+          </a:p>
+        </p:txBody>
+      </p:sp>
+      <p:pic>
+        <p:nvPicPr>
+          <p:cNvPr id="5" name="Imagen 4">
+            <a:extLst>
+              <a:ext uri="{FF2B5EF4-FFF2-40B4-BE49-F238E27FC236}">
+                <a16:creationId xmlns:a16="http://schemas.microsoft.com/office/drawing/2014/main" id="{DA4BE09D-B13E-485D-83F8-81C3C7079908}"/>
+              </a:ext>
+            </a:extLst>
+          </p:cNvPr>
+          <p:cNvPicPr>
+            <a:picLocks noChangeAspect="1"/>
+          </p:cNvPicPr>
+          <p:nvPr/>
+        </p:nvPicPr>
+        <p:blipFill>
+          <a:blip r:embed="rId2"/>
+          <a:stretch>
+            <a:fillRect/>
+          </a:stretch>
+        </p:blipFill>
+        <p:spPr>
+          <a:xfrm>
+            <a:off x="268255" y="1665272"/>
+            <a:ext cx="4048435" cy="4706306"/>
+          </a:xfrm>
+          <a:prstGeom prst="rect">
+            <a:avLst/>
+          </a:prstGeom>
+          <a:ln>
+            <a:solidFill>
+              <a:schemeClr val="tx1"/>
+            </a:solidFill>
+          </a:ln>
+        </p:spPr>
+      </p:pic>
+      <p:sp>
+        <p:nvSpPr>
+          <p:cNvPr id="6" name="CuadroTexto 5">
+            <a:extLst>
+              <a:ext uri="{FF2B5EF4-FFF2-40B4-BE49-F238E27FC236}">
+                <a16:creationId xmlns:a16="http://schemas.microsoft.com/office/drawing/2014/main" id="{13AD970C-9CDA-4470-AF6F-2416A20C2DE2}"/>
+              </a:ext>
+            </a:extLst>
+          </p:cNvPr>
+          <p:cNvSpPr txBox="1"/>
+          <p:nvPr/>
+        </p:nvSpPr>
+        <p:spPr>
+          <a:xfrm>
+            <a:off x="834501" y="1065229"/>
+            <a:ext cx="3016577" cy="523220"/>
+          </a:xfrm>
+          <a:prstGeom prst="rect">
+            <a:avLst/>
+          </a:prstGeom>
+          <a:noFill/>
+        </p:spPr>
+        <p:txBody>
+          <a:bodyPr wrap="square" rtlCol="0">
+            <a:spAutoFit/>
+          </a:bodyPr>
+          <a:lstStyle/>
+          <a:p>
+            <a:pPr marL="285750" indent="-285750">
+              <a:buFont typeface="Arial" panose="020B0604020202020204" pitchFamily="34" charset="0"/>
+              <a:buChar char="•"/>
+            </a:pPr>
+            <a:r>
+              <a:rPr lang="es-MX" sz="1400" dirty="0"/>
+              <a:t>Eliminar registro (Notar que se eliminan de las dos entidades</a:t>
+            </a:r>
+          </a:p>
+        </p:txBody>
+      </p:sp>
+      <p:pic>
+        <p:nvPicPr>
+          <p:cNvPr id="8" name="Imagen 7">
+            <a:extLst>
+              <a:ext uri="{FF2B5EF4-FFF2-40B4-BE49-F238E27FC236}">
+                <a16:creationId xmlns:a16="http://schemas.microsoft.com/office/drawing/2014/main" id="{6350C8FD-A46F-41AF-9A1D-9D966408474C}"/>
+              </a:ext>
+            </a:extLst>
+          </p:cNvPr>
+          <p:cNvPicPr>
+            <a:picLocks noChangeAspect="1"/>
+          </p:cNvPicPr>
+          <p:nvPr/>
+        </p:nvPicPr>
+        <p:blipFill>
+          <a:blip r:embed="rId3"/>
+          <a:stretch>
+            <a:fillRect/>
+          </a:stretch>
+        </p:blipFill>
+        <p:spPr>
+          <a:xfrm>
+            <a:off x="4499483" y="1665272"/>
+            <a:ext cx="2950196" cy="2388254"/>
+          </a:xfrm>
+          <a:prstGeom prst="rect">
+            <a:avLst/>
+          </a:prstGeom>
+          <a:ln>
+            <a:solidFill>
+              <a:schemeClr val="tx1"/>
+            </a:solidFill>
+          </a:ln>
+        </p:spPr>
+      </p:pic>
+      <p:sp>
+        <p:nvSpPr>
+          <p:cNvPr id="9" name="CuadroTexto 8">
+            <a:extLst>
+              <a:ext uri="{FF2B5EF4-FFF2-40B4-BE49-F238E27FC236}">
+                <a16:creationId xmlns:a16="http://schemas.microsoft.com/office/drawing/2014/main" id="{3CEFE36F-A7AF-4464-B51D-C222BC758220}"/>
+              </a:ext>
+            </a:extLst>
+          </p:cNvPr>
+          <p:cNvSpPr txBox="1"/>
+          <p:nvPr/>
+        </p:nvSpPr>
+        <p:spPr>
+          <a:xfrm>
+            <a:off x="4316690" y="1019062"/>
+            <a:ext cx="3016577" cy="307777"/>
+          </a:xfrm>
+          <a:prstGeom prst="rect">
+            <a:avLst/>
+          </a:prstGeom>
+          <a:noFill/>
+        </p:spPr>
+        <p:txBody>
+          <a:bodyPr wrap="square" rtlCol="0">
+            <a:spAutoFit/>
+          </a:bodyPr>
+          <a:lstStyle/>
+          <a:p>
+            <a:pPr marL="285750" indent="-285750">
+              <a:buFont typeface="Arial" panose="020B0604020202020204" pitchFamily="34" charset="0"/>
+              <a:buChar char="•"/>
+            </a:pPr>
+            <a:r>
+              <a:rPr lang="es-MX" sz="1400" dirty="0"/>
+              <a:t>Insertar registro</a:t>
+            </a:r>
+          </a:p>
+        </p:txBody>
+      </p:sp>
+      <p:pic>
+        <p:nvPicPr>
+          <p:cNvPr id="11" name="Imagen 10">
+            <a:extLst>
+              <a:ext uri="{FF2B5EF4-FFF2-40B4-BE49-F238E27FC236}">
+                <a16:creationId xmlns:a16="http://schemas.microsoft.com/office/drawing/2014/main" id="{C71EE635-EDC5-4F0F-BE82-C0514D5C5842}"/>
+              </a:ext>
+            </a:extLst>
+          </p:cNvPr>
+          <p:cNvPicPr>
+            <a:picLocks noChangeAspect="1"/>
+          </p:cNvPicPr>
+          <p:nvPr/>
+        </p:nvPicPr>
+        <p:blipFill>
+          <a:blip r:embed="rId4"/>
+          <a:stretch>
+            <a:fillRect/>
+          </a:stretch>
+        </p:blipFill>
+        <p:spPr>
+          <a:xfrm>
+            <a:off x="7723693" y="1665272"/>
+            <a:ext cx="4124325" cy="3276600"/>
+          </a:xfrm>
+          <a:prstGeom prst="rect">
+            <a:avLst/>
+          </a:prstGeom>
+          <a:ln>
+            <a:solidFill>
+              <a:schemeClr val="tx1"/>
+            </a:solidFill>
+          </a:ln>
+        </p:spPr>
+      </p:pic>
+      <p:sp>
+        <p:nvSpPr>
+          <p:cNvPr id="12" name="CuadroTexto 11">
+            <a:extLst>
+              <a:ext uri="{FF2B5EF4-FFF2-40B4-BE49-F238E27FC236}">
+                <a16:creationId xmlns:a16="http://schemas.microsoft.com/office/drawing/2014/main" id="{7DDFA3C1-153F-4DAE-8F67-3AB367821BB7}"/>
+              </a:ext>
+            </a:extLst>
+          </p:cNvPr>
+          <p:cNvSpPr txBox="1"/>
+          <p:nvPr/>
+        </p:nvSpPr>
+        <p:spPr>
+          <a:xfrm>
+            <a:off x="7723693" y="1019062"/>
+            <a:ext cx="3016577" cy="307777"/>
+          </a:xfrm>
+          <a:prstGeom prst="rect">
+            <a:avLst/>
+          </a:prstGeom>
+          <a:noFill/>
+        </p:spPr>
+        <p:txBody>
+          <a:bodyPr wrap="square" rtlCol="0">
+            <a:spAutoFit/>
+          </a:bodyPr>
+          <a:lstStyle/>
+          <a:p>
+            <a:pPr marL="285750" indent="-285750">
+              <a:buFont typeface="Arial" panose="020B0604020202020204" pitchFamily="34" charset="0"/>
+              <a:buChar char="•"/>
+            </a:pPr>
+            <a:r>
+              <a:rPr lang="es-MX" sz="1400" dirty="0"/>
+              <a:t>Consultar registros</a:t>
+            </a:r>
+          </a:p>
+        </p:txBody>
+      </p:sp>
+    </p:spTree>
+    <p:extLst>
+      <p:ext uri="{BB962C8B-B14F-4D97-AF65-F5344CB8AC3E}">
+        <p14:creationId xmlns:p14="http://schemas.microsoft.com/office/powerpoint/2010/main" val="53422198"/>
+      </p:ext>
+    </p:extLst>
+  </p:cSld>
+  <p:clrMapOvr>
+    <a:masterClrMapping/>
+  </p:clrMapOvr>
+</p:sld>
+</file>
+
+<file path=ppt/slides/slide27.xml><?xml version="1.0" encoding="utf-8"?>
+<p:sld xmlns:a="http://schemas.openxmlformats.org/drawingml/2006/main" xmlns:r="http://schemas.openxmlformats.org/officeDocument/2006/relationships" xmlns:p="http://schemas.openxmlformats.org/presentationml/2006/main">
+  <p:cSld>
+    <p:spTree>
+      <p:nvGrpSpPr>
+        <p:cNvPr id="1" name=""/>
+        <p:cNvGrpSpPr/>
+        <p:nvPr/>
+      </p:nvGrpSpPr>
+      <p:grpSpPr>
+        <a:xfrm>
+          <a:off x="0" y="0"/>
+          <a:ext cx="0" cy="0"/>
+          <a:chOff x="0" y="0"/>
+          <a:chExt cx="0" cy="0"/>
+        </a:xfrm>
+      </p:grpSpPr>
+      <p:sp>
+        <p:nvSpPr>
+          <p:cNvPr id="2" name="Título 1">
+            <a:extLst>
+              <a:ext uri="{FF2B5EF4-FFF2-40B4-BE49-F238E27FC236}">
+                <a16:creationId xmlns:a16="http://schemas.microsoft.com/office/drawing/2014/main" id="{3FB58BD3-872B-4385-8E73-9C64560E3AD8}"/>
+              </a:ext>
+            </a:extLst>
+          </p:cNvPr>
+          <p:cNvSpPr>
+            <a:spLocks noGrp="1"/>
+          </p:cNvSpPr>
+          <p:nvPr>
+            <p:ph type="title"/>
+          </p:nvPr>
+        </p:nvSpPr>
+        <p:spPr/>
+        <p:txBody>
+          <a:bodyPr/>
+          <a:lstStyle/>
+          <a:p>
+            <a:r>
+              <a:rPr lang="es-MX" b="1" dirty="0"/>
+              <a:t>@OneToOne Bidireccional</a:t>
+            </a:r>
+          </a:p>
+        </p:txBody>
+      </p:sp>
+      <p:sp>
+        <p:nvSpPr>
+          <p:cNvPr id="3" name="Marcador de contenido 2">
+            <a:extLst>
+              <a:ext uri="{FF2B5EF4-FFF2-40B4-BE49-F238E27FC236}">
+                <a16:creationId xmlns:a16="http://schemas.microsoft.com/office/drawing/2014/main" id="{EF5E3CDA-2E2C-4D02-AEAF-7F8018F1DE5C}"/>
+              </a:ext>
+            </a:extLst>
+          </p:cNvPr>
+          <p:cNvSpPr>
+            <a:spLocks noGrp="1"/>
+          </p:cNvSpPr>
+          <p:nvPr>
+            <p:ph idx="1"/>
+          </p:nvPr>
+        </p:nvSpPr>
+        <p:spPr/>
+        <p:txBody>
+          <a:bodyPr/>
+          <a:lstStyle/>
+          <a:p>
+            <a:r>
+              <a:rPr lang="es-MX" dirty="0"/>
+              <a:t>Veamos el siguiente ejemplo en diagramas de clases.</a:t>
+            </a:r>
+          </a:p>
+        </p:txBody>
+      </p:sp>
+      <p:pic>
+        <p:nvPicPr>
+          <p:cNvPr id="7" name="Imagen 6">
+            <a:extLst>
+              <a:ext uri="{FF2B5EF4-FFF2-40B4-BE49-F238E27FC236}">
+                <a16:creationId xmlns:a16="http://schemas.microsoft.com/office/drawing/2014/main" id="{A1D60D99-E79B-4EDA-A453-7D13CC4F2430}"/>
+              </a:ext>
+            </a:extLst>
+          </p:cNvPr>
+          <p:cNvPicPr>
+            <a:picLocks noChangeAspect="1"/>
+          </p:cNvPicPr>
+          <p:nvPr/>
+        </p:nvPicPr>
+        <p:blipFill rotWithShape="1">
+          <a:blip r:embed="rId2"/>
+          <a:srcRect r="19330" b="16939"/>
+          <a:stretch/>
+        </p:blipFill>
+        <p:spPr>
+          <a:xfrm>
+            <a:off x="2327463" y="2111013"/>
+            <a:ext cx="7537074" cy="3798375"/>
+          </a:xfrm>
+          <a:prstGeom prst="rect">
+            <a:avLst/>
+          </a:prstGeom>
+        </p:spPr>
+      </p:pic>
+    </p:spTree>
+    <p:extLst>
+      <p:ext uri="{BB962C8B-B14F-4D97-AF65-F5344CB8AC3E}">
+        <p14:creationId xmlns:p14="http://schemas.microsoft.com/office/powerpoint/2010/main" val="2584900201"/>
+      </p:ext>
+    </p:extLst>
+  </p:cSld>
+  <p:clrMapOvr>
+    <a:masterClrMapping/>
+  </p:clrMapOvr>
+</p:sld>
+</file>
+
+<file path=ppt/slides/slide28.xml><?xml version="1.0" encoding="utf-8"?>
+<p:sld xmlns:a="http://schemas.openxmlformats.org/drawingml/2006/main" xmlns:r="http://schemas.openxmlformats.org/officeDocument/2006/relationships" xmlns:p="http://schemas.openxmlformats.org/presentationml/2006/main">
+  <p:cSld>
+    <p:spTree>
+      <p:nvGrpSpPr>
+        <p:cNvPr id="1" name=""/>
+        <p:cNvGrpSpPr/>
+        <p:nvPr/>
+      </p:nvGrpSpPr>
+      <p:grpSpPr>
+        <a:xfrm>
+          <a:off x="0" y="0"/>
+          <a:ext cx="0" cy="0"/>
+          <a:chOff x="0" y="0"/>
+          <a:chExt cx="0" cy="0"/>
+        </a:xfrm>
+      </p:grpSpPr>
+      <p:sp>
+        <p:nvSpPr>
           <p:cNvPr id="3" name="Marcador de contenido 2">
             <a:extLst>
               <a:ext uri="{FF2B5EF4-FFF2-40B4-BE49-F238E27FC236}">
@@ -7291,7 +9469,7 @@
 </p:sld>
 </file>
 
-<file path=ppt/slides/slide25.xml><?xml version="1.0" encoding="utf-8"?>
+<file path=ppt/slides/slide29.xml><?xml version="1.0" encoding="utf-8"?>
 <p:sld xmlns:a="http://schemas.openxmlformats.org/drawingml/2006/main" xmlns:r="http://schemas.openxmlformats.org/officeDocument/2006/relationships" xmlns:p="http://schemas.openxmlformats.org/presentationml/2006/main">
   <p:cSld>
     <p:spTree>
